--- a/fordcs-docs/EDUp FORDCS-V1.0 Project-v2022.04/1-Presentation/EDUp FORDCS-V1.0 Project.v2022.04.pptx
+++ b/fordcs-docs/EDUp FORDCS-V1.0 Project-v2022.04/1-Presentation/EDUp FORDCS-V1.0 Project.v2022.04.pptx
@@ -6,20 +6,21 @@
   </p:sldMasterIdLst>
   <p:sldIdLst>
     <p:sldId id="256" r:id="rId2"/>
-    <p:sldId id="281" r:id="rId3"/>
-    <p:sldId id="284" r:id="rId4"/>
-    <p:sldId id="285" r:id="rId5"/>
-    <p:sldId id="286" r:id="rId6"/>
-    <p:sldId id="287" r:id="rId7"/>
-    <p:sldId id="283" r:id="rId8"/>
-    <p:sldId id="288" r:id="rId9"/>
-    <p:sldId id="289" r:id="rId10"/>
-    <p:sldId id="277" r:id="rId11"/>
-    <p:sldId id="276" r:id="rId12"/>
-    <p:sldId id="279" r:id="rId13"/>
-    <p:sldId id="282" r:id="rId14"/>
-    <p:sldId id="275" r:id="rId15"/>
-    <p:sldId id="258" r:id="rId16"/>
+    <p:sldId id="290" r:id="rId3"/>
+    <p:sldId id="281" r:id="rId4"/>
+    <p:sldId id="284" r:id="rId5"/>
+    <p:sldId id="285" r:id="rId6"/>
+    <p:sldId id="286" r:id="rId7"/>
+    <p:sldId id="287" r:id="rId8"/>
+    <p:sldId id="279" r:id="rId9"/>
+    <p:sldId id="283" r:id="rId10"/>
+    <p:sldId id="288" r:id="rId11"/>
+    <p:sldId id="289" r:id="rId12"/>
+    <p:sldId id="277" r:id="rId13"/>
+    <p:sldId id="276" r:id="rId14"/>
+    <p:sldId id="282" r:id="rId15"/>
+    <p:sldId id="275" r:id="rId16"/>
+    <p:sldId id="258" r:id="rId17"/>
   </p:sldIdLst>
   <p:sldSz cx="12192000" cy="6858000"/>
   <p:notesSz cx="6858000" cy="9144000"/>
@@ -273,7 +274,7 @@
           <a:p>
             <a:fld id="{44545C9C-B697-4804-AB64-643E534EC228}" type="datetimeFigureOut">
               <a:rPr lang="en-US" smtClean="0"/>
-              <a:t>4/10/2022</a:t>
+              <a:t>4/12/2022</a:t>
             </a:fld>
             <a:endParaRPr lang="en-US"/>
           </a:p>
@@ -471,7 +472,7 @@
           <a:p>
             <a:fld id="{44545C9C-B697-4804-AB64-643E534EC228}" type="datetimeFigureOut">
               <a:rPr lang="en-US" smtClean="0"/>
-              <a:t>4/10/2022</a:t>
+              <a:t>4/12/2022</a:t>
             </a:fld>
             <a:endParaRPr lang="en-US"/>
           </a:p>
@@ -679,7 +680,7 @@
           <a:p>
             <a:fld id="{44545C9C-B697-4804-AB64-643E534EC228}" type="datetimeFigureOut">
               <a:rPr lang="en-US" smtClean="0"/>
-              <a:t>4/10/2022</a:t>
+              <a:t>4/12/2022</a:t>
             </a:fld>
             <a:endParaRPr lang="en-US"/>
           </a:p>
@@ -866,7 +867,7 @@
           <a:p>
             <a:fld id="{44545C9C-B697-4804-AB64-643E534EC228}" type="datetimeFigureOut">
               <a:rPr lang="en-US" smtClean="0"/>
-              <a:t>4/10/2022</a:t>
+              <a:t>4/12/2022</a:t>
             </a:fld>
             <a:endParaRPr lang="en-US"/>
           </a:p>
@@ -1052,7 +1053,7 @@
           <a:p>
             <a:fld id="{44545C9C-B697-4804-AB64-643E534EC228}" type="datetimeFigureOut">
               <a:rPr lang="en-US" smtClean="0"/>
-              <a:t>4/10/2022</a:t>
+              <a:t>4/12/2022</a:t>
             </a:fld>
             <a:endParaRPr lang="en-US"/>
           </a:p>
@@ -1327,7 +1328,7 @@
           <a:p>
             <a:fld id="{44545C9C-B697-4804-AB64-643E534EC228}" type="datetimeFigureOut">
               <a:rPr lang="en-US" smtClean="0"/>
-              <a:t>4/10/2022</a:t>
+              <a:t>4/12/2022</a:t>
             </a:fld>
             <a:endParaRPr lang="en-US"/>
           </a:p>
@@ -1592,7 +1593,7 @@
           <a:p>
             <a:fld id="{44545C9C-B697-4804-AB64-643E534EC228}" type="datetimeFigureOut">
               <a:rPr lang="en-US" smtClean="0"/>
-              <a:t>4/10/2022</a:t>
+              <a:t>4/12/2022</a:t>
             </a:fld>
             <a:endParaRPr lang="en-US"/>
           </a:p>
@@ -2004,7 +2005,7 @@
           <a:p>
             <a:fld id="{44545C9C-B697-4804-AB64-643E534EC228}" type="datetimeFigureOut">
               <a:rPr lang="en-US" smtClean="0"/>
-              <a:t>4/10/2022</a:t>
+              <a:t>4/12/2022</a:t>
             </a:fld>
             <a:endParaRPr lang="en-US"/>
           </a:p>
@@ -2145,7 +2146,7 @@
           <a:p>
             <a:fld id="{44545C9C-B697-4804-AB64-643E534EC228}" type="datetimeFigureOut">
               <a:rPr lang="en-US" smtClean="0"/>
-              <a:t>4/10/2022</a:t>
+              <a:t>4/12/2022</a:t>
             </a:fld>
             <a:endParaRPr lang="en-US"/>
           </a:p>
@@ -2258,7 +2259,7 @@
           <a:p>
             <a:fld id="{44545C9C-B697-4804-AB64-643E534EC228}" type="datetimeFigureOut">
               <a:rPr lang="en-US" smtClean="0"/>
-              <a:t>4/10/2022</a:t>
+              <a:t>4/12/2022</a:t>
             </a:fld>
             <a:endParaRPr lang="en-US"/>
           </a:p>
@@ -2569,7 +2570,7 @@
           <a:p>
             <a:fld id="{44545C9C-B697-4804-AB64-643E534EC228}" type="datetimeFigureOut">
               <a:rPr lang="en-US" smtClean="0"/>
-              <a:t>4/10/2022</a:t>
+              <a:t>4/12/2022</a:t>
             </a:fld>
             <a:endParaRPr lang="en-US"/>
           </a:p>
@@ -2857,7 +2858,7 @@
           <a:p>
             <a:fld id="{44545C9C-B697-4804-AB64-643E534EC228}" type="datetimeFigureOut">
               <a:rPr lang="en-US" smtClean="0"/>
-              <a:t>4/10/2022</a:t>
+              <a:t>4/12/2022</a:t>
             </a:fld>
             <a:endParaRPr lang="en-US"/>
           </a:p>
@@ -3098,7 +3099,7 @@
           <a:p>
             <a:fld id="{44545C9C-B697-4804-AB64-643E534EC228}" type="datetimeFigureOut">
               <a:rPr lang="en-US" smtClean="0"/>
-              <a:t>4/10/2022</a:t>
+              <a:t>4/12/2022</a:t>
             </a:fld>
             <a:endParaRPr lang="en-US"/>
           </a:p>
@@ -5588,6 +5589,172 @@
       </p:grpSpPr>
       <p:sp>
         <p:nvSpPr>
+          <p:cNvPr id="4" name="Title 3">
+            <a:extLst>
+              <a:ext uri="{FF2B5EF4-FFF2-40B4-BE49-F238E27FC236}">
+                <a16:creationId xmlns:a16="http://schemas.microsoft.com/office/drawing/2014/main" id="{D5CDEF2B-EEF2-46CE-B9CE-2968635BFF21}"/>
+              </a:ext>
+            </a:extLst>
+          </p:cNvPr>
+          <p:cNvSpPr>
+            <a:spLocks noGrp="1"/>
+          </p:cNvSpPr>
+          <p:nvPr>
+            <p:ph type="title"/>
+          </p:nvPr>
+        </p:nvSpPr>
+        <p:spPr/>
+        <p:txBody>
+          <a:bodyPr/>
+          <a:lstStyle/>
+          <a:p>
+            <a:r>
+              <a:rPr lang="en-US" dirty="0"/>
+              <a:t>References</a:t>
+            </a:r>
+          </a:p>
+        </p:txBody>
+      </p:sp>
+      <p:sp>
+        <p:nvSpPr>
+          <p:cNvPr id="5" name="Content Placeholder 4">
+            <a:extLst>
+              <a:ext uri="{FF2B5EF4-FFF2-40B4-BE49-F238E27FC236}">
+                <a16:creationId xmlns:a16="http://schemas.microsoft.com/office/drawing/2014/main" id="{A4D4CC32-962D-4DD9-B303-F69E37185EE8}"/>
+              </a:ext>
+            </a:extLst>
+          </p:cNvPr>
+          <p:cNvSpPr>
+            <a:spLocks noGrp="1"/>
+          </p:cNvSpPr>
+          <p:nvPr>
+            <p:ph idx="1"/>
+          </p:nvPr>
+        </p:nvSpPr>
+        <p:spPr/>
+        <p:txBody>
+          <a:bodyPr/>
+          <a:lstStyle/>
+          <a:p>
+            <a:endParaRPr lang="en-US" dirty="0"/>
+          </a:p>
+        </p:txBody>
+      </p:sp>
+    </p:spTree>
+    <p:extLst>
+      <p:ext uri="{BB962C8B-B14F-4D97-AF65-F5344CB8AC3E}">
+        <p14:creationId xmlns:p14="http://schemas.microsoft.com/office/powerpoint/2010/main" val="2808498521"/>
+      </p:ext>
+    </p:extLst>
+  </p:cSld>
+  <p:clrMapOvr>
+    <a:masterClrMapping/>
+  </p:clrMapOvr>
+</p:sld>
+</file>
+
+<file path=ppt/slides/slide11.xml><?xml version="1.0" encoding="utf-8"?>
+<p:sld xmlns:a="http://schemas.openxmlformats.org/drawingml/2006/main" xmlns:r="http://schemas.openxmlformats.org/officeDocument/2006/relationships" xmlns:p="http://schemas.openxmlformats.org/presentationml/2006/main">
+  <p:cSld>
+    <p:spTree>
+      <p:nvGrpSpPr>
+        <p:cNvPr id="1" name=""/>
+        <p:cNvGrpSpPr/>
+        <p:nvPr/>
+      </p:nvGrpSpPr>
+      <p:grpSpPr>
+        <a:xfrm>
+          <a:off x="0" y="0"/>
+          <a:ext cx="0" cy="0"/>
+          <a:chOff x="0" y="0"/>
+          <a:chExt cx="0" cy="0"/>
+        </a:xfrm>
+      </p:grpSpPr>
+      <p:sp>
+        <p:nvSpPr>
+          <p:cNvPr id="2" name="Title 1">
+            <a:extLst>
+              <a:ext uri="{FF2B5EF4-FFF2-40B4-BE49-F238E27FC236}">
+                <a16:creationId xmlns:a16="http://schemas.microsoft.com/office/drawing/2014/main" id="{F86F35AA-6F9E-4F98-B9D7-A222656C9F08}"/>
+              </a:ext>
+            </a:extLst>
+          </p:cNvPr>
+          <p:cNvSpPr>
+            <a:spLocks noGrp="1"/>
+          </p:cNvSpPr>
+          <p:nvPr>
+            <p:ph type="title"/>
+          </p:nvPr>
+        </p:nvSpPr>
+        <p:spPr/>
+        <p:txBody>
+          <a:bodyPr/>
+          <a:lstStyle/>
+          <a:p>
+            <a:r>
+              <a:rPr lang="en-US" dirty="0"/>
+              <a:t>&lt;Annex - &gt; &lt;topic name&gt;&gt;</a:t>
+            </a:r>
+          </a:p>
+        </p:txBody>
+      </p:sp>
+      <p:sp>
+        <p:nvSpPr>
+          <p:cNvPr id="3" name="Content Placeholder 2">
+            <a:extLst>
+              <a:ext uri="{FF2B5EF4-FFF2-40B4-BE49-F238E27FC236}">
+                <a16:creationId xmlns:a16="http://schemas.microsoft.com/office/drawing/2014/main" id="{259FACC4-2953-4E44-B7FE-A9CF44DCE0F3}"/>
+              </a:ext>
+            </a:extLst>
+          </p:cNvPr>
+          <p:cNvSpPr>
+            <a:spLocks noGrp="1"/>
+          </p:cNvSpPr>
+          <p:nvPr>
+            <p:ph idx="1"/>
+          </p:nvPr>
+        </p:nvSpPr>
+        <p:spPr/>
+        <p:txBody>
+          <a:bodyPr/>
+          <a:lstStyle/>
+          <a:p>
+            <a:endParaRPr lang="en-US"/>
+          </a:p>
+        </p:txBody>
+      </p:sp>
+    </p:spTree>
+    <p:extLst>
+      <p:ext uri="{BB962C8B-B14F-4D97-AF65-F5344CB8AC3E}">
+        <p14:creationId xmlns:p14="http://schemas.microsoft.com/office/powerpoint/2010/main" val="1713442985"/>
+      </p:ext>
+    </p:extLst>
+  </p:cSld>
+  <p:clrMapOvr>
+    <a:masterClrMapping/>
+  </p:clrMapOvr>
+</p:sld>
+</file>
+
+<file path=ppt/slides/slide12.xml><?xml version="1.0" encoding="utf-8"?>
+<p:sld xmlns:a="http://schemas.openxmlformats.org/drawingml/2006/main" xmlns:r="http://schemas.openxmlformats.org/officeDocument/2006/relationships" xmlns:p="http://schemas.openxmlformats.org/presentationml/2006/main">
+  <p:cSld>
+    <p:spTree>
+      <p:nvGrpSpPr>
+        <p:cNvPr id="1" name=""/>
+        <p:cNvGrpSpPr/>
+        <p:nvPr/>
+      </p:nvGrpSpPr>
+      <p:grpSpPr>
+        <a:xfrm>
+          <a:off x="0" y="0"/>
+          <a:ext cx="0" cy="0"/>
+          <a:chOff x="0" y="0"/>
+          <a:chExt cx="0" cy="0"/>
+        </a:xfrm>
+      </p:grpSpPr>
+      <p:sp>
+        <p:nvSpPr>
           <p:cNvPr id="2" name="Title 1">
             <a:extLst>
               <a:ext uri="{FF2B5EF4-FFF2-40B4-BE49-F238E27FC236}">
@@ -5652,7 +5819,7 @@
 </p:sld>
 </file>
 
-<file path=ppt/slides/slide11.xml><?xml version="1.0" encoding="utf-8"?>
+<file path=ppt/slides/slide13.xml><?xml version="1.0" encoding="utf-8"?>
 <p:sld xmlns:a="http://schemas.openxmlformats.org/drawingml/2006/main" xmlns:r="http://schemas.openxmlformats.org/officeDocument/2006/relationships" xmlns:p="http://schemas.openxmlformats.org/presentationml/2006/main">
   <p:cSld>
     <p:spTree>
@@ -5824,7 +5991,3244 @@
 </p:sld>
 </file>
 
-<file path=ppt/slides/slide12.xml><?xml version="1.0" encoding="utf-8"?>
+<file path=ppt/slides/slide14.xml><?xml version="1.0" encoding="utf-8"?>
+<p:sld xmlns:a="http://schemas.openxmlformats.org/drawingml/2006/main" xmlns:r="http://schemas.openxmlformats.org/officeDocument/2006/relationships" xmlns:p="http://schemas.openxmlformats.org/presentationml/2006/main">
+  <p:cSld>
+    <p:spTree>
+      <p:nvGrpSpPr>
+        <p:cNvPr id="1" name=""/>
+        <p:cNvGrpSpPr/>
+        <p:nvPr/>
+      </p:nvGrpSpPr>
+      <p:grpSpPr>
+        <a:xfrm>
+          <a:off x="0" y="0"/>
+          <a:ext cx="0" cy="0"/>
+          <a:chOff x="0" y="0"/>
+          <a:chExt cx="0" cy="0"/>
+        </a:xfrm>
+      </p:grpSpPr>
+      <p:sp>
+        <p:nvSpPr>
+          <p:cNvPr id="2" name="Title 1">
+            <a:extLst>
+              <a:ext uri="{FF2B5EF4-FFF2-40B4-BE49-F238E27FC236}">
+                <a16:creationId xmlns:a16="http://schemas.microsoft.com/office/drawing/2014/main" id="{B8D7EE1D-1DF8-452F-8AA3-2C00ACFE4638}"/>
+              </a:ext>
+            </a:extLst>
+          </p:cNvPr>
+          <p:cNvSpPr>
+            <a:spLocks noGrp="1"/>
+          </p:cNvSpPr>
+          <p:nvPr>
+            <p:ph type="title"/>
+          </p:nvPr>
+        </p:nvSpPr>
+        <p:spPr/>
+        <p:txBody>
+          <a:bodyPr/>
+          <a:lstStyle/>
+          <a:p>
+            <a:r>
+              <a:rPr lang="en-US" dirty="0"/>
+              <a:t>Backyard</a:t>
+            </a:r>
+          </a:p>
+        </p:txBody>
+      </p:sp>
+      <p:sp>
+        <p:nvSpPr>
+          <p:cNvPr id="4" name="Text Placeholder 3">
+            <a:extLst>
+              <a:ext uri="{FF2B5EF4-FFF2-40B4-BE49-F238E27FC236}">
+                <a16:creationId xmlns:a16="http://schemas.microsoft.com/office/drawing/2014/main" id="{3BBF0A1E-B487-4740-AA3C-FBF659C7FBEC}"/>
+              </a:ext>
+            </a:extLst>
+          </p:cNvPr>
+          <p:cNvSpPr>
+            <a:spLocks noGrp="1"/>
+          </p:cNvSpPr>
+          <p:nvPr>
+            <p:ph type="body" idx="1"/>
+          </p:nvPr>
+        </p:nvSpPr>
+        <p:spPr/>
+        <p:txBody>
+          <a:bodyPr/>
+          <a:lstStyle/>
+          <a:p>
+            <a:endParaRPr lang="en-US"/>
+          </a:p>
+        </p:txBody>
+      </p:sp>
+    </p:spTree>
+    <p:extLst>
+      <p:ext uri="{BB962C8B-B14F-4D97-AF65-F5344CB8AC3E}">
+        <p14:creationId xmlns:p14="http://schemas.microsoft.com/office/powerpoint/2010/main" val="1348428271"/>
+      </p:ext>
+    </p:extLst>
+  </p:cSld>
+  <p:clrMapOvr>
+    <a:masterClrMapping/>
+  </p:clrMapOvr>
+</p:sld>
+</file>
+
+<file path=ppt/slides/slide15.xml><?xml version="1.0" encoding="utf-8"?>
+<p:sld xmlns:a="http://schemas.openxmlformats.org/drawingml/2006/main" xmlns:r="http://schemas.openxmlformats.org/officeDocument/2006/relationships" xmlns:p="http://schemas.openxmlformats.org/presentationml/2006/main">
+  <p:cSld>
+    <p:spTree>
+      <p:nvGrpSpPr>
+        <p:cNvPr id="1" name=""/>
+        <p:cNvGrpSpPr/>
+        <p:nvPr/>
+      </p:nvGrpSpPr>
+      <p:grpSpPr>
+        <a:xfrm>
+          <a:off x="0" y="0"/>
+          <a:ext cx="0" cy="0"/>
+          <a:chOff x="0" y="0"/>
+          <a:chExt cx="0" cy="0"/>
+        </a:xfrm>
+      </p:grpSpPr>
+      <p:sp>
+        <p:nvSpPr>
+          <p:cNvPr id="2" name="Title 1">
+            <a:extLst>
+              <a:ext uri="{FF2B5EF4-FFF2-40B4-BE49-F238E27FC236}">
+                <a16:creationId xmlns:a16="http://schemas.microsoft.com/office/drawing/2014/main" id="{5D3B5078-7757-4767-AEF6-369937360D8D}"/>
+              </a:ext>
+            </a:extLst>
+          </p:cNvPr>
+          <p:cNvSpPr>
+            <a:spLocks noGrp="1"/>
+          </p:cNvSpPr>
+          <p:nvPr>
+            <p:ph type="title"/>
+          </p:nvPr>
+        </p:nvSpPr>
+        <p:spPr>
+          <a:xfrm>
+            <a:off x="838200" y="1"/>
+            <a:ext cx="10515600" cy="1042736"/>
+          </a:xfrm>
+        </p:spPr>
+        <p:txBody>
+          <a:bodyPr>
+            <a:normAutofit fontScale="90000"/>
+          </a:bodyPr>
+          <a:lstStyle/>
+          <a:p>
+            <a:r>
+              <a:rPr lang="en-US" dirty="0"/>
+              <a:t>EDUp Project Story Stream</a:t>
+            </a:r>
+            <a:br>
+              <a:rPr lang="en-US" dirty="0"/>
+            </a:br>
+            <a:r>
+              <a:rPr lang="en-US" dirty="0"/>
+              <a:t>Checklist</a:t>
+            </a:r>
+          </a:p>
+        </p:txBody>
+      </p:sp>
+      <p:sp>
+        <p:nvSpPr>
+          <p:cNvPr id="3" name="Content Placeholder 2">
+            <a:extLst>
+              <a:ext uri="{FF2B5EF4-FFF2-40B4-BE49-F238E27FC236}">
+                <a16:creationId xmlns:a16="http://schemas.microsoft.com/office/drawing/2014/main" id="{BB52B4B9-8BC6-47F1-9253-84378701FD00}"/>
+              </a:ext>
+            </a:extLst>
+          </p:cNvPr>
+          <p:cNvSpPr>
+            <a:spLocks noGrp="1"/>
+          </p:cNvSpPr>
+          <p:nvPr>
+            <p:ph idx="1"/>
+          </p:nvPr>
+        </p:nvSpPr>
+        <p:spPr>
+          <a:xfrm>
+            <a:off x="838199" y="1042737"/>
+            <a:ext cx="11353801" cy="5815263"/>
+          </a:xfrm>
+        </p:spPr>
+        <p:txBody>
+          <a:bodyPr>
+            <a:normAutofit fontScale="85000" lnSpcReduction="20000"/>
+          </a:bodyPr>
+          <a:lstStyle/>
+          <a:p>
+            <a:r>
+              <a:rPr lang="en-US" dirty="0"/>
+              <a:t>The &lt; project-name&gt;</a:t>
+            </a:r>
+          </a:p>
+          <a:p>
+            <a:r>
+              <a:rPr lang="en-US" dirty="0"/>
+              <a:t>Customer Scope</a:t>
+            </a:r>
+          </a:p>
+          <a:p>
+            <a:pPr marL="914400" lvl="1" indent="-457200">
+              <a:buFont typeface="+mj-lt"/>
+              <a:buAutoNum type="arabicPeriod"/>
+            </a:pPr>
+            <a:r>
+              <a:rPr lang="en-US" dirty="0"/>
+              <a:t>Define the system boundaries</a:t>
+            </a:r>
+          </a:p>
+          <a:p>
+            <a:pPr marL="914400" lvl="1" indent="-457200">
+              <a:buFont typeface="+mj-lt"/>
+              <a:buAutoNum type="arabicPeriod"/>
+            </a:pPr>
+            <a:r>
+              <a:rPr lang="en-US" dirty="0"/>
+              <a:t>Define the scope of the customer needs/requirements</a:t>
+            </a:r>
+          </a:p>
+          <a:p>
+            <a:pPr marL="914400" lvl="1" indent="-457200">
+              <a:buFont typeface="+mj-lt"/>
+              <a:buAutoNum type="arabicPeriod"/>
+            </a:pPr>
+            <a:r>
+              <a:rPr lang="en-US" dirty="0"/>
+              <a:t>Describe the needs from the viewpoint of customer (use case, swagger-UI, UX, big-picture)</a:t>
+            </a:r>
+          </a:p>
+          <a:p>
+            <a:pPr marL="914400" lvl="1" indent="-457200">
+              <a:buFont typeface="+mj-lt"/>
+              <a:buAutoNum type="arabicPeriod"/>
+            </a:pPr>
+            <a:r>
+              <a:rPr lang="en-US" dirty="0"/>
+              <a:t>Define the customer's knowhow profile</a:t>
+            </a:r>
+          </a:p>
+          <a:p>
+            <a:r>
+              <a:rPr lang="en-US" dirty="0"/>
+              <a:t>Supplier (Project) Scope </a:t>
+            </a:r>
+          </a:p>
+          <a:p>
+            <a:pPr marL="914400" lvl="1" indent="-457200">
+              <a:buFont typeface="+mj-lt"/>
+              <a:buAutoNum type="arabicPeriod"/>
+            </a:pPr>
+            <a:r>
+              <a:rPr lang="en-US" dirty="0"/>
+              <a:t>Define the system requirements from the viewpoint of supplier (describe with the means of Supplier's technology, tools, ..., HW/SW big-picture)</a:t>
+            </a:r>
+          </a:p>
+          <a:p>
+            <a:pPr marL="914400" lvl="1" indent="-457200">
+              <a:buFont typeface="+mj-lt"/>
+              <a:buAutoNum type="arabicPeriod"/>
+            </a:pPr>
+            <a:r>
+              <a:rPr lang="en-US" dirty="0"/>
+              <a:t>Define the supplier's knowhow profile</a:t>
+            </a:r>
+          </a:p>
+          <a:p>
+            <a:pPr marL="914400" lvl="1" indent="-457200">
+              <a:buFont typeface="+mj-lt"/>
+              <a:buAutoNum type="arabicPeriod"/>
+            </a:pPr>
+            <a:r>
+              <a:rPr lang="en-US" dirty="0"/>
+              <a:t>Define a project roadmap (project timeline)</a:t>
+            </a:r>
+          </a:p>
+          <a:p>
+            <a:pPr marL="914400" lvl="1" indent="-457200">
+              <a:buFont typeface="+mj-lt"/>
+              <a:buAutoNum type="arabicPeriod"/>
+            </a:pPr>
+            <a:r>
+              <a:rPr lang="en-US" dirty="0"/>
+              <a:t>Create artifacts according to EDUp-Full-Stack-Software-Project-Development-Method.pptx </a:t>
+            </a:r>
+          </a:p>
+          <a:p>
+            <a:pPr marL="1371600" lvl="2" indent="-457200">
+              <a:buFont typeface="+mj-lt"/>
+              <a:buAutoNum type="arabicPeriod"/>
+            </a:pPr>
+            <a:r>
+              <a:rPr lang="en-US" dirty="0"/>
+              <a:t>See slide “Full-Stack Software Project Development Method” (#4)</a:t>
+            </a:r>
+          </a:p>
+          <a:p>
+            <a:pPr marL="914400" lvl="1" indent="-457200">
+              <a:buFont typeface="+mj-lt"/>
+              <a:buAutoNum type="arabicPeriod"/>
+            </a:pPr>
+            <a:r>
+              <a:rPr lang="en-US" dirty="0"/>
+              <a:t>Define the sys/</a:t>
+            </a:r>
+            <a:r>
+              <a:rPr lang="en-US" dirty="0" err="1"/>
+              <a:t>sw</a:t>
+            </a:r>
+            <a:r>
+              <a:rPr lang="en-US" dirty="0"/>
+              <a:t>-architecture covering the sys-req component-wise (SOA, component-based arch, domain model)</a:t>
+            </a:r>
+          </a:p>
+          <a:p>
+            <a:pPr marL="1371600" lvl="2" indent="-457200">
+              <a:buFont typeface="+mj-lt"/>
+              <a:buAutoNum type="arabicPeriod"/>
+            </a:pPr>
+            <a:r>
+              <a:rPr lang="en-US" dirty="0"/>
+              <a:t>Define alternative solutions and references</a:t>
+            </a:r>
+          </a:p>
+          <a:p>
+            <a:pPr marL="1371600" lvl="2" indent="-457200">
+              <a:buFont typeface="+mj-lt"/>
+              <a:buAutoNum type="arabicPeriod"/>
+            </a:pPr>
+            <a:r>
+              <a:rPr lang="en-US" dirty="0"/>
+              <a:t>Define the components based on Spring architecture</a:t>
+            </a:r>
+          </a:p>
+          <a:p>
+            <a:pPr marL="914400" lvl="1" indent="-457200">
+              <a:buFont typeface="+mj-lt"/>
+              <a:buAutoNum type="arabicPeriod"/>
+            </a:pPr>
+            <a:r>
+              <a:rPr lang="en-US" dirty="0"/>
+              <a:t>Define DevOps (the dev-env and dev-ops)</a:t>
+            </a:r>
+          </a:p>
+          <a:p>
+            <a:pPr marL="914400" lvl="1" indent="-457200">
+              <a:buFont typeface="+mj-lt"/>
+              <a:buAutoNum type="arabicPeriod"/>
+            </a:pPr>
+            <a:r>
+              <a:rPr lang="en-US" dirty="0"/>
+              <a:t>Define V&amp;V-spec and -env</a:t>
+            </a:r>
+          </a:p>
+          <a:p>
+            <a:pPr marL="914400" lvl="1" indent="-457200">
+              <a:buFont typeface="+mj-lt"/>
+              <a:buAutoNum type="arabicPeriod"/>
+            </a:pPr>
+            <a:r>
+              <a:rPr lang="en-US" dirty="0"/>
+              <a:t>Define Deployment (deliverables, release content and media)</a:t>
+            </a:r>
+          </a:p>
+        </p:txBody>
+      </p:sp>
+    </p:spTree>
+    <p:extLst>
+      <p:ext uri="{BB962C8B-B14F-4D97-AF65-F5344CB8AC3E}">
+        <p14:creationId xmlns:p14="http://schemas.microsoft.com/office/powerpoint/2010/main" val="383692364"/>
+      </p:ext>
+    </p:extLst>
+  </p:cSld>
+  <p:clrMapOvr>
+    <a:masterClrMapping/>
+  </p:clrMapOvr>
+</p:sld>
+</file>
+
+<file path=ppt/slides/slide16.xml><?xml version="1.0" encoding="utf-8"?>
+<p:sld xmlns:a="http://schemas.openxmlformats.org/drawingml/2006/main" xmlns:r="http://schemas.openxmlformats.org/officeDocument/2006/relationships" xmlns:p="http://schemas.openxmlformats.org/presentationml/2006/main" showMasterSp="0">
+  <p:cSld>
+    <p:spTree>
+      <p:nvGrpSpPr>
+        <p:cNvPr id="1" name=""/>
+        <p:cNvGrpSpPr/>
+        <p:nvPr/>
+      </p:nvGrpSpPr>
+      <p:grpSpPr>
+        <a:xfrm>
+          <a:off x="0" y="0"/>
+          <a:ext cx="0" cy="0"/>
+          <a:chOff x="0" y="0"/>
+          <a:chExt cx="0" cy="0"/>
+        </a:xfrm>
+      </p:grpSpPr>
+      <p:sp>
+        <p:nvSpPr>
+          <p:cNvPr id="2" name="Title 1">
+            <a:extLst>
+              <a:ext uri="{FF2B5EF4-FFF2-40B4-BE49-F238E27FC236}">
+                <a16:creationId xmlns:a16="http://schemas.microsoft.com/office/drawing/2014/main" id="{2A99916E-D78A-431D-A28E-B2E3B0313B31}"/>
+              </a:ext>
+            </a:extLst>
+          </p:cNvPr>
+          <p:cNvSpPr>
+            <a:spLocks noGrp="1"/>
+          </p:cNvSpPr>
+          <p:nvPr>
+            <p:ph type="title"/>
+          </p:nvPr>
+        </p:nvSpPr>
+        <p:spPr>
+          <a:xfrm>
+            <a:off x="272716" y="1"/>
+            <a:ext cx="11919284" cy="1569260"/>
+          </a:xfrm>
+        </p:spPr>
+        <p:txBody>
+          <a:bodyPr>
+            <a:noAutofit/>
+          </a:bodyPr>
+          <a:lstStyle/>
+          <a:p>
+            <a:r>
+              <a:rPr lang="en-US" sz="3600" dirty="0"/>
+              <a:t>EDUp Project Story Stream</a:t>
+            </a:r>
+          </a:p>
+        </p:txBody>
+      </p:sp>
+      <p:grpSp>
+        <p:nvGrpSpPr>
+          <p:cNvPr id="133" name="Group 132">
+            <a:extLst>
+              <a:ext uri="{FF2B5EF4-FFF2-40B4-BE49-F238E27FC236}">
+                <a16:creationId xmlns:a16="http://schemas.microsoft.com/office/drawing/2014/main" id="{C55F4C82-86B0-4A9F-B2D2-DB26149D6001}"/>
+              </a:ext>
+            </a:extLst>
+          </p:cNvPr>
+          <p:cNvGrpSpPr/>
+          <p:nvPr/>
+        </p:nvGrpSpPr>
+        <p:grpSpPr>
+          <a:xfrm>
+            <a:off x="1299471" y="1569262"/>
+            <a:ext cx="341760" cy="298616"/>
+            <a:chOff x="1299471" y="1569262"/>
+            <a:chExt cx="341760" cy="298616"/>
+          </a:xfrm>
+        </p:grpSpPr>
+        <p:sp>
+          <p:nvSpPr>
+            <p:cNvPr id="132" name="TextBox 131">
+              <a:extLst>
+                <a:ext uri="{FF2B5EF4-FFF2-40B4-BE49-F238E27FC236}">
+                  <a16:creationId xmlns:a16="http://schemas.microsoft.com/office/drawing/2014/main" id="{5D9539BD-EFFA-49DD-9DF8-31F486A29803}"/>
+                </a:ext>
+              </a:extLst>
+            </p:cNvPr>
+            <p:cNvSpPr txBox="1"/>
+            <p:nvPr/>
+          </p:nvSpPr>
+          <p:spPr>
+            <a:xfrm>
+              <a:off x="1299471" y="1580070"/>
+              <a:ext cx="341760" cy="276999"/>
+            </a:xfrm>
+            <a:prstGeom prst="rect">
+              <a:avLst/>
+            </a:prstGeom>
+            <a:noFill/>
+          </p:spPr>
+          <p:txBody>
+            <a:bodyPr wrap="none" rtlCol="0">
+              <a:spAutoFit/>
+            </a:bodyPr>
+            <a:lstStyle/>
+            <a:p>
+              <a:r>
+                <a:rPr lang="en-US" sz="1200" dirty="0">
+                  <a:solidFill>
+                    <a:schemeClr val="accent5">
+                      <a:lumMod val="75000"/>
+                    </a:schemeClr>
+                  </a:solidFill>
+                </a:rPr>
+                <a:t>00</a:t>
+              </a:r>
+            </a:p>
+          </p:txBody>
+        </p:sp>
+        <p:sp>
+          <p:nvSpPr>
+            <p:cNvPr id="3" name="Oval 2">
+              <a:extLst>
+                <a:ext uri="{FF2B5EF4-FFF2-40B4-BE49-F238E27FC236}">
+                  <a16:creationId xmlns:a16="http://schemas.microsoft.com/office/drawing/2014/main" id="{D0BB232B-4FA0-4AD0-B301-F81775B3CA8E}"/>
+                </a:ext>
+              </a:extLst>
+            </p:cNvPr>
+            <p:cNvSpPr/>
+            <p:nvPr/>
+          </p:nvSpPr>
+          <p:spPr>
+            <a:xfrm>
+              <a:off x="1312985" y="1569262"/>
+              <a:ext cx="328246" cy="298616"/>
+            </a:xfrm>
+            <a:prstGeom prst="ellipse">
+              <a:avLst/>
+            </a:prstGeom>
+            <a:noFill/>
+          </p:spPr>
+          <p:style>
+            <a:lnRef idx="2">
+              <a:schemeClr val="accent1">
+                <a:shade val="50000"/>
+              </a:schemeClr>
+            </a:lnRef>
+            <a:fillRef idx="1">
+              <a:schemeClr val="accent1"/>
+            </a:fillRef>
+            <a:effectRef idx="0">
+              <a:schemeClr val="accent1"/>
+            </a:effectRef>
+            <a:fontRef idx="minor">
+              <a:schemeClr val="lt1"/>
+            </a:fontRef>
+          </p:style>
+          <p:txBody>
+            <a:bodyPr rtlCol="0" anchor="ctr"/>
+            <a:lstStyle/>
+            <a:p>
+              <a:pPr algn="ctr"/>
+              <a:endParaRPr lang="en-US" sz="800" dirty="0">
+                <a:solidFill>
+                  <a:schemeClr val="accent5">
+                    <a:lumMod val="75000"/>
+                  </a:schemeClr>
+                </a:solidFill>
+              </a:endParaRPr>
+            </a:p>
+          </p:txBody>
+        </p:sp>
+      </p:grpSp>
+      <p:grpSp>
+        <p:nvGrpSpPr>
+          <p:cNvPr id="131" name="Group 130">
+            <a:extLst>
+              <a:ext uri="{FF2B5EF4-FFF2-40B4-BE49-F238E27FC236}">
+                <a16:creationId xmlns:a16="http://schemas.microsoft.com/office/drawing/2014/main" id="{37446761-3D4C-448C-A531-6DD3A9671BE4}"/>
+              </a:ext>
+            </a:extLst>
+          </p:cNvPr>
+          <p:cNvGrpSpPr/>
+          <p:nvPr/>
+        </p:nvGrpSpPr>
+        <p:grpSpPr>
+          <a:xfrm>
+            <a:off x="6820877" y="1250462"/>
+            <a:ext cx="2156224" cy="1062892"/>
+            <a:chOff x="6820877" y="1250462"/>
+            <a:chExt cx="2156224" cy="1062892"/>
+          </a:xfrm>
+        </p:grpSpPr>
+        <p:sp>
+          <p:nvSpPr>
+            <p:cNvPr id="123" name="Right Brace 122">
+              <a:extLst>
+                <a:ext uri="{FF2B5EF4-FFF2-40B4-BE49-F238E27FC236}">
+                  <a16:creationId xmlns:a16="http://schemas.microsoft.com/office/drawing/2014/main" id="{6224450A-5D78-4F26-9F4C-C8F75B768E29}"/>
+                </a:ext>
+              </a:extLst>
+            </p:cNvPr>
+            <p:cNvSpPr/>
+            <p:nvPr/>
+          </p:nvSpPr>
+          <p:spPr>
+            <a:xfrm>
+              <a:off x="6820877" y="1250462"/>
+              <a:ext cx="273538" cy="1062892"/>
+            </a:xfrm>
+            <a:prstGeom prst="rightBrace">
+              <a:avLst/>
+            </a:prstGeom>
+          </p:spPr>
+          <p:style>
+            <a:lnRef idx="1">
+              <a:schemeClr val="accent1"/>
+            </a:lnRef>
+            <a:fillRef idx="0">
+              <a:schemeClr val="accent1"/>
+            </a:fillRef>
+            <a:effectRef idx="0">
+              <a:schemeClr val="accent1"/>
+            </a:effectRef>
+            <a:fontRef idx="minor">
+              <a:schemeClr val="tx1"/>
+            </a:fontRef>
+          </p:style>
+          <p:txBody>
+            <a:bodyPr rtlCol="0" anchor="ctr"/>
+            <a:lstStyle/>
+            <a:p>
+              <a:pPr algn="ctr"/>
+              <a:endParaRPr lang="en-US"/>
+            </a:p>
+          </p:txBody>
+        </p:sp>
+        <p:sp>
+          <p:nvSpPr>
+            <p:cNvPr id="130" name="TextBox 129">
+              <a:extLst>
+                <a:ext uri="{FF2B5EF4-FFF2-40B4-BE49-F238E27FC236}">
+                  <a16:creationId xmlns:a16="http://schemas.microsoft.com/office/drawing/2014/main" id="{1FC40383-ED64-4A89-AE0B-C3069F5BD2D6}"/>
+                </a:ext>
+              </a:extLst>
+            </p:cNvPr>
+            <p:cNvSpPr txBox="1"/>
+            <p:nvPr/>
+          </p:nvSpPr>
+          <p:spPr>
+            <a:xfrm>
+              <a:off x="7269902" y="1597242"/>
+              <a:ext cx="1707199" cy="369332"/>
+            </a:xfrm>
+            <a:prstGeom prst="rect">
+              <a:avLst/>
+            </a:prstGeom>
+            <a:noFill/>
+          </p:spPr>
+          <p:txBody>
+            <a:bodyPr wrap="none" rtlCol="0">
+              <a:spAutoFit/>
+            </a:bodyPr>
+            <a:lstStyle/>
+            <a:p>
+              <a:r>
+                <a:rPr lang="en-US" dirty="0">
+                  <a:solidFill>
+                    <a:schemeClr val="accent5">
+                      <a:lumMod val="75000"/>
+                    </a:schemeClr>
+                  </a:solidFill>
+                </a:rPr>
+                <a:t>Customer Scope</a:t>
+              </a:r>
+            </a:p>
+          </p:txBody>
+        </p:sp>
+      </p:grpSp>
+      <p:grpSp>
+        <p:nvGrpSpPr>
+          <p:cNvPr id="134" name="Group 133">
+            <a:extLst>
+              <a:ext uri="{FF2B5EF4-FFF2-40B4-BE49-F238E27FC236}">
+                <a16:creationId xmlns:a16="http://schemas.microsoft.com/office/drawing/2014/main" id="{AB063BBE-8091-4A4D-A8F7-E65A806258CC}"/>
+              </a:ext>
+            </a:extLst>
+          </p:cNvPr>
+          <p:cNvGrpSpPr/>
+          <p:nvPr/>
+        </p:nvGrpSpPr>
+        <p:grpSpPr>
+          <a:xfrm>
+            <a:off x="2379621" y="1565354"/>
+            <a:ext cx="341760" cy="298616"/>
+            <a:chOff x="1299471" y="1569262"/>
+            <a:chExt cx="341760" cy="298616"/>
+          </a:xfrm>
+        </p:grpSpPr>
+        <p:sp>
+          <p:nvSpPr>
+            <p:cNvPr id="135" name="TextBox 134">
+              <a:extLst>
+                <a:ext uri="{FF2B5EF4-FFF2-40B4-BE49-F238E27FC236}">
+                  <a16:creationId xmlns:a16="http://schemas.microsoft.com/office/drawing/2014/main" id="{AEADFA34-C2EC-4E02-BDDE-4A1E50FEEF73}"/>
+                </a:ext>
+              </a:extLst>
+            </p:cNvPr>
+            <p:cNvSpPr txBox="1"/>
+            <p:nvPr/>
+          </p:nvSpPr>
+          <p:spPr>
+            <a:xfrm>
+              <a:off x="1299471" y="1580070"/>
+              <a:ext cx="341760" cy="276999"/>
+            </a:xfrm>
+            <a:prstGeom prst="rect">
+              <a:avLst/>
+            </a:prstGeom>
+            <a:noFill/>
+          </p:spPr>
+          <p:txBody>
+            <a:bodyPr wrap="none" rtlCol="0">
+              <a:spAutoFit/>
+            </a:bodyPr>
+            <a:lstStyle/>
+            <a:p>
+              <a:r>
+                <a:rPr lang="en-US" sz="1200" dirty="0">
+                  <a:solidFill>
+                    <a:schemeClr val="accent5">
+                      <a:lumMod val="75000"/>
+                    </a:schemeClr>
+                  </a:solidFill>
+                </a:rPr>
+                <a:t>00</a:t>
+              </a:r>
+            </a:p>
+          </p:txBody>
+        </p:sp>
+        <p:sp>
+          <p:nvSpPr>
+            <p:cNvPr id="136" name="Oval 135">
+              <a:extLst>
+                <a:ext uri="{FF2B5EF4-FFF2-40B4-BE49-F238E27FC236}">
+                  <a16:creationId xmlns:a16="http://schemas.microsoft.com/office/drawing/2014/main" id="{042F444E-FA42-47FD-B271-B03EA2A1C618}"/>
+                </a:ext>
+              </a:extLst>
+            </p:cNvPr>
+            <p:cNvSpPr/>
+            <p:nvPr/>
+          </p:nvSpPr>
+          <p:spPr>
+            <a:xfrm>
+              <a:off x="1312985" y="1569262"/>
+              <a:ext cx="328246" cy="298616"/>
+            </a:xfrm>
+            <a:prstGeom prst="ellipse">
+              <a:avLst/>
+            </a:prstGeom>
+            <a:noFill/>
+          </p:spPr>
+          <p:style>
+            <a:lnRef idx="2">
+              <a:schemeClr val="accent1">
+                <a:shade val="50000"/>
+              </a:schemeClr>
+            </a:lnRef>
+            <a:fillRef idx="1">
+              <a:schemeClr val="accent1"/>
+            </a:fillRef>
+            <a:effectRef idx="0">
+              <a:schemeClr val="accent1"/>
+            </a:effectRef>
+            <a:fontRef idx="minor">
+              <a:schemeClr val="lt1"/>
+            </a:fontRef>
+          </p:style>
+          <p:txBody>
+            <a:bodyPr rtlCol="0" anchor="ctr"/>
+            <a:lstStyle/>
+            <a:p>
+              <a:pPr algn="ctr"/>
+              <a:endParaRPr lang="en-US" sz="800" dirty="0">
+                <a:solidFill>
+                  <a:schemeClr val="accent5">
+                    <a:lumMod val="75000"/>
+                  </a:schemeClr>
+                </a:solidFill>
+              </a:endParaRPr>
+            </a:p>
+          </p:txBody>
+        </p:sp>
+      </p:grpSp>
+      <p:grpSp>
+        <p:nvGrpSpPr>
+          <p:cNvPr id="137" name="Group 136">
+            <a:extLst>
+              <a:ext uri="{FF2B5EF4-FFF2-40B4-BE49-F238E27FC236}">
+                <a16:creationId xmlns:a16="http://schemas.microsoft.com/office/drawing/2014/main" id="{61868C11-49BD-4EF9-BA1B-96F9938BFD16}"/>
+              </a:ext>
+            </a:extLst>
+          </p:cNvPr>
+          <p:cNvGrpSpPr/>
+          <p:nvPr/>
+        </p:nvGrpSpPr>
+        <p:grpSpPr>
+          <a:xfrm>
+            <a:off x="3459771" y="1565354"/>
+            <a:ext cx="341760" cy="298616"/>
+            <a:chOff x="1299471" y="1569262"/>
+            <a:chExt cx="341760" cy="298616"/>
+          </a:xfrm>
+        </p:grpSpPr>
+        <p:sp>
+          <p:nvSpPr>
+            <p:cNvPr id="138" name="TextBox 137">
+              <a:extLst>
+                <a:ext uri="{FF2B5EF4-FFF2-40B4-BE49-F238E27FC236}">
+                  <a16:creationId xmlns:a16="http://schemas.microsoft.com/office/drawing/2014/main" id="{1E9EFC23-D9AC-4F01-B282-133C502C3E3F}"/>
+                </a:ext>
+              </a:extLst>
+            </p:cNvPr>
+            <p:cNvSpPr txBox="1"/>
+            <p:nvPr/>
+          </p:nvSpPr>
+          <p:spPr>
+            <a:xfrm>
+              <a:off x="1299471" y="1580070"/>
+              <a:ext cx="341760" cy="276999"/>
+            </a:xfrm>
+            <a:prstGeom prst="rect">
+              <a:avLst/>
+            </a:prstGeom>
+            <a:noFill/>
+          </p:spPr>
+          <p:txBody>
+            <a:bodyPr wrap="none" rtlCol="0">
+              <a:spAutoFit/>
+            </a:bodyPr>
+            <a:lstStyle/>
+            <a:p>
+              <a:r>
+                <a:rPr lang="en-US" sz="1200" dirty="0">
+                  <a:solidFill>
+                    <a:schemeClr val="accent5">
+                      <a:lumMod val="75000"/>
+                    </a:schemeClr>
+                  </a:solidFill>
+                </a:rPr>
+                <a:t>00</a:t>
+              </a:r>
+            </a:p>
+          </p:txBody>
+        </p:sp>
+        <p:sp>
+          <p:nvSpPr>
+            <p:cNvPr id="139" name="Oval 138">
+              <a:extLst>
+                <a:ext uri="{FF2B5EF4-FFF2-40B4-BE49-F238E27FC236}">
+                  <a16:creationId xmlns:a16="http://schemas.microsoft.com/office/drawing/2014/main" id="{C7CE041E-3850-4753-8DB2-AF670FB742A6}"/>
+                </a:ext>
+              </a:extLst>
+            </p:cNvPr>
+            <p:cNvSpPr/>
+            <p:nvPr/>
+          </p:nvSpPr>
+          <p:spPr>
+            <a:xfrm>
+              <a:off x="1312985" y="1569262"/>
+              <a:ext cx="328246" cy="298616"/>
+            </a:xfrm>
+            <a:prstGeom prst="ellipse">
+              <a:avLst/>
+            </a:prstGeom>
+            <a:noFill/>
+          </p:spPr>
+          <p:style>
+            <a:lnRef idx="2">
+              <a:schemeClr val="accent1">
+                <a:shade val="50000"/>
+              </a:schemeClr>
+            </a:lnRef>
+            <a:fillRef idx="1">
+              <a:schemeClr val="accent1"/>
+            </a:fillRef>
+            <a:effectRef idx="0">
+              <a:schemeClr val="accent1"/>
+            </a:effectRef>
+            <a:fontRef idx="minor">
+              <a:schemeClr val="lt1"/>
+            </a:fontRef>
+          </p:style>
+          <p:txBody>
+            <a:bodyPr rtlCol="0" anchor="ctr"/>
+            <a:lstStyle/>
+            <a:p>
+              <a:pPr algn="ctr"/>
+              <a:endParaRPr lang="en-US" sz="800" dirty="0">
+                <a:solidFill>
+                  <a:schemeClr val="accent5">
+                    <a:lumMod val="75000"/>
+                  </a:schemeClr>
+                </a:solidFill>
+              </a:endParaRPr>
+            </a:p>
+          </p:txBody>
+        </p:sp>
+      </p:grpSp>
+      <p:grpSp>
+        <p:nvGrpSpPr>
+          <p:cNvPr id="140" name="Group 139">
+            <a:extLst>
+              <a:ext uri="{FF2B5EF4-FFF2-40B4-BE49-F238E27FC236}">
+                <a16:creationId xmlns:a16="http://schemas.microsoft.com/office/drawing/2014/main" id="{36E8E335-6127-4D6E-A53B-41AB62737634}"/>
+              </a:ext>
+            </a:extLst>
+          </p:cNvPr>
+          <p:cNvGrpSpPr/>
+          <p:nvPr/>
+        </p:nvGrpSpPr>
+        <p:grpSpPr>
+          <a:xfrm>
+            <a:off x="4539921" y="1569262"/>
+            <a:ext cx="341760" cy="298616"/>
+            <a:chOff x="1299471" y="1569262"/>
+            <a:chExt cx="341760" cy="298616"/>
+          </a:xfrm>
+        </p:grpSpPr>
+        <p:sp>
+          <p:nvSpPr>
+            <p:cNvPr id="141" name="TextBox 140">
+              <a:extLst>
+                <a:ext uri="{FF2B5EF4-FFF2-40B4-BE49-F238E27FC236}">
+                  <a16:creationId xmlns:a16="http://schemas.microsoft.com/office/drawing/2014/main" id="{C864C49A-CF61-40B9-9CCE-A29A216C2240}"/>
+                </a:ext>
+              </a:extLst>
+            </p:cNvPr>
+            <p:cNvSpPr txBox="1"/>
+            <p:nvPr/>
+          </p:nvSpPr>
+          <p:spPr>
+            <a:xfrm>
+              <a:off x="1299471" y="1580070"/>
+              <a:ext cx="341760" cy="276999"/>
+            </a:xfrm>
+            <a:prstGeom prst="rect">
+              <a:avLst/>
+            </a:prstGeom>
+            <a:noFill/>
+          </p:spPr>
+          <p:txBody>
+            <a:bodyPr wrap="none" rtlCol="0">
+              <a:spAutoFit/>
+            </a:bodyPr>
+            <a:lstStyle/>
+            <a:p>
+              <a:r>
+                <a:rPr lang="en-US" sz="1200" dirty="0">
+                  <a:solidFill>
+                    <a:schemeClr val="accent5">
+                      <a:lumMod val="75000"/>
+                    </a:schemeClr>
+                  </a:solidFill>
+                </a:rPr>
+                <a:t>00</a:t>
+              </a:r>
+            </a:p>
+          </p:txBody>
+        </p:sp>
+        <p:sp>
+          <p:nvSpPr>
+            <p:cNvPr id="142" name="Oval 141">
+              <a:extLst>
+                <a:ext uri="{FF2B5EF4-FFF2-40B4-BE49-F238E27FC236}">
+                  <a16:creationId xmlns:a16="http://schemas.microsoft.com/office/drawing/2014/main" id="{1D83A8D2-E239-40AF-B30F-95868A698D80}"/>
+                </a:ext>
+              </a:extLst>
+            </p:cNvPr>
+            <p:cNvSpPr/>
+            <p:nvPr/>
+          </p:nvSpPr>
+          <p:spPr>
+            <a:xfrm>
+              <a:off x="1312985" y="1569262"/>
+              <a:ext cx="328246" cy="298616"/>
+            </a:xfrm>
+            <a:prstGeom prst="ellipse">
+              <a:avLst/>
+            </a:prstGeom>
+            <a:noFill/>
+          </p:spPr>
+          <p:style>
+            <a:lnRef idx="2">
+              <a:schemeClr val="accent1">
+                <a:shade val="50000"/>
+              </a:schemeClr>
+            </a:lnRef>
+            <a:fillRef idx="1">
+              <a:schemeClr val="accent1"/>
+            </a:fillRef>
+            <a:effectRef idx="0">
+              <a:schemeClr val="accent1"/>
+            </a:effectRef>
+            <a:fontRef idx="minor">
+              <a:schemeClr val="lt1"/>
+            </a:fontRef>
+          </p:style>
+          <p:txBody>
+            <a:bodyPr rtlCol="0" anchor="ctr"/>
+            <a:lstStyle/>
+            <a:p>
+              <a:pPr algn="ctr"/>
+              <a:endParaRPr lang="en-US" sz="800" dirty="0">
+                <a:solidFill>
+                  <a:schemeClr val="accent5">
+                    <a:lumMod val="75000"/>
+                  </a:schemeClr>
+                </a:solidFill>
+              </a:endParaRPr>
+            </a:p>
+          </p:txBody>
+        </p:sp>
+      </p:grpSp>
+      <p:grpSp>
+        <p:nvGrpSpPr>
+          <p:cNvPr id="143" name="Group 142">
+            <a:extLst>
+              <a:ext uri="{FF2B5EF4-FFF2-40B4-BE49-F238E27FC236}">
+                <a16:creationId xmlns:a16="http://schemas.microsoft.com/office/drawing/2014/main" id="{129DC162-C916-4E88-9EE8-C2CB78D7F420}"/>
+              </a:ext>
+            </a:extLst>
+          </p:cNvPr>
+          <p:cNvGrpSpPr/>
+          <p:nvPr/>
+        </p:nvGrpSpPr>
+        <p:grpSpPr>
+          <a:xfrm>
+            <a:off x="1312985" y="2917416"/>
+            <a:ext cx="341760" cy="298616"/>
+            <a:chOff x="1299471" y="1569262"/>
+            <a:chExt cx="341760" cy="298616"/>
+          </a:xfrm>
+        </p:grpSpPr>
+        <p:sp>
+          <p:nvSpPr>
+            <p:cNvPr id="144" name="TextBox 143">
+              <a:extLst>
+                <a:ext uri="{FF2B5EF4-FFF2-40B4-BE49-F238E27FC236}">
+                  <a16:creationId xmlns:a16="http://schemas.microsoft.com/office/drawing/2014/main" id="{0D998A99-A360-4248-9B89-3A7FDA1541F6}"/>
+                </a:ext>
+              </a:extLst>
+            </p:cNvPr>
+            <p:cNvSpPr txBox="1"/>
+            <p:nvPr/>
+          </p:nvSpPr>
+          <p:spPr>
+            <a:xfrm>
+              <a:off x="1299471" y="1580070"/>
+              <a:ext cx="341760" cy="276999"/>
+            </a:xfrm>
+            <a:prstGeom prst="rect">
+              <a:avLst/>
+            </a:prstGeom>
+            <a:noFill/>
+          </p:spPr>
+          <p:txBody>
+            <a:bodyPr wrap="none" rtlCol="0">
+              <a:spAutoFit/>
+            </a:bodyPr>
+            <a:lstStyle/>
+            <a:p>
+              <a:r>
+                <a:rPr lang="en-US" sz="1200" dirty="0">
+                  <a:solidFill>
+                    <a:schemeClr val="accent5">
+                      <a:lumMod val="75000"/>
+                    </a:schemeClr>
+                  </a:solidFill>
+                </a:rPr>
+                <a:t>00</a:t>
+              </a:r>
+            </a:p>
+          </p:txBody>
+        </p:sp>
+        <p:sp>
+          <p:nvSpPr>
+            <p:cNvPr id="145" name="Oval 144">
+              <a:extLst>
+                <a:ext uri="{FF2B5EF4-FFF2-40B4-BE49-F238E27FC236}">
+                  <a16:creationId xmlns:a16="http://schemas.microsoft.com/office/drawing/2014/main" id="{43161E00-A0B5-44A5-85ED-F077A269E2EC}"/>
+                </a:ext>
+              </a:extLst>
+            </p:cNvPr>
+            <p:cNvSpPr/>
+            <p:nvPr/>
+          </p:nvSpPr>
+          <p:spPr>
+            <a:xfrm>
+              <a:off x="1312985" y="1569262"/>
+              <a:ext cx="328246" cy="298616"/>
+            </a:xfrm>
+            <a:prstGeom prst="ellipse">
+              <a:avLst/>
+            </a:prstGeom>
+            <a:noFill/>
+          </p:spPr>
+          <p:style>
+            <a:lnRef idx="2">
+              <a:schemeClr val="accent1">
+                <a:shade val="50000"/>
+              </a:schemeClr>
+            </a:lnRef>
+            <a:fillRef idx="1">
+              <a:schemeClr val="accent1"/>
+            </a:fillRef>
+            <a:effectRef idx="0">
+              <a:schemeClr val="accent1"/>
+            </a:effectRef>
+            <a:fontRef idx="minor">
+              <a:schemeClr val="lt1"/>
+            </a:fontRef>
+          </p:style>
+          <p:txBody>
+            <a:bodyPr rtlCol="0" anchor="ctr"/>
+            <a:lstStyle/>
+            <a:p>
+              <a:pPr algn="ctr"/>
+              <a:endParaRPr lang="en-US" sz="800" dirty="0">
+                <a:solidFill>
+                  <a:schemeClr val="accent5">
+                    <a:lumMod val="75000"/>
+                  </a:schemeClr>
+                </a:solidFill>
+              </a:endParaRPr>
+            </a:p>
+          </p:txBody>
+        </p:sp>
+      </p:grpSp>
+      <p:grpSp>
+        <p:nvGrpSpPr>
+          <p:cNvPr id="146" name="Group 145">
+            <a:extLst>
+              <a:ext uri="{FF2B5EF4-FFF2-40B4-BE49-F238E27FC236}">
+                <a16:creationId xmlns:a16="http://schemas.microsoft.com/office/drawing/2014/main" id="{4AA3F8DB-2C86-4163-B456-47C15F8A1D7C}"/>
+              </a:ext>
+            </a:extLst>
+          </p:cNvPr>
+          <p:cNvGrpSpPr/>
+          <p:nvPr/>
+        </p:nvGrpSpPr>
+        <p:grpSpPr>
+          <a:xfrm>
+            <a:off x="2393135" y="2913508"/>
+            <a:ext cx="341760" cy="298616"/>
+            <a:chOff x="1299471" y="1569262"/>
+            <a:chExt cx="341760" cy="298616"/>
+          </a:xfrm>
+        </p:grpSpPr>
+        <p:sp>
+          <p:nvSpPr>
+            <p:cNvPr id="147" name="TextBox 146">
+              <a:extLst>
+                <a:ext uri="{FF2B5EF4-FFF2-40B4-BE49-F238E27FC236}">
+                  <a16:creationId xmlns:a16="http://schemas.microsoft.com/office/drawing/2014/main" id="{4E6A620A-013D-4551-BD57-0DD9506FBB1C}"/>
+                </a:ext>
+              </a:extLst>
+            </p:cNvPr>
+            <p:cNvSpPr txBox="1"/>
+            <p:nvPr/>
+          </p:nvSpPr>
+          <p:spPr>
+            <a:xfrm>
+              <a:off x="1299471" y="1580070"/>
+              <a:ext cx="341760" cy="276999"/>
+            </a:xfrm>
+            <a:prstGeom prst="rect">
+              <a:avLst/>
+            </a:prstGeom>
+            <a:noFill/>
+          </p:spPr>
+          <p:txBody>
+            <a:bodyPr wrap="none" rtlCol="0">
+              <a:spAutoFit/>
+            </a:bodyPr>
+            <a:lstStyle/>
+            <a:p>
+              <a:r>
+                <a:rPr lang="en-US" sz="1200" dirty="0">
+                  <a:solidFill>
+                    <a:schemeClr val="accent5">
+                      <a:lumMod val="75000"/>
+                    </a:schemeClr>
+                  </a:solidFill>
+                </a:rPr>
+                <a:t>00</a:t>
+              </a:r>
+            </a:p>
+          </p:txBody>
+        </p:sp>
+        <p:sp>
+          <p:nvSpPr>
+            <p:cNvPr id="148" name="Oval 147">
+              <a:extLst>
+                <a:ext uri="{FF2B5EF4-FFF2-40B4-BE49-F238E27FC236}">
+                  <a16:creationId xmlns:a16="http://schemas.microsoft.com/office/drawing/2014/main" id="{7D61AE8C-27E4-4238-92B3-4B304D18A86F}"/>
+                </a:ext>
+              </a:extLst>
+            </p:cNvPr>
+            <p:cNvSpPr/>
+            <p:nvPr/>
+          </p:nvSpPr>
+          <p:spPr>
+            <a:xfrm>
+              <a:off x="1312985" y="1569262"/>
+              <a:ext cx="328246" cy="298616"/>
+            </a:xfrm>
+            <a:prstGeom prst="ellipse">
+              <a:avLst/>
+            </a:prstGeom>
+            <a:noFill/>
+          </p:spPr>
+          <p:style>
+            <a:lnRef idx="2">
+              <a:schemeClr val="accent1">
+                <a:shade val="50000"/>
+              </a:schemeClr>
+            </a:lnRef>
+            <a:fillRef idx="1">
+              <a:schemeClr val="accent1"/>
+            </a:fillRef>
+            <a:effectRef idx="0">
+              <a:schemeClr val="accent1"/>
+            </a:effectRef>
+            <a:fontRef idx="minor">
+              <a:schemeClr val="lt1"/>
+            </a:fontRef>
+          </p:style>
+          <p:txBody>
+            <a:bodyPr rtlCol="0" anchor="ctr"/>
+            <a:lstStyle/>
+            <a:p>
+              <a:pPr algn="ctr"/>
+              <a:endParaRPr lang="en-US" sz="800" dirty="0">
+                <a:solidFill>
+                  <a:schemeClr val="accent5">
+                    <a:lumMod val="75000"/>
+                  </a:schemeClr>
+                </a:solidFill>
+              </a:endParaRPr>
+            </a:p>
+          </p:txBody>
+        </p:sp>
+      </p:grpSp>
+      <p:grpSp>
+        <p:nvGrpSpPr>
+          <p:cNvPr id="149" name="Group 148">
+            <a:extLst>
+              <a:ext uri="{FF2B5EF4-FFF2-40B4-BE49-F238E27FC236}">
+                <a16:creationId xmlns:a16="http://schemas.microsoft.com/office/drawing/2014/main" id="{C30225FE-3DE8-46FF-9E06-0AD450BD594C}"/>
+              </a:ext>
+            </a:extLst>
+          </p:cNvPr>
+          <p:cNvGrpSpPr/>
+          <p:nvPr/>
+        </p:nvGrpSpPr>
+        <p:grpSpPr>
+          <a:xfrm>
+            <a:off x="3473285" y="2913508"/>
+            <a:ext cx="341760" cy="298616"/>
+            <a:chOff x="1299471" y="1569262"/>
+            <a:chExt cx="341760" cy="298616"/>
+          </a:xfrm>
+        </p:grpSpPr>
+        <p:sp>
+          <p:nvSpPr>
+            <p:cNvPr id="150" name="TextBox 149">
+              <a:extLst>
+                <a:ext uri="{FF2B5EF4-FFF2-40B4-BE49-F238E27FC236}">
+                  <a16:creationId xmlns:a16="http://schemas.microsoft.com/office/drawing/2014/main" id="{C128D810-9575-40A4-8C98-CAD42CBBE28B}"/>
+                </a:ext>
+              </a:extLst>
+            </p:cNvPr>
+            <p:cNvSpPr txBox="1"/>
+            <p:nvPr/>
+          </p:nvSpPr>
+          <p:spPr>
+            <a:xfrm>
+              <a:off x="1299471" y="1580070"/>
+              <a:ext cx="341760" cy="276999"/>
+            </a:xfrm>
+            <a:prstGeom prst="rect">
+              <a:avLst/>
+            </a:prstGeom>
+            <a:noFill/>
+          </p:spPr>
+          <p:txBody>
+            <a:bodyPr wrap="none" rtlCol="0">
+              <a:spAutoFit/>
+            </a:bodyPr>
+            <a:lstStyle/>
+            <a:p>
+              <a:r>
+                <a:rPr lang="en-US" sz="1200" dirty="0">
+                  <a:solidFill>
+                    <a:schemeClr val="accent5">
+                      <a:lumMod val="75000"/>
+                    </a:schemeClr>
+                  </a:solidFill>
+                </a:rPr>
+                <a:t>00</a:t>
+              </a:r>
+            </a:p>
+          </p:txBody>
+        </p:sp>
+        <p:sp>
+          <p:nvSpPr>
+            <p:cNvPr id="151" name="Oval 150">
+              <a:extLst>
+                <a:ext uri="{FF2B5EF4-FFF2-40B4-BE49-F238E27FC236}">
+                  <a16:creationId xmlns:a16="http://schemas.microsoft.com/office/drawing/2014/main" id="{816B9DFB-33B8-4685-A2A1-1C397DFE8B66}"/>
+                </a:ext>
+              </a:extLst>
+            </p:cNvPr>
+            <p:cNvSpPr/>
+            <p:nvPr/>
+          </p:nvSpPr>
+          <p:spPr>
+            <a:xfrm>
+              <a:off x="1312985" y="1569262"/>
+              <a:ext cx="328246" cy="298616"/>
+            </a:xfrm>
+            <a:prstGeom prst="ellipse">
+              <a:avLst/>
+            </a:prstGeom>
+            <a:noFill/>
+          </p:spPr>
+          <p:style>
+            <a:lnRef idx="2">
+              <a:schemeClr val="accent1">
+                <a:shade val="50000"/>
+              </a:schemeClr>
+            </a:lnRef>
+            <a:fillRef idx="1">
+              <a:schemeClr val="accent1"/>
+            </a:fillRef>
+            <a:effectRef idx="0">
+              <a:schemeClr val="accent1"/>
+            </a:effectRef>
+            <a:fontRef idx="minor">
+              <a:schemeClr val="lt1"/>
+            </a:fontRef>
+          </p:style>
+          <p:txBody>
+            <a:bodyPr rtlCol="0" anchor="ctr"/>
+            <a:lstStyle/>
+            <a:p>
+              <a:pPr algn="ctr"/>
+              <a:endParaRPr lang="en-US" sz="800" dirty="0">
+                <a:solidFill>
+                  <a:schemeClr val="accent5">
+                    <a:lumMod val="75000"/>
+                  </a:schemeClr>
+                </a:solidFill>
+              </a:endParaRPr>
+            </a:p>
+          </p:txBody>
+        </p:sp>
+      </p:grpSp>
+      <p:grpSp>
+        <p:nvGrpSpPr>
+          <p:cNvPr id="152" name="Group 151">
+            <a:extLst>
+              <a:ext uri="{FF2B5EF4-FFF2-40B4-BE49-F238E27FC236}">
+                <a16:creationId xmlns:a16="http://schemas.microsoft.com/office/drawing/2014/main" id="{9726A3E8-9B48-4026-BAB2-516C54C44DDB}"/>
+              </a:ext>
+            </a:extLst>
+          </p:cNvPr>
+          <p:cNvGrpSpPr/>
+          <p:nvPr/>
+        </p:nvGrpSpPr>
+        <p:grpSpPr>
+          <a:xfrm>
+            <a:off x="4553435" y="2917416"/>
+            <a:ext cx="341760" cy="298616"/>
+            <a:chOff x="1299471" y="1569262"/>
+            <a:chExt cx="341760" cy="298616"/>
+          </a:xfrm>
+        </p:grpSpPr>
+        <p:sp>
+          <p:nvSpPr>
+            <p:cNvPr id="153" name="TextBox 152">
+              <a:extLst>
+                <a:ext uri="{FF2B5EF4-FFF2-40B4-BE49-F238E27FC236}">
+                  <a16:creationId xmlns:a16="http://schemas.microsoft.com/office/drawing/2014/main" id="{4A980493-578F-4B8D-A84E-8548671D15FD}"/>
+                </a:ext>
+              </a:extLst>
+            </p:cNvPr>
+            <p:cNvSpPr txBox="1"/>
+            <p:nvPr/>
+          </p:nvSpPr>
+          <p:spPr>
+            <a:xfrm>
+              <a:off x="1299471" y="1580070"/>
+              <a:ext cx="341760" cy="276999"/>
+            </a:xfrm>
+            <a:prstGeom prst="rect">
+              <a:avLst/>
+            </a:prstGeom>
+            <a:noFill/>
+          </p:spPr>
+          <p:txBody>
+            <a:bodyPr wrap="none" rtlCol="0">
+              <a:spAutoFit/>
+            </a:bodyPr>
+            <a:lstStyle/>
+            <a:p>
+              <a:r>
+                <a:rPr lang="en-US" sz="1200" dirty="0">
+                  <a:solidFill>
+                    <a:schemeClr val="accent5">
+                      <a:lumMod val="75000"/>
+                    </a:schemeClr>
+                  </a:solidFill>
+                </a:rPr>
+                <a:t>00</a:t>
+              </a:r>
+            </a:p>
+          </p:txBody>
+        </p:sp>
+        <p:sp>
+          <p:nvSpPr>
+            <p:cNvPr id="154" name="Oval 153">
+              <a:extLst>
+                <a:ext uri="{FF2B5EF4-FFF2-40B4-BE49-F238E27FC236}">
+                  <a16:creationId xmlns:a16="http://schemas.microsoft.com/office/drawing/2014/main" id="{DF6E1F8F-4C6A-4B8F-A64B-43B919A0BDF1}"/>
+                </a:ext>
+              </a:extLst>
+            </p:cNvPr>
+            <p:cNvSpPr/>
+            <p:nvPr/>
+          </p:nvSpPr>
+          <p:spPr>
+            <a:xfrm>
+              <a:off x="1312985" y="1569262"/>
+              <a:ext cx="328246" cy="298616"/>
+            </a:xfrm>
+            <a:prstGeom prst="ellipse">
+              <a:avLst/>
+            </a:prstGeom>
+            <a:noFill/>
+          </p:spPr>
+          <p:style>
+            <a:lnRef idx="2">
+              <a:schemeClr val="accent1">
+                <a:shade val="50000"/>
+              </a:schemeClr>
+            </a:lnRef>
+            <a:fillRef idx="1">
+              <a:schemeClr val="accent1"/>
+            </a:fillRef>
+            <a:effectRef idx="0">
+              <a:schemeClr val="accent1"/>
+            </a:effectRef>
+            <a:fontRef idx="minor">
+              <a:schemeClr val="lt1"/>
+            </a:fontRef>
+          </p:style>
+          <p:txBody>
+            <a:bodyPr rtlCol="0" anchor="ctr"/>
+            <a:lstStyle/>
+            <a:p>
+              <a:pPr algn="ctr"/>
+              <a:endParaRPr lang="en-US" sz="800" dirty="0">
+                <a:solidFill>
+                  <a:schemeClr val="accent5">
+                    <a:lumMod val="75000"/>
+                  </a:schemeClr>
+                </a:solidFill>
+              </a:endParaRPr>
+            </a:p>
+          </p:txBody>
+        </p:sp>
+      </p:grpSp>
+      <p:grpSp>
+        <p:nvGrpSpPr>
+          <p:cNvPr id="155" name="Group 154">
+            <a:extLst>
+              <a:ext uri="{FF2B5EF4-FFF2-40B4-BE49-F238E27FC236}">
+                <a16:creationId xmlns:a16="http://schemas.microsoft.com/office/drawing/2014/main" id="{4ABE4F5E-8DAF-464F-9DA5-48447E64D5A8}"/>
+              </a:ext>
+            </a:extLst>
+          </p:cNvPr>
+          <p:cNvGrpSpPr/>
+          <p:nvPr/>
+        </p:nvGrpSpPr>
+        <p:grpSpPr>
+          <a:xfrm>
+            <a:off x="6820877" y="2531369"/>
+            <a:ext cx="2019968" cy="1062892"/>
+            <a:chOff x="6820877" y="1250462"/>
+            <a:chExt cx="2019968" cy="1062892"/>
+          </a:xfrm>
+        </p:grpSpPr>
+        <p:sp>
+          <p:nvSpPr>
+            <p:cNvPr id="156" name="Right Brace 155">
+              <a:extLst>
+                <a:ext uri="{FF2B5EF4-FFF2-40B4-BE49-F238E27FC236}">
+                  <a16:creationId xmlns:a16="http://schemas.microsoft.com/office/drawing/2014/main" id="{7E963855-3834-4343-B4CB-5695A219B4DA}"/>
+                </a:ext>
+              </a:extLst>
+            </p:cNvPr>
+            <p:cNvSpPr/>
+            <p:nvPr/>
+          </p:nvSpPr>
+          <p:spPr>
+            <a:xfrm>
+              <a:off x="6820877" y="1250462"/>
+              <a:ext cx="273538" cy="1062892"/>
+            </a:xfrm>
+            <a:prstGeom prst="rightBrace">
+              <a:avLst/>
+            </a:prstGeom>
+          </p:spPr>
+          <p:style>
+            <a:lnRef idx="1">
+              <a:schemeClr val="accent1"/>
+            </a:lnRef>
+            <a:fillRef idx="0">
+              <a:schemeClr val="accent1"/>
+            </a:fillRef>
+            <a:effectRef idx="0">
+              <a:schemeClr val="accent1"/>
+            </a:effectRef>
+            <a:fontRef idx="minor">
+              <a:schemeClr val="tx1"/>
+            </a:fontRef>
+          </p:style>
+          <p:txBody>
+            <a:bodyPr rtlCol="0" anchor="ctr"/>
+            <a:lstStyle/>
+            <a:p>
+              <a:pPr algn="ctr"/>
+              <a:endParaRPr lang="en-US"/>
+            </a:p>
+          </p:txBody>
+        </p:sp>
+        <p:sp>
+          <p:nvSpPr>
+            <p:cNvPr id="157" name="TextBox 156">
+              <a:extLst>
+                <a:ext uri="{FF2B5EF4-FFF2-40B4-BE49-F238E27FC236}">
+                  <a16:creationId xmlns:a16="http://schemas.microsoft.com/office/drawing/2014/main" id="{C68A1790-A193-4131-9FF1-FB02705E22F8}"/>
+                </a:ext>
+              </a:extLst>
+            </p:cNvPr>
+            <p:cNvSpPr txBox="1"/>
+            <p:nvPr/>
+          </p:nvSpPr>
+          <p:spPr>
+            <a:xfrm>
+              <a:off x="7269902" y="1597242"/>
+              <a:ext cx="1570943" cy="369332"/>
+            </a:xfrm>
+            <a:prstGeom prst="rect">
+              <a:avLst/>
+            </a:prstGeom>
+            <a:noFill/>
+          </p:spPr>
+          <p:txBody>
+            <a:bodyPr wrap="none" rtlCol="0">
+              <a:spAutoFit/>
+            </a:bodyPr>
+            <a:lstStyle/>
+            <a:p>
+              <a:r>
+                <a:rPr lang="en-US" dirty="0">
+                  <a:solidFill>
+                    <a:schemeClr val="accent5">
+                      <a:lumMod val="75000"/>
+                    </a:schemeClr>
+                  </a:solidFill>
+                </a:rPr>
+                <a:t>Supplier Scope</a:t>
+              </a:r>
+            </a:p>
+          </p:txBody>
+        </p:sp>
+      </p:grpSp>
+      <p:grpSp>
+        <p:nvGrpSpPr>
+          <p:cNvPr id="158" name="Group 157">
+            <a:extLst>
+              <a:ext uri="{FF2B5EF4-FFF2-40B4-BE49-F238E27FC236}">
+                <a16:creationId xmlns:a16="http://schemas.microsoft.com/office/drawing/2014/main" id="{00C9F03D-22D9-4B14-8C8E-AA89D3E6F839}"/>
+              </a:ext>
+            </a:extLst>
+          </p:cNvPr>
+          <p:cNvGrpSpPr/>
+          <p:nvPr/>
+        </p:nvGrpSpPr>
+        <p:grpSpPr>
+          <a:xfrm>
+            <a:off x="10122877" y="5509031"/>
+            <a:ext cx="1680131" cy="1062892"/>
+            <a:chOff x="6820877" y="1250462"/>
+            <a:chExt cx="1680131" cy="1062892"/>
+          </a:xfrm>
+        </p:grpSpPr>
+        <p:sp>
+          <p:nvSpPr>
+            <p:cNvPr id="159" name="Right Brace 158">
+              <a:extLst>
+                <a:ext uri="{FF2B5EF4-FFF2-40B4-BE49-F238E27FC236}">
+                  <a16:creationId xmlns:a16="http://schemas.microsoft.com/office/drawing/2014/main" id="{53A8E471-A896-4136-AE52-8302B0D64D68}"/>
+                </a:ext>
+              </a:extLst>
+            </p:cNvPr>
+            <p:cNvSpPr/>
+            <p:nvPr/>
+          </p:nvSpPr>
+          <p:spPr>
+            <a:xfrm>
+              <a:off x="6820877" y="1250462"/>
+              <a:ext cx="273538" cy="1062892"/>
+            </a:xfrm>
+            <a:prstGeom prst="rightBrace">
+              <a:avLst/>
+            </a:prstGeom>
+          </p:spPr>
+          <p:style>
+            <a:lnRef idx="1">
+              <a:schemeClr val="accent1"/>
+            </a:lnRef>
+            <a:fillRef idx="0">
+              <a:schemeClr val="accent1"/>
+            </a:fillRef>
+            <a:effectRef idx="0">
+              <a:schemeClr val="accent1"/>
+            </a:effectRef>
+            <a:fontRef idx="minor">
+              <a:schemeClr val="tx1"/>
+            </a:fontRef>
+          </p:style>
+          <p:txBody>
+            <a:bodyPr rtlCol="0" anchor="ctr"/>
+            <a:lstStyle/>
+            <a:p>
+              <a:pPr algn="ctr"/>
+              <a:endParaRPr lang="en-US"/>
+            </a:p>
+          </p:txBody>
+        </p:sp>
+        <p:sp>
+          <p:nvSpPr>
+            <p:cNvPr id="160" name="TextBox 159">
+              <a:extLst>
+                <a:ext uri="{FF2B5EF4-FFF2-40B4-BE49-F238E27FC236}">
+                  <a16:creationId xmlns:a16="http://schemas.microsoft.com/office/drawing/2014/main" id="{2F464C23-2B69-4B76-A70F-6518EDEF68A2}"/>
+                </a:ext>
+              </a:extLst>
+            </p:cNvPr>
+            <p:cNvSpPr txBox="1"/>
+            <p:nvPr/>
+          </p:nvSpPr>
+          <p:spPr>
+            <a:xfrm>
+              <a:off x="7269902" y="1597242"/>
+              <a:ext cx="1231106" cy="369332"/>
+            </a:xfrm>
+            <a:prstGeom prst="rect">
+              <a:avLst/>
+            </a:prstGeom>
+            <a:noFill/>
+          </p:spPr>
+          <p:txBody>
+            <a:bodyPr wrap="none" rtlCol="0">
+              <a:spAutoFit/>
+            </a:bodyPr>
+            <a:lstStyle/>
+            <a:p>
+              <a:r>
+                <a:rPr lang="en-US" dirty="0">
+                  <a:solidFill>
+                    <a:schemeClr val="accent5">
+                      <a:lumMod val="75000"/>
+                    </a:schemeClr>
+                  </a:solidFill>
+                </a:rPr>
+                <a:t>User Scope</a:t>
+              </a:r>
+            </a:p>
+          </p:txBody>
+        </p:sp>
+      </p:grpSp>
+    </p:spTree>
+    <p:extLst>
+      <p:ext uri="{BB962C8B-B14F-4D97-AF65-F5344CB8AC3E}">
+        <p14:creationId xmlns:p14="http://schemas.microsoft.com/office/powerpoint/2010/main" val="3507661099"/>
+      </p:ext>
+    </p:extLst>
+  </p:cSld>
+  <p:clrMapOvr>
+    <a:masterClrMapping/>
+  </p:clrMapOvr>
+</p:sld>
+</file>
+
+<file path=ppt/slides/slide2.xml><?xml version="1.0" encoding="utf-8"?>
+<p:sld xmlns:a="http://schemas.openxmlformats.org/drawingml/2006/main" xmlns:r="http://schemas.openxmlformats.org/officeDocument/2006/relationships" xmlns:p="http://schemas.openxmlformats.org/presentationml/2006/main">
+  <p:cSld>
+    <p:spTree>
+      <p:nvGrpSpPr>
+        <p:cNvPr id="1" name=""/>
+        <p:cNvGrpSpPr/>
+        <p:nvPr/>
+      </p:nvGrpSpPr>
+      <p:grpSpPr>
+        <a:xfrm>
+          <a:off x="0" y="0"/>
+          <a:ext cx="0" cy="0"/>
+          <a:chOff x="0" y="0"/>
+          <a:chExt cx="0" cy="0"/>
+        </a:xfrm>
+      </p:grpSpPr>
+      <p:sp>
+        <p:nvSpPr>
+          <p:cNvPr id="2" name="Title 1">
+            <a:extLst>
+              <a:ext uri="{FF2B5EF4-FFF2-40B4-BE49-F238E27FC236}">
+                <a16:creationId xmlns:a16="http://schemas.microsoft.com/office/drawing/2014/main" id="{D48BD28B-9017-42FD-AD4D-54A29A259568}"/>
+              </a:ext>
+            </a:extLst>
+          </p:cNvPr>
+          <p:cNvSpPr>
+            <a:spLocks noGrp="1"/>
+          </p:cNvSpPr>
+          <p:nvPr>
+            <p:ph type="title"/>
+          </p:nvPr>
+        </p:nvSpPr>
+        <p:spPr>
+          <a:xfrm>
+            <a:off x="838200" y="39148"/>
+            <a:ext cx="10515600" cy="1003590"/>
+          </a:xfrm>
+        </p:spPr>
+        <p:txBody>
+          <a:bodyPr>
+            <a:normAutofit/>
+          </a:bodyPr>
+          <a:lstStyle/>
+          <a:p>
+            <a:r>
+              <a:rPr lang="en-US" dirty="0"/>
+              <a:t>Project Stream + Status (</a:t>
+            </a:r>
+            <a:r>
+              <a:rPr lang="en-US" dirty="0">
+                <a:sym typeface="Wingdings" panose="05000000000000000000" pitchFamily="2" charset="2"/>
+              </a:rPr>
+              <a:t> </a:t>
+            </a:r>
+            <a:r>
+              <a:rPr lang="en-US" dirty="0"/>
+              <a:t>open/</a:t>
+            </a:r>
+            <a:r>
+              <a:rPr lang="en-US" dirty="0">
+                <a:solidFill>
+                  <a:schemeClr val="accent2">
+                    <a:lumMod val="75000"/>
+                  </a:schemeClr>
+                </a:solidFill>
+              </a:rPr>
+              <a:t>wip</a:t>
+            </a:r>
+            <a:r>
+              <a:rPr lang="en-US" dirty="0"/>
+              <a:t>/</a:t>
+            </a:r>
+            <a:r>
+              <a:rPr lang="en-US" b="1" dirty="0">
+                <a:solidFill>
+                  <a:schemeClr val="accent6">
+                    <a:lumMod val="75000"/>
+                  </a:schemeClr>
+                </a:solidFill>
+              </a:rPr>
+              <a:t>done</a:t>
+            </a:r>
+            <a:r>
+              <a:rPr lang="en-US" dirty="0"/>
+              <a:t>)</a:t>
+            </a:r>
+          </a:p>
+        </p:txBody>
+      </p:sp>
+      <p:sp>
+        <p:nvSpPr>
+          <p:cNvPr id="3" name="Content Placeholder 2">
+            <a:extLst>
+              <a:ext uri="{FF2B5EF4-FFF2-40B4-BE49-F238E27FC236}">
+                <a16:creationId xmlns:a16="http://schemas.microsoft.com/office/drawing/2014/main" id="{80B47542-A959-4FCA-85E1-B88C94868AB1}"/>
+              </a:ext>
+            </a:extLst>
+          </p:cNvPr>
+          <p:cNvSpPr>
+            <a:spLocks noGrp="1"/>
+          </p:cNvSpPr>
+          <p:nvPr>
+            <p:ph idx="1"/>
+          </p:nvPr>
+        </p:nvSpPr>
+        <p:spPr>
+          <a:xfrm>
+            <a:off x="128337" y="882316"/>
+            <a:ext cx="6625390" cy="3449052"/>
+          </a:xfrm>
+          <a:ln>
+            <a:solidFill>
+              <a:schemeClr val="bg2">
+                <a:lumMod val="90000"/>
+              </a:schemeClr>
+            </a:solidFill>
+          </a:ln>
+        </p:spPr>
+        <p:txBody>
+          <a:bodyPr vert="horz" lIns="91440" tIns="45720" rIns="91440" bIns="45720" rtlCol="0">
+            <a:normAutofit fontScale="92500" lnSpcReduction="20000"/>
+          </a:bodyPr>
+          <a:lstStyle/>
+          <a:p>
+            <a:r>
+              <a:rPr lang="en-US" dirty="0"/>
+              <a:t>Describe the Project</a:t>
+            </a:r>
+          </a:p>
+          <a:p>
+            <a:pPr lvl="1"/>
+            <a:r>
+              <a:rPr lang="en-US" dirty="0"/>
+              <a:t>Describe project Purpose </a:t>
+            </a:r>
+            <a:r>
+              <a:rPr lang="en-US" dirty="0">
+                <a:sym typeface="Wingdings" panose="05000000000000000000" pitchFamily="2" charset="2"/>
+              </a:rPr>
+              <a:t> </a:t>
+            </a:r>
+            <a:r>
+              <a:rPr lang="en-US" b="1" dirty="0">
+                <a:solidFill>
+                  <a:schemeClr val="accent6">
+                    <a:lumMod val="75000"/>
+                  </a:schemeClr>
+                </a:solidFill>
+              </a:rPr>
+              <a:t>done</a:t>
+            </a:r>
+          </a:p>
+          <a:p>
+            <a:pPr lvl="1"/>
+            <a:r>
+              <a:rPr lang="en-US" dirty="0"/>
+              <a:t>Describe project Requirements </a:t>
+            </a:r>
+            <a:r>
+              <a:rPr lang="en-US" dirty="0">
+                <a:sym typeface="Wingdings" panose="05000000000000000000" pitchFamily="2" charset="2"/>
+              </a:rPr>
+              <a:t> </a:t>
+            </a:r>
+            <a:r>
+              <a:rPr lang="en-US" b="1" dirty="0">
+                <a:solidFill>
+                  <a:schemeClr val="accent6">
+                    <a:lumMod val="75000"/>
+                  </a:schemeClr>
+                </a:solidFill>
+              </a:rPr>
+              <a:t>done</a:t>
+            </a:r>
+            <a:endParaRPr lang="en-US" dirty="0">
+              <a:solidFill>
+                <a:schemeClr val="accent2">
+                  <a:lumMod val="75000"/>
+                </a:schemeClr>
+              </a:solidFill>
+            </a:endParaRPr>
+          </a:p>
+          <a:p>
+            <a:pPr lvl="1"/>
+            <a:r>
+              <a:rPr lang="en-US" dirty="0"/>
+              <a:t>Describe project Technical Scope </a:t>
+            </a:r>
+            <a:r>
+              <a:rPr lang="en-US" dirty="0">
+                <a:sym typeface="Wingdings" panose="05000000000000000000" pitchFamily="2" charset="2"/>
+              </a:rPr>
+              <a:t> </a:t>
+            </a:r>
+            <a:r>
+              <a:rPr lang="en-US" dirty="0"/>
+              <a:t>open</a:t>
+            </a:r>
+          </a:p>
+          <a:p>
+            <a:pPr lvl="1"/>
+            <a:r>
+              <a:rPr lang="en-US" dirty="0"/>
+              <a:t>Describe Project Setup </a:t>
+            </a:r>
+            <a:r>
+              <a:rPr lang="en-US" dirty="0">
+                <a:sym typeface="Wingdings" panose="05000000000000000000" pitchFamily="2" charset="2"/>
+              </a:rPr>
+              <a:t> </a:t>
+            </a:r>
+            <a:r>
+              <a:rPr lang="en-US" dirty="0"/>
+              <a:t>open</a:t>
+            </a:r>
+          </a:p>
+          <a:p>
+            <a:pPr lvl="1"/>
+            <a:r>
+              <a:rPr lang="en-US" dirty="0"/>
+              <a:t>Describe project Delivery </a:t>
+            </a:r>
+            <a:r>
+              <a:rPr lang="en-US" dirty="0">
+                <a:sym typeface="Wingdings" panose="05000000000000000000" pitchFamily="2" charset="2"/>
+              </a:rPr>
+              <a:t> </a:t>
+            </a:r>
+            <a:r>
+              <a:rPr lang="en-US" dirty="0"/>
+              <a:t>open</a:t>
+            </a:r>
+          </a:p>
+          <a:p>
+            <a:pPr lvl="1"/>
+            <a:r>
+              <a:rPr lang="en-US" dirty="0"/>
+              <a:t>Define project Artifacts </a:t>
+            </a:r>
+            <a:r>
+              <a:rPr lang="en-US" dirty="0">
+                <a:sym typeface="Wingdings" panose="05000000000000000000" pitchFamily="2" charset="2"/>
+              </a:rPr>
+              <a:t> </a:t>
+            </a:r>
+            <a:r>
+              <a:rPr lang="en-US" dirty="0"/>
+              <a:t>open</a:t>
+            </a:r>
+          </a:p>
+          <a:p>
+            <a:pPr lvl="1"/>
+            <a:r>
+              <a:rPr lang="en-US" dirty="0"/>
+              <a:t>Describe project Additional Considerations </a:t>
+            </a:r>
+            <a:r>
+              <a:rPr lang="en-US" dirty="0">
+                <a:sym typeface="Wingdings" panose="05000000000000000000" pitchFamily="2" charset="2"/>
+              </a:rPr>
+              <a:t> </a:t>
+            </a:r>
+            <a:r>
+              <a:rPr lang="en-US" dirty="0"/>
+              <a:t>open</a:t>
+            </a:r>
+          </a:p>
+          <a:p>
+            <a:pPr lvl="1"/>
+            <a:r>
+              <a:rPr lang="en-US" dirty="0"/>
+              <a:t>Maintain project References </a:t>
+            </a:r>
+            <a:r>
+              <a:rPr lang="en-US" dirty="0">
+                <a:sym typeface="Wingdings" panose="05000000000000000000" pitchFamily="2" charset="2"/>
+              </a:rPr>
+              <a:t> </a:t>
+            </a:r>
+            <a:r>
+              <a:rPr lang="en-US" dirty="0"/>
+              <a:t>open</a:t>
+            </a:r>
+          </a:p>
+          <a:p>
+            <a:pPr lvl="1"/>
+            <a:r>
+              <a:rPr lang="en-US" dirty="0"/>
+              <a:t>Define and Describe Annex (if any)</a:t>
+            </a:r>
+            <a:r>
+              <a:rPr lang="en-US" dirty="0">
+                <a:sym typeface="Wingdings" panose="05000000000000000000" pitchFamily="2" charset="2"/>
+              </a:rPr>
+              <a:t>  </a:t>
+            </a:r>
+            <a:r>
+              <a:rPr lang="en-US" dirty="0"/>
+              <a:t>open</a:t>
+            </a:r>
+          </a:p>
+          <a:p>
+            <a:endParaRPr lang="en-US" dirty="0"/>
+          </a:p>
+          <a:p>
+            <a:endParaRPr lang="en-US" dirty="0"/>
+          </a:p>
+        </p:txBody>
+      </p:sp>
+      <p:sp>
+        <p:nvSpPr>
+          <p:cNvPr id="4" name="TextBox 3">
+            <a:extLst>
+              <a:ext uri="{FF2B5EF4-FFF2-40B4-BE49-F238E27FC236}">
+                <a16:creationId xmlns:a16="http://schemas.microsoft.com/office/drawing/2014/main" id="{0E7EA466-0FC7-49FC-93D9-096A8739AE5B}"/>
+              </a:ext>
+            </a:extLst>
+          </p:cNvPr>
+          <p:cNvSpPr txBox="1"/>
+          <p:nvPr/>
+        </p:nvSpPr>
+        <p:spPr>
+          <a:xfrm>
+            <a:off x="6882063" y="1042738"/>
+            <a:ext cx="5309937" cy="1171074"/>
+          </a:xfrm>
+          <a:prstGeom prst="rect">
+            <a:avLst/>
+          </a:prstGeom>
+          <a:ln>
+            <a:solidFill>
+              <a:schemeClr val="bg2">
+                <a:lumMod val="90000"/>
+              </a:schemeClr>
+            </a:solidFill>
+          </a:ln>
+        </p:spPr>
+        <p:txBody>
+          <a:bodyPr vert="horz" lIns="91440" tIns="45720" rIns="91440" bIns="45720" rtlCol="0">
+            <a:normAutofit/>
+          </a:bodyPr>
+          <a:lstStyle>
+            <a:lvl1pPr marL="228600" indent="-228600">
+              <a:lnSpc>
+                <a:spcPct val="90000"/>
+              </a:lnSpc>
+              <a:spcBef>
+                <a:spcPts val="1000"/>
+              </a:spcBef>
+              <a:buFont typeface="Arial" panose="020B0604020202020204" pitchFamily="34" charset="0"/>
+              <a:buChar char="•"/>
+              <a:defRPr sz="2800"/>
+            </a:lvl1pPr>
+            <a:lvl2pPr marL="685800" lvl="1" indent="-228600">
+              <a:lnSpc>
+                <a:spcPct val="90000"/>
+              </a:lnSpc>
+              <a:spcBef>
+                <a:spcPts val="500"/>
+              </a:spcBef>
+              <a:buFont typeface="Arial" panose="020B0604020202020204" pitchFamily="34" charset="0"/>
+              <a:buChar char="•"/>
+              <a:defRPr sz="2400"/>
+            </a:lvl2pPr>
+            <a:lvl3pPr marL="1143000" indent="-228600">
+              <a:lnSpc>
+                <a:spcPct val="90000"/>
+              </a:lnSpc>
+              <a:spcBef>
+                <a:spcPts val="500"/>
+              </a:spcBef>
+              <a:buFont typeface="Arial" panose="020B0604020202020204" pitchFamily="34" charset="0"/>
+              <a:buChar char="•"/>
+              <a:defRPr sz="2000"/>
+            </a:lvl3pPr>
+            <a:lvl4pPr marL="1600200" indent="-228600">
+              <a:lnSpc>
+                <a:spcPct val="90000"/>
+              </a:lnSpc>
+              <a:spcBef>
+                <a:spcPts val="500"/>
+              </a:spcBef>
+              <a:buFont typeface="Arial" panose="020B0604020202020204" pitchFamily="34" charset="0"/>
+              <a:buChar char="•"/>
+            </a:lvl4pPr>
+            <a:lvl5pPr marL="2057400" indent="-228600">
+              <a:lnSpc>
+                <a:spcPct val="90000"/>
+              </a:lnSpc>
+              <a:spcBef>
+                <a:spcPts val="500"/>
+              </a:spcBef>
+              <a:buFont typeface="Arial" panose="020B0604020202020204" pitchFamily="34" charset="0"/>
+              <a:buChar char="•"/>
+            </a:lvl5pPr>
+            <a:lvl6pPr marL="2514600" indent="-228600">
+              <a:lnSpc>
+                <a:spcPct val="90000"/>
+              </a:lnSpc>
+              <a:spcBef>
+                <a:spcPts val="500"/>
+              </a:spcBef>
+              <a:buFont typeface="Arial" panose="020B0604020202020204" pitchFamily="34" charset="0"/>
+              <a:buChar char="•"/>
+            </a:lvl6pPr>
+            <a:lvl7pPr marL="2971800" indent="-228600">
+              <a:lnSpc>
+                <a:spcPct val="90000"/>
+              </a:lnSpc>
+              <a:spcBef>
+                <a:spcPts val="500"/>
+              </a:spcBef>
+              <a:buFont typeface="Arial" panose="020B0604020202020204" pitchFamily="34" charset="0"/>
+              <a:buChar char="•"/>
+            </a:lvl7pPr>
+            <a:lvl8pPr marL="3429000" indent="-228600">
+              <a:lnSpc>
+                <a:spcPct val="90000"/>
+              </a:lnSpc>
+              <a:spcBef>
+                <a:spcPts val="500"/>
+              </a:spcBef>
+              <a:buFont typeface="Arial" panose="020B0604020202020204" pitchFamily="34" charset="0"/>
+              <a:buChar char="•"/>
+            </a:lvl8pPr>
+            <a:lvl9pPr marL="3886200" indent="-228600">
+              <a:lnSpc>
+                <a:spcPct val="90000"/>
+              </a:lnSpc>
+              <a:spcBef>
+                <a:spcPts val="500"/>
+              </a:spcBef>
+              <a:buFont typeface="Arial" panose="020B0604020202020204" pitchFamily="34" charset="0"/>
+              <a:buChar char="•"/>
+            </a:lvl9pPr>
+          </a:lstStyle>
+          <a:p>
+            <a:r>
+              <a:rPr lang="en-US" dirty="0"/>
+              <a:t>Create Artifacts</a:t>
+            </a:r>
+          </a:p>
+          <a:p>
+            <a:pPr lvl="1"/>
+            <a:r>
+              <a:rPr lang="en-US" dirty="0"/>
+              <a:t>Maintain the Artifacts slide </a:t>
+            </a:r>
+            <a:r>
+              <a:rPr lang="en-US" dirty="0">
+                <a:sym typeface="Wingdings" panose="05000000000000000000" pitchFamily="2" charset="2"/>
+              </a:rPr>
+              <a:t> open</a:t>
+            </a:r>
+            <a:endParaRPr lang="en-US" dirty="0"/>
+          </a:p>
+        </p:txBody>
+      </p:sp>
+      <p:sp>
+        <p:nvSpPr>
+          <p:cNvPr id="5" name="TextBox 4">
+            <a:extLst>
+              <a:ext uri="{FF2B5EF4-FFF2-40B4-BE49-F238E27FC236}">
+                <a16:creationId xmlns:a16="http://schemas.microsoft.com/office/drawing/2014/main" id="{7F68091E-3534-470C-A445-BC21D040E1DB}"/>
+              </a:ext>
+            </a:extLst>
+          </p:cNvPr>
+          <p:cNvSpPr txBox="1"/>
+          <p:nvPr/>
+        </p:nvSpPr>
+        <p:spPr>
+          <a:xfrm>
+            <a:off x="7000291" y="2416509"/>
+            <a:ext cx="4951077" cy="1879979"/>
+          </a:xfrm>
+          <a:prstGeom prst="rect">
+            <a:avLst/>
+          </a:prstGeom>
+          <a:ln>
+            <a:solidFill>
+              <a:schemeClr val="bg2">
+                <a:lumMod val="90000"/>
+              </a:schemeClr>
+            </a:solidFill>
+          </a:ln>
+        </p:spPr>
+        <p:txBody>
+          <a:bodyPr vert="horz" lIns="91440" tIns="45720" rIns="91440" bIns="45720" rtlCol="0">
+            <a:normAutofit/>
+          </a:bodyPr>
+          <a:lstStyle>
+            <a:defPPr>
+              <a:defRPr lang="en-US"/>
+            </a:defPPr>
+            <a:lvl1pPr marL="228600" indent="-228600">
+              <a:lnSpc>
+                <a:spcPct val="90000"/>
+              </a:lnSpc>
+              <a:spcBef>
+                <a:spcPts val="1000"/>
+              </a:spcBef>
+              <a:buFont typeface="Arial" panose="020B0604020202020204" pitchFamily="34" charset="0"/>
+              <a:buChar char="•"/>
+              <a:defRPr sz="2800"/>
+            </a:lvl1pPr>
+            <a:lvl2pPr marL="685800" lvl="1" indent="-228600">
+              <a:lnSpc>
+                <a:spcPct val="90000"/>
+              </a:lnSpc>
+              <a:spcBef>
+                <a:spcPts val="500"/>
+              </a:spcBef>
+              <a:buFont typeface="Arial" panose="020B0604020202020204" pitchFamily="34" charset="0"/>
+              <a:buChar char="•"/>
+              <a:defRPr sz="2400"/>
+            </a:lvl2pPr>
+            <a:lvl3pPr marL="1143000" indent="-228600">
+              <a:lnSpc>
+                <a:spcPct val="90000"/>
+              </a:lnSpc>
+              <a:spcBef>
+                <a:spcPts val="500"/>
+              </a:spcBef>
+              <a:buFont typeface="Arial" panose="020B0604020202020204" pitchFamily="34" charset="0"/>
+              <a:buChar char="•"/>
+              <a:defRPr sz="2000"/>
+            </a:lvl3pPr>
+            <a:lvl4pPr marL="1600200" indent="-228600">
+              <a:lnSpc>
+                <a:spcPct val="90000"/>
+              </a:lnSpc>
+              <a:spcBef>
+                <a:spcPts val="500"/>
+              </a:spcBef>
+              <a:buFont typeface="Arial" panose="020B0604020202020204" pitchFamily="34" charset="0"/>
+              <a:buChar char="•"/>
+            </a:lvl4pPr>
+            <a:lvl5pPr marL="2057400" indent="-228600">
+              <a:lnSpc>
+                <a:spcPct val="90000"/>
+              </a:lnSpc>
+              <a:spcBef>
+                <a:spcPts val="500"/>
+              </a:spcBef>
+              <a:buFont typeface="Arial" panose="020B0604020202020204" pitchFamily="34" charset="0"/>
+              <a:buChar char="•"/>
+            </a:lvl5pPr>
+            <a:lvl6pPr marL="2514600" indent="-228600">
+              <a:lnSpc>
+                <a:spcPct val="90000"/>
+              </a:lnSpc>
+              <a:spcBef>
+                <a:spcPts val="500"/>
+              </a:spcBef>
+              <a:buFont typeface="Arial" panose="020B0604020202020204" pitchFamily="34" charset="0"/>
+              <a:buChar char="•"/>
+            </a:lvl6pPr>
+            <a:lvl7pPr marL="2971800" indent="-228600">
+              <a:lnSpc>
+                <a:spcPct val="90000"/>
+              </a:lnSpc>
+              <a:spcBef>
+                <a:spcPts val="500"/>
+              </a:spcBef>
+              <a:buFont typeface="Arial" panose="020B0604020202020204" pitchFamily="34" charset="0"/>
+              <a:buChar char="•"/>
+            </a:lvl7pPr>
+            <a:lvl8pPr marL="3429000" indent="-228600">
+              <a:lnSpc>
+                <a:spcPct val="90000"/>
+              </a:lnSpc>
+              <a:spcBef>
+                <a:spcPts val="500"/>
+              </a:spcBef>
+              <a:buFont typeface="Arial" panose="020B0604020202020204" pitchFamily="34" charset="0"/>
+              <a:buChar char="•"/>
+            </a:lvl8pPr>
+            <a:lvl9pPr marL="3886200" indent="-228600">
+              <a:lnSpc>
+                <a:spcPct val="90000"/>
+              </a:lnSpc>
+              <a:spcBef>
+                <a:spcPts val="500"/>
+              </a:spcBef>
+              <a:buFont typeface="Arial" panose="020B0604020202020204" pitchFamily="34" charset="0"/>
+              <a:buChar char="•"/>
+            </a:lvl9pPr>
+          </a:lstStyle>
+          <a:p>
+            <a:r>
+              <a:rPr lang="en-US" dirty="0"/>
+              <a:t>Setup Development Environment and DevOps</a:t>
+            </a:r>
+          </a:p>
+          <a:p>
+            <a:pPr lvl="1"/>
+            <a:r>
+              <a:rPr lang="en-US" dirty="0"/>
+              <a:t>Describe Project Setup </a:t>
+            </a:r>
+            <a:r>
+              <a:rPr lang="en-US" dirty="0">
+                <a:sym typeface="Wingdings" panose="05000000000000000000" pitchFamily="2" charset="2"/>
+              </a:rPr>
+              <a:t></a:t>
+            </a:r>
+            <a:r>
+              <a:rPr lang="en-US" dirty="0"/>
+              <a:t> open</a:t>
+            </a:r>
+          </a:p>
+          <a:p>
+            <a:pPr lvl="1"/>
+            <a:r>
+              <a:rPr lang="en-US" dirty="0"/>
+              <a:t>Use DevOps Template </a:t>
+            </a:r>
+            <a:r>
+              <a:rPr lang="en-US" dirty="0">
+                <a:sym typeface="Wingdings" panose="05000000000000000000" pitchFamily="2" charset="2"/>
+              </a:rPr>
+              <a:t> open</a:t>
+            </a:r>
+            <a:endParaRPr lang="en-US" dirty="0"/>
+          </a:p>
+        </p:txBody>
+      </p:sp>
+      <p:sp>
+        <p:nvSpPr>
+          <p:cNvPr id="6" name="TextBox 5">
+            <a:extLst>
+              <a:ext uri="{FF2B5EF4-FFF2-40B4-BE49-F238E27FC236}">
+                <a16:creationId xmlns:a16="http://schemas.microsoft.com/office/drawing/2014/main" id="{58F7BE15-E351-49B2-AF5D-C2D775B8B56B}"/>
+              </a:ext>
+            </a:extLst>
+          </p:cNvPr>
+          <p:cNvSpPr txBox="1"/>
+          <p:nvPr/>
+        </p:nvSpPr>
+        <p:spPr>
+          <a:xfrm>
+            <a:off x="128337" y="4662717"/>
+            <a:ext cx="6871954" cy="1152545"/>
+          </a:xfrm>
+          <a:prstGeom prst="rect">
+            <a:avLst/>
+          </a:prstGeom>
+          <a:ln>
+            <a:solidFill>
+              <a:schemeClr val="bg2">
+                <a:lumMod val="90000"/>
+              </a:schemeClr>
+            </a:solidFill>
+          </a:ln>
+        </p:spPr>
+        <p:txBody>
+          <a:bodyPr vert="horz" lIns="91440" tIns="45720" rIns="91440" bIns="45720" rtlCol="0">
+            <a:normAutofit lnSpcReduction="10000"/>
+          </a:bodyPr>
+          <a:lstStyle>
+            <a:lvl1pPr marL="228600" indent="-228600">
+              <a:lnSpc>
+                <a:spcPct val="90000"/>
+              </a:lnSpc>
+              <a:spcBef>
+                <a:spcPts val="1000"/>
+              </a:spcBef>
+              <a:buFont typeface="Arial" panose="020B0604020202020204" pitchFamily="34" charset="0"/>
+              <a:buChar char="•"/>
+              <a:defRPr sz="2800"/>
+            </a:lvl1pPr>
+            <a:lvl2pPr marL="685800" lvl="1" indent="-228600">
+              <a:lnSpc>
+                <a:spcPct val="90000"/>
+              </a:lnSpc>
+              <a:spcBef>
+                <a:spcPts val="500"/>
+              </a:spcBef>
+              <a:buFont typeface="Arial" panose="020B0604020202020204" pitchFamily="34" charset="0"/>
+              <a:buChar char="•"/>
+              <a:defRPr sz="2400"/>
+            </a:lvl2pPr>
+            <a:lvl3pPr marL="1143000" indent="-228600">
+              <a:lnSpc>
+                <a:spcPct val="90000"/>
+              </a:lnSpc>
+              <a:spcBef>
+                <a:spcPts val="500"/>
+              </a:spcBef>
+              <a:buFont typeface="Arial" panose="020B0604020202020204" pitchFamily="34" charset="0"/>
+              <a:buChar char="•"/>
+              <a:defRPr sz="2000"/>
+            </a:lvl3pPr>
+            <a:lvl4pPr marL="1600200" indent="-228600">
+              <a:lnSpc>
+                <a:spcPct val="90000"/>
+              </a:lnSpc>
+              <a:spcBef>
+                <a:spcPts val="500"/>
+              </a:spcBef>
+              <a:buFont typeface="Arial" panose="020B0604020202020204" pitchFamily="34" charset="0"/>
+              <a:buChar char="•"/>
+            </a:lvl4pPr>
+            <a:lvl5pPr marL="2057400" indent="-228600">
+              <a:lnSpc>
+                <a:spcPct val="90000"/>
+              </a:lnSpc>
+              <a:spcBef>
+                <a:spcPts val="500"/>
+              </a:spcBef>
+              <a:buFont typeface="Arial" panose="020B0604020202020204" pitchFamily="34" charset="0"/>
+              <a:buChar char="•"/>
+            </a:lvl5pPr>
+            <a:lvl6pPr marL="2514600" indent="-228600">
+              <a:lnSpc>
+                <a:spcPct val="90000"/>
+              </a:lnSpc>
+              <a:spcBef>
+                <a:spcPts val="500"/>
+              </a:spcBef>
+              <a:buFont typeface="Arial" panose="020B0604020202020204" pitchFamily="34" charset="0"/>
+              <a:buChar char="•"/>
+            </a:lvl6pPr>
+            <a:lvl7pPr marL="2971800" indent="-228600">
+              <a:lnSpc>
+                <a:spcPct val="90000"/>
+              </a:lnSpc>
+              <a:spcBef>
+                <a:spcPts val="500"/>
+              </a:spcBef>
+              <a:buFont typeface="Arial" panose="020B0604020202020204" pitchFamily="34" charset="0"/>
+              <a:buChar char="•"/>
+            </a:lvl7pPr>
+            <a:lvl8pPr marL="3429000" indent="-228600">
+              <a:lnSpc>
+                <a:spcPct val="90000"/>
+              </a:lnSpc>
+              <a:spcBef>
+                <a:spcPts val="500"/>
+              </a:spcBef>
+              <a:buFont typeface="Arial" panose="020B0604020202020204" pitchFamily="34" charset="0"/>
+              <a:buChar char="•"/>
+            </a:lvl8pPr>
+            <a:lvl9pPr marL="3886200" indent="-228600">
+              <a:lnSpc>
+                <a:spcPct val="90000"/>
+              </a:lnSpc>
+              <a:spcBef>
+                <a:spcPts val="500"/>
+              </a:spcBef>
+              <a:buFont typeface="Arial" panose="020B0604020202020204" pitchFamily="34" charset="0"/>
+              <a:buChar char="•"/>
+            </a:lvl9pPr>
+          </a:lstStyle>
+          <a:p>
+            <a:r>
+              <a:rPr lang="en-US" dirty="0"/>
+              <a:t>System Requirements and Architectural Design</a:t>
+            </a:r>
+          </a:p>
+          <a:p>
+            <a:pPr lvl="1"/>
+            <a:r>
+              <a:rPr lang="en-US" dirty="0"/>
+              <a:t>According to Templates </a:t>
+            </a:r>
+            <a:r>
+              <a:rPr lang="en-US" dirty="0">
+                <a:sym typeface="Wingdings" panose="05000000000000000000" pitchFamily="2" charset="2"/>
+              </a:rPr>
+              <a:t> open</a:t>
+            </a:r>
+            <a:endParaRPr lang="en-US" dirty="0"/>
+          </a:p>
+        </p:txBody>
+      </p:sp>
+      <p:sp>
+        <p:nvSpPr>
+          <p:cNvPr id="7" name="TextBox 6">
+            <a:extLst>
+              <a:ext uri="{FF2B5EF4-FFF2-40B4-BE49-F238E27FC236}">
+                <a16:creationId xmlns:a16="http://schemas.microsoft.com/office/drawing/2014/main" id="{A20778F3-E245-42B3-819A-BA09A71EC9BA}"/>
+              </a:ext>
+            </a:extLst>
+          </p:cNvPr>
+          <p:cNvSpPr txBox="1"/>
+          <p:nvPr/>
+        </p:nvSpPr>
+        <p:spPr>
+          <a:xfrm>
+            <a:off x="7202906" y="4662717"/>
+            <a:ext cx="4860757" cy="1152545"/>
+          </a:xfrm>
+          <a:prstGeom prst="rect">
+            <a:avLst/>
+          </a:prstGeom>
+          <a:ln>
+            <a:solidFill>
+              <a:schemeClr val="bg2">
+                <a:lumMod val="90000"/>
+              </a:schemeClr>
+            </a:solidFill>
+          </a:ln>
+        </p:spPr>
+        <p:txBody>
+          <a:bodyPr vert="horz" lIns="91440" tIns="45720" rIns="91440" bIns="45720" rtlCol="0">
+            <a:normAutofit/>
+          </a:bodyPr>
+          <a:lstStyle>
+            <a:lvl1pPr marL="228600" indent="-228600">
+              <a:lnSpc>
+                <a:spcPct val="90000"/>
+              </a:lnSpc>
+              <a:spcBef>
+                <a:spcPts val="1000"/>
+              </a:spcBef>
+              <a:buFont typeface="Arial" panose="020B0604020202020204" pitchFamily="34" charset="0"/>
+              <a:buChar char="•"/>
+              <a:defRPr sz="2800"/>
+            </a:lvl1pPr>
+            <a:lvl2pPr marL="685800" lvl="1" indent="-228600">
+              <a:lnSpc>
+                <a:spcPct val="90000"/>
+              </a:lnSpc>
+              <a:spcBef>
+                <a:spcPts val="500"/>
+              </a:spcBef>
+              <a:buFont typeface="Arial" panose="020B0604020202020204" pitchFamily="34" charset="0"/>
+              <a:buChar char="•"/>
+              <a:defRPr sz="2400"/>
+            </a:lvl2pPr>
+            <a:lvl3pPr marL="1143000" indent="-228600">
+              <a:lnSpc>
+                <a:spcPct val="90000"/>
+              </a:lnSpc>
+              <a:spcBef>
+                <a:spcPts val="500"/>
+              </a:spcBef>
+              <a:buFont typeface="Arial" panose="020B0604020202020204" pitchFamily="34" charset="0"/>
+              <a:buChar char="•"/>
+              <a:defRPr sz="2000"/>
+            </a:lvl3pPr>
+            <a:lvl4pPr marL="1600200" indent="-228600">
+              <a:lnSpc>
+                <a:spcPct val="90000"/>
+              </a:lnSpc>
+              <a:spcBef>
+                <a:spcPts val="500"/>
+              </a:spcBef>
+              <a:buFont typeface="Arial" panose="020B0604020202020204" pitchFamily="34" charset="0"/>
+              <a:buChar char="•"/>
+            </a:lvl4pPr>
+            <a:lvl5pPr marL="2057400" indent="-228600">
+              <a:lnSpc>
+                <a:spcPct val="90000"/>
+              </a:lnSpc>
+              <a:spcBef>
+                <a:spcPts val="500"/>
+              </a:spcBef>
+              <a:buFont typeface="Arial" panose="020B0604020202020204" pitchFamily="34" charset="0"/>
+              <a:buChar char="•"/>
+            </a:lvl5pPr>
+            <a:lvl6pPr marL="2514600" indent="-228600">
+              <a:lnSpc>
+                <a:spcPct val="90000"/>
+              </a:lnSpc>
+              <a:spcBef>
+                <a:spcPts val="500"/>
+              </a:spcBef>
+              <a:buFont typeface="Arial" panose="020B0604020202020204" pitchFamily="34" charset="0"/>
+              <a:buChar char="•"/>
+            </a:lvl6pPr>
+            <a:lvl7pPr marL="2971800" indent="-228600">
+              <a:lnSpc>
+                <a:spcPct val="90000"/>
+              </a:lnSpc>
+              <a:spcBef>
+                <a:spcPts val="500"/>
+              </a:spcBef>
+              <a:buFont typeface="Arial" panose="020B0604020202020204" pitchFamily="34" charset="0"/>
+              <a:buChar char="•"/>
+            </a:lvl7pPr>
+            <a:lvl8pPr marL="3429000" indent="-228600">
+              <a:lnSpc>
+                <a:spcPct val="90000"/>
+              </a:lnSpc>
+              <a:spcBef>
+                <a:spcPts val="500"/>
+              </a:spcBef>
+              <a:buFont typeface="Arial" panose="020B0604020202020204" pitchFamily="34" charset="0"/>
+              <a:buChar char="•"/>
+            </a:lvl8pPr>
+            <a:lvl9pPr marL="3886200" indent="-228600">
+              <a:lnSpc>
+                <a:spcPct val="90000"/>
+              </a:lnSpc>
+              <a:spcBef>
+                <a:spcPts val="500"/>
+              </a:spcBef>
+              <a:buFont typeface="Arial" panose="020B0604020202020204" pitchFamily="34" charset="0"/>
+              <a:buChar char="•"/>
+            </a:lvl9pPr>
+          </a:lstStyle>
+          <a:p>
+            <a:r>
+              <a:rPr lang="en-US" dirty="0"/>
+              <a:t>Validate &amp; Verify</a:t>
+            </a:r>
+          </a:p>
+          <a:p>
+            <a:pPr lvl="1"/>
+            <a:r>
+              <a:rPr lang="en-US" dirty="0"/>
+              <a:t>According to Templates </a:t>
+            </a:r>
+            <a:r>
+              <a:rPr lang="en-US" dirty="0">
+                <a:sym typeface="Wingdings" panose="05000000000000000000" pitchFamily="2" charset="2"/>
+              </a:rPr>
+              <a:t> open</a:t>
+            </a:r>
+            <a:endParaRPr lang="en-US" dirty="0"/>
+          </a:p>
+        </p:txBody>
+      </p:sp>
+      <p:sp>
+        <p:nvSpPr>
+          <p:cNvPr id="8" name="TextBox 7">
+            <a:extLst>
+              <a:ext uri="{FF2B5EF4-FFF2-40B4-BE49-F238E27FC236}">
+                <a16:creationId xmlns:a16="http://schemas.microsoft.com/office/drawing/2014/main" id="{EB029232-4A32-41E4-9730-C5770B58DE95}"/>
+              </a:ext>
+            </a:extLst>
+          </p:cNvPr>
+          <p:cNvSpPr txBox="1"/>
+          <p:nvPr/>
+        </p:nvSpPr>
+        <p:spPr>
+          <a:xfrm>
+            <a:off x="3990815" y="5951933"/>
+            <a:ext cx="6424181" cy="906067"/>
+          </a:xfrm>
+          <a:prstGeom prst="rect">
+            <a:avLst/>
+          </a:prstGeom>
+          <a:ln>
+            <a:solidFill>
+              <a:schemeClr val="bg2">
+                <a:lumMod val="90000"/>
+              </a:schemeClr>
+            </a:solidFill>
+          </a:ln>
+        </p:spPr>
+        <p:txBody>
+          <a:bodyPr vert="horz" lIns="91440" tIns="45720" rIns="91440" bIns="45720" rtlCol="0">
+            <a:normAutofit fontScale="77500" lnSpcReduction="20000"/>
+          </a:bodyPr>
+          <a:lstStyle>
+            <a:lvl1pPr marL="228600" indent="-228600">
+              <a:lnSpc>
+                <a:spcPct val="90000"/>
+              </a:lnSpc>
+              <a:spcBef>
+                <a:spcPts val="1000"/>
+              </a:spcBef>
+              <a:buFont typeface="Arial" panose="020B0604020202020204" pitchFamily="34" charset="0"/>
+              <a:buChar char="•"/>
+              <a:defRPr sz="2800"/>
+            </a:lvl1pPr>
+            <a:lvl2pPr marL="685800" lvl="1" indent="-228600">
+              <a:lnSpc>
+                <a:spcPct val="90000"/>
+              </a:lnSpc>
+              <a:spcBef>
+                <a:spcPts val="500"/>
+              </a:spcBef>
+              <a:buFont typeface="Arial" panose="020B0604020202020204" pitchFamily="34" charset="0"/>
+              <a:buChar char="•"/>
+              <a:defRPr sz="2400"/>
+            </a:lvl2pPr>
+            <a:lvl3pPr marL="1143000" indent="-228600">
+              <a:lnSpc>
+                <a:spcPct val="90000"/>
+              </a:lnSpc>
+              <a:spcBef>
+                <a:spcPts val="500"/>
+              </a:spcBef>
+              <a:buFont typeface="Arial" panose="020B0604020202020204" pitchFamily="34" charset="0"/>
+              <a:buChar char="•"/>
+              <a:defRPr sz="2000"/>
+            </a:lvl3pPr>
+            <a:lvl4pPr marL="1600200" indent="-228600">
+              <a:lnSpc>
+                <a:spcPct val="90000"/>
+              </a:lnSpc>
+              <a:spcBef>
+                <a:spcPts val="500"/>
+              </a:spcBef>
+              <a:buFont typeface="Arial" panose="020B0604020202020204" pitchFamily="34" charset="0"/>
+              <a:buChar char="•"/>
+            </a:lvl4pPr>
+            <a:lvl5pPr marL="2057400" indent="-228600">
+              <a:lnSpc>
+                <a:spcPct val="90000"/>
+              </a:lnSpc>
+              <a:spcBef>
+                <a:spcPts val="500"/>
+              </a:spcBef>
+              <a:buFont typeface="Arial" panose="020B0604020202020204" pitchFamily="34" charset="0"/>
+              <a:buChar char="•"/>
+            </a:lvl5pPr>
+            <a:lvl6pPr marL="2514600" indent="-228600">
+              <a:lnSpc>
+                <a:spcPct val="90000"/>
+              </a:lnSpc>
+              <a:spcBef>
+                <a:spcPts val="500"/>
+              </a:spcBef>
+              <a:buFont typeface="Arial" panose="020B0604020202020204" pitchFamily="34" charset="0"/>
+              <a:buChar char="•"/>
+            </a:lvl6pPr>
+            <a:lvl7pPr marL="2971800" indent="-228600">
+              <a:lnSpc>
+                <a:spcPct val="90000"/>
+              </a:lnSpc>
+              <a:spcBef>
+                <a:spcPts val="500"/>
+              </a:spcBef>
+              <a:buFont typeface="Arial" panose="020B0604020202020204" pitchFamily="34" charset="0"/>
+              <a:buChar char="•"/>
+            </a:lvl7pPr>
+            <a:lvl8pPr marL="3429000" indent="-228600">
+              <a:lnSpc>
+                <a:spcPct val="90000"/>
+              </a:lnSpc>
+              <a:spcBef>
+                <a:spcPts val="500"/>
+              </a:spcBef>
+              <a:buFont typeface="Arial" panose="020B0604020202020204" pitchFamily="34" charset="0"/>
+              <a:buChar char="•"/>
+            </a:lvl8pPr>
+            <a:lvl9pPr marL="3886200" indent="-228600">
+              <a:lnSpc>
+                <a:spcPct val="90000"/>
+              </a:lnSpc>
+              <a:spcBef>
+                <a:spcPts val="500"/>
+              </a:spcBef>
+              <a:buFont typeface="Arial" panose="020B0604020202020204" pitchFamily="34" charset="0"/>
+              <a:buChar char="•"/>
+            </a:lvl9pPr>
+          </a:lstStyle>
+          <a:p>
+            <a:r>
+              <a:rPr lang="en-US" dirty="0"/>
+              <a:t>Implement</a:t>
+            </a:r>
+          </a:p>
+          <a:p>
+            <a:pPr lvl="1"/>
+            <a:r>
+              <a:rPr lang="en-US" dirty="0"/>
+              <a:t>Component Code </a:t>
+            </a:r>
+            <a:r>
+              <a:rPr lang="en-US" dirty="0">
+                <a:sym typeface="Wingdings" panose="05000000000000000000" pitchFamily="2" charset="2"/>
+              </a:rPr>
+              <a:t> open</a:t>
+            </a:r>
+            <a:endParaRPr lang="en-US" dirty="0"/>
+          </a:p>
+          <a:p>
+            <a:pPr lvl="1"/>
+            <a:r>
+              <a:rPr lang="en-US" dirty="0"/>
+              <a:t>Test Code </a:t>
+            </a:r>
+            <a:r>
+              <a:rPr lang="en-US" dirty="0">
+                <a:sym typeface="Wingdings" panose="05000000000000000000" pitchFamily="2" charset="2"/>
+              </a:rPr>
+              <a:t> open</a:t>
+            </a:r>
+            <a:endParaRPr lang="en-US" dirty="0"/>
+          </a:p>
+        </p:txBody>
+      </p:sp>
+    </p:spTree>
+    <p:extLst>
+      <p:ext uri="{BB962C8B-B14F-4D97-AF65-F5344CB8AC3E}">
+        <p14:creationId xmlns:p14="http://schemas.microsoft.com/office/powerpoint/2010/main" val="1149364213"/>
+      </p:ext>
+    </p:extLst>
+  </p:cSld>
+  <p:clrMapOvr>
+    <a:masterClrMapping/>
+  </p:clrMapOvr>
+</p:sld>
+</file>
+
+<file path=ppt/slides/slide3.xml><?xml version="1.0" encoding="utf-8"?>
+<p:sld xmlns:a="http://schemas.openxmlformats.org/drawingml/2006/main" xmlns:r="http://schemas.openxmlformats.org/officeDocument/2006/relationships" xmlns:p="http://schemas.openxmlformats.org/presentationml/2006/main">
+  <p:cSld>
+    <p:spTree>
+      <p:nvGrpSpPr>
+        <p:cNvPr id="1" name=""/>
+        <p:cNvGrpSpPr/>
+        <p:nvPr/>
+      </p:nvGrpSpPr>
+      <p:grpSpPr>
+        <a:xfrm>
+          <a:off x="0" y="0"/>
+          <a:ext cx="0" cy="0"/>
+          <a:chOff x="0" y="0"/>
+          <a:chExt cx="0" cy="0"/>
+        </a:xfrm>
+      </p:grpSpPr>
+      <p:sp>
+        <p:nvSpPr>
+          <p:cNvPr id="2" name="Title 1">
+            <a:extLst>
+              <a:ext uri="{FF2B5EF4-FFF2-40B4-BE49-F238E27FC236}">
+                <a16:creationId xmlns:a16="http://schemas.microsoft.com/office/drawing/2014/main" id="{B8D7EE1D-1DF8-452F-8AA3-2C00ACFE4638}"/>
+              </a:ext>
+            </a:extLst>
+          </p:cNvPr>
+          <p:cNvSpPr>
+            <a:spLocks noGrp="1"/>
+          </p:cNvSpPr>
+          <p:nvPr>
+            <p:ph type="title"/>
+          </p:nvPr>
+        </p:nvSpPr>
+        <p:spPr/>
+        <p:txBody>
+          <a:bodyPr/>
+          <a:lstStyle/>
+          <a:p>
+            <a:r>
+              <a:rPr lang="en-US" dirty="0"/>
+              <a:t>Project Purpose</a:t>
+            </a:r>
+          </a:p>
+        </p:txBody>
+      </p:sp>
+      <p:sp>
+        <p:nvSpPr>
+          <p:cNvPr id="3" name="Content Placeholder 2">
+            <a:extLst>
+              <a:ext uri="{FF2B5EF4-FFF2-40B4-BE49-F238E27FC236}">
+                <a16:creationId xmlns:a16="http://schemas.microsoft.com/office/drawing/2014/main" id="{E17FD693-6679-4A3D-8780-7CA2A459C0EE}"/>
+              </a:ext>
+            </a:extLst>
+          </p:cNvPr>
+          <p:cNvSpPr>
+            <a:spLocks noGrp="1"/>
+          </p:cNvSpPr>
+          <p:nvPr>
+            <p:ph idx="1"/>
+          </p:nvPr>
+        </p:nvSpPr>
+        <p:spPr/>
+        <p:txBody>
+          <a:bodyPr/>
+          <a:lstStyle/>
+          <a:p>
+            <a:r>
+              <a:rPr lang="en-US" dirty="0"/>
+              <a:t>To implement and test the FORDCS V1.0 based on customer requirements and Swagger API design!</a:t>
+            </a:r>
+          </a:p>
+          <a:p>
+            <a:r>
+              <a:rPr lang="en-US" dirty="0"/>
+              <a:t>Implementation and testing should be done on premise</a:t>
+            </a:r>
+          </a:p>
+          <a:p>
+            <a:r>
+              <a:rPr lang="en-US" dirty="0"/>
+              <a:t>The app should be deployed to Azure Cloud!</a:t>
+            </a:r>
+          </a:p>
+        </p:txBody>
+      </p:sp>
+    </p:spTree>
+    <p:extLst>
+      <p:ext uri="{BB962C8B-B14F-4D97-AF65-F5344CB8AC3E}">
+        <p14:creationId xmlns:p14="http://schemas.microsoft.com/office/powerpoint/2010/main" val="4252208364"/>
+      </p:ext>
+    </p:extLst>
+  </p:cSld>
+  <p:clrMapOvr>
+    <a:masterClrMapping/>
+  </p:clrMapOvr>
+</p:sld>
+</file>
+
+<file path=ppt/slides/slide4.xml><?xml version="1.0" encoding="utf-8"?>
+<p:sld xmlns:a="http://schemas.openxmlformats.org/drawingml/2006/main" xmlns:r="http://schemas.openxmlformats.org/officeDocument/2006/relationships" xmlns:p="http://schemas.openxmlformats.org/presentationml/2006/main">
+  <p:cSld>
+    <p:spTree>
+      <p:nvGrpSpPr>
+        <p:cNvPr id="1" name=""/>
+        <p:cNvGrpSpPr/>
+        <p:nvPr/>
+      </p:nvGrpSpPr>
+      <p:grpSpPr>
+        <a:xfrm>
+          <a:off x="0" y="0"/>
+          <a:ext cx="0" cy="0"/>
+          <a:chOff x="0" y="0"/>
+          <a:chExt cx="0" cy="0"/>
+        </a:xfrm>
+      </p:grpSpPr>
+      <p:sp>
+        <p:nvSpPr>
+          <p:cNvPr id="4" name="Title 3">
+            <a:extLst>
+              <a:ext uri="{FF2B5EF4-FFF2-40B4-BE49-F238E27FC236}">
+                <a16:creationId xmlns:a16="http://schemas.microsoft.com/office/drawing/2014/main" id="{014CC1F4-10DB-463B-8882-A7912A1EE3F0}"/>
+              </a:ext>
+            </a:extLst>
+          </p:cNvPr>
+          <p:cNvSpPr>
+            <a:spLocks noGrp="1"/>
+          </p:cNvSpPr>
+          <p:nvPr>
+            <p:ph type="title"/>
+          </p:nvPr>
+        </p:nvSpPr>
+        <p:spPr/>
+        <p:txBody>
+          <a:bodyPr/>
+          <a:lstStyle/>
+          <a:p>
+            <a:r>
+              <a:rPr lang="en-US" dirty="0"/>
+              <a:t>Project Requirements</a:t>
+            </a:r>
+          </a:p>
+        </p:txBody>
+      </p:sp>
+      <p:sp>
+        <p:nvSpPr>
+          <p:cNvPr id="6" name="Content Placeholder 5">
+            <a:extLst>
+              <a:ext uri="{FF2B5EF4-FFF2-40B4-BE49-F238E27FC236}">
+                <a16:creationId xmlns:a16="http://schemas.microsoft.com/office/drawing/2014/main" id="{BB14AFE2-F6D6-44B2-AF82-4CCBDD509240}"/>
+              </a:ext>
+            </a:extLst>
+          </p:cNvPr>
+          <p:cNvSpPr>
+            <a:spLocks noGrp="1"/>
+          </p:cNvSpPr>
+          <p:nvPr>
+            <p:ph idx="1"/>
+          </p:nvPr>
+        </p:nvSpPr>
+        <p:spPr/>
+        <p:txBody>
+          <a:bodyPr/>
+          <a:lstStyle/>
+          <a:p>
+            <a:r>
+              <a:rPr lang="en-US" dirty="0"/>
+              <a:t>The customer requirements are defined in a set of slides!</a:t>
+            </a:r>
+          </a:p>
+          <a:p>
+            <a:pPr lvl="1"/>
+            <a:r>
+              <a:rPr lang="en-US" dirty="0">
+                <a:solidFill>
+                  <a:srgbClr val="FF0000"/>
+                </a:solidFill>
+              </a:rPr>
+              <a:t>EDUp-FORDCS-V1.0 Customer-Requirements-v2022.04.pptx</a:t>
+            </a:r>
+            <a:endParaRPr lang="en-US" dirty="0"/>
+          </a:p>
+          <a:p>
+            <a:r>
+              <a:rPr lang="en-US" dirty="0"/>
+              <a:t>The FORDCS V1.0 API is designed by a Swagger API!</a:t>
+            </a:r>
+          </a:p>
+          <a:p>
+            <a:r>
+              <a:rPr lang="en-US" dirty="0"/>
+              <a:t>The app should offer a Swagger document API! </a:t>
+            </a:r>
+          </a:p>
+          <a:p>
+            <a:r>
+              <a:rPr lang="en-US" dirty="0"/>
+              <a:t>The app should be deployed to Azure Cloud!</a:t>
+            </a:r>
+          </a:p>
+          <a:p>
+            <a:r>
+              <a:rPr lang="en-US" dirty="0"/>
+              <a:t>The acceptance test should be conducted while app is running on Azure Cloud!</a:t>
+            </a:r>
+          </a:p>
+          <a:p>
+            <a:endParaRPr lang="en-US" dirty="0"/>
+          </a:p>
+        </p:txBody>
+      </p:sp>
+    </p:spTree>
+    <p:extLst>
+      <p:ext uri="{BB962C8B-B14F-4D97-AF65-F5344CB8AC3E}">
+        <p14:creationId xmlns:p14="http://schemas.microsoft.com/office/powerpoint/2010/main" val="4120221842"/>
+      </p:ext>
+    </p:extLst>
+  </p:cSld>
+  <p:clrMapOvr>
+    <a:masterClrMapping/>
+  </p:clrMapOvr>
+</p:sld>
+</file>
+
+<file path=ppt/slides/slide5.xml><?xml version="1.0" encoding="utf-8"?>
+<p:sld xmlns:a="http://schemas.openxmlformats.org/drawingml/2006/main" xmlns:r="http://schemas.openxmlformats.org/officeDocument/2006/relationships" xmlns:p="http://schemas.openxmlformats.org/presentationml/2006/main">
+  <p:cSld>
+    <p:spTree>
+      <p:nvGrpSpPr>
+        <p:cNvPr id="1" name=""/>
+        <p:cNvGrpSpPr/>
+        <p:nvPr/>
+      </p:nvGrpSpPr>
+      <p:grpSpPr>
+        <a:xfrm>
+          <a:off x="0" y="0"/>
+          <a:ext cx="0" cy="0"/>
+          <a:chOff x="0" y="0"/>
+          <a:chExt cx="0" cy="0"/>
+        </a:xfrm>
+      </p:grpSpPr>
+      <p:sp>
+        <p:nvSpPr>
+          <p:cNvPr id="4" name="Title 3">
+            <a:extLst>
+              <a:ext uri="{FF2B5EF4-FFF2-40B4-BE49-F238E27FC236}">
+                <a16:creationId xmlns:a16="http://schemas.microsoft.com/office/drawing/2014/main" id="{014CC1F4-10DB-463B-8882-A7912A1EE3F0}"/>
+              </a:ext>
+            </a:extLst>
+          </p:cNvPr>
+          <p:cNvSpPr>
+            <a:spLocks noGrp="1"/>
+          </p:cNvSpPr>
+          <p:nvPr>
+            <p:ph type="title"/>
+          </p:nvPr>
+        </p:nvSpPr>
+        <p:spPr/>
+        <p:txBody>
+          <a:bodyPr/>
+          <a:lstStyle/>
+          <a:p>
+            <a:r>
+              <a:rPr lang="en-US" dirty="0"/>
+              <a:t>Project Technical Scope</a:t>
+            </a:r>
+          </a:p>
+        </p:txBody>
+      </p:sp>
+      <p:sp>
+        <p:nvSpPr>
+          <p:cNvPr id="2" name="Content Placeholder 1">
+            <a:extLst>
+              <a:ext uri="{FF2B5EF4-FFF2-40B4-BE49-F238E27FC236}">
+                <a16:creationId xmlns:a16="http://schemas.microsoft.com/office/drawing/2014/main" id="{51D6B3FC-EF0D-4441-B962-01F2DB3844E3}"/>
+              </a:ext>
+            </a:extLst>
+          </p:cNvPr>
+          <p:cNvSpPr>
+            <a:spLocks noGrp="1"/>
+          </p:cNvSpPr>
+          <p:nvPr>
+            <p:ph idx="1"/>
+          </p:nvPr>
+        </p:nvSpPr>
+        <p:spPr/>
+        <p:txBody>
+          <a:bodyPr/>
+          <a:lstStyle/>
+          <a:p>
+            <a:endParaRPr lang="en-US"/>
+          </a:p>
+        </p:txBody>
+      </p:sp>
+    </p:spTree>
+    <p:extLst>
+      <p:ext uri="{BB962C8B-B14F-4D97-AF65-F5344CB8AC3E}">
+        <p14:creationId xmlns:p14="http://schemas.microsoft.com/office/powerpoint/2010/main" val="141276072"/>
+      </p:ext>
+    </p:extLst>
+  </p:cSld>
+  <p:clrMapOvr>
+    <a:masterClrMapping/>
+  </p:clrMapOvr>
+</p:sld>
+</file>
+
+<file path=ppt/slides/slide6.xml><?xml version="1.0" encoding="utf-8"?>
+<p:sld xmlns:a="http://schemas.openxmlformats.org/drawingml/2006/main" xmlns:r="http://schemas.openxmlformats.org/officeDocument/2006/relationships" xmlns:p="http://schemas.openxmlformats.org/presentationml/2006/main">
+  <p:cSld>
+    <p:spTree>
+      <p:nvGrpSpPr>
+        <p:cNvPr id="1" name=""/>
+        <p:cNvGrpSpPr/>
+        <p:nvPr/>
+      </p:nvGrpSpPr>
+      <p:grpSpPr>
+        <a:xfrm>
+          <a:off x="0" y="0"/>
+          <a:ext cx="0" cy="0"/>
+          <a:chOff x="0" y="0"/>
+          <a:chExt cx="0" cy="0"/>
+        </a:xfrm>
+      </p:grpSpPr>
+      <p:sp>
+        <p:nvSpPr>
+          <p:cNvPr id="4" name="Title 3">
+            <a:extLst>
+              <a:ext uri="{FF2B5EF4-FFF2-40B4-BE49-F238E27FC236}">
+                <a16:creationId xmlns:a16="http://schemas.microsoft.com/office/drawing/2014/main" id="{014CC1F4-10DB-463B-8882-A7912A1EE3F0}"/>
+              </a:ext>
+            </a:extLst>
+          </p:cNvPr>
+          <p:cNvSpPr>
+            <a:spLocks noGrp="1"/>
+          </p:cNvSpPr>
+          <p:nvPr>
+            <p:ph type="title"/>
+          </p:nvPr>
+        </p:nvSpPr>
+        <p:spPr/>
+        <p:txBody>
+          <a:bodyPr/>
+          <a:lstStyle/>
+          <a:p>
+            <a:r>
+              <a:rPr lang="en-US" dirty="0"/>
+              <a:t>Project Setup</a:t>
+            </a:r>
+          </a:p>
+        </p:txBody>
+      </p:sp>
+      <p:sp>
+        <p:nvSpPr>
+          <p:cNvPr id="2" name="Content Placeholder 1">
+            <a:extLst>
+              <a:ext uri="{FF2B5EF4-FFF2-40B4-BE49-F238E27FC236}">
+                <a16:creationId xmlns:a16="http://schemas.microsoft.com/office/drawing/2014/main" id="{2882320F-57A6-4A07-901D-287CB08C76F3}"/>
+              </a:ext>
+            </a:extLst>
+          </p:cNvPr>
+          <p:cNvSpPr>
+            <a:spLocks noGrp="1"/>
+          </p:cNvSpPr>
+          <p:nvPr>
+            <p:ph idx="1"/>
+          </p:nvPr>
+        </p:nvSpPr>
+        <p:spPr/>
+        <p:txBody>
+          <a:bodyPr/>
+          <a:lstStyle/>
+          <a:p>
+            <a:endParaRPr lang="en-US" dirty="0"/>
+          </a:p>
+        </p:txBody>
+      </p:sp>
+    </p:spTree>
+    <p:extLst>
+      <p:ext uri="{BB962C8B-B14F-4D97-AF65-F5344CB8AC3E}">
+        <p14:creationId xmlns:p14="http://schemas.microsoft.com/office/powerpoint/2010/main" val="1657034524"/>
+      </p:ext>
+    </p:extLst>
+  </p:cSld>
+  <p:clrMapOvr>
+    <a:masterClrMapping/>
+  </p:clrMapOvr>
+</p:sld>
+</file>
+
+<file path=ppt/slides/slide7.xml><?xml version="1.0" encoding="utf-8"?>
+<p:sld xmlns:a="http://schemas.openxmlformats.org/drawingml/2006/main" xmlns:r="http://schemas.openxmlformats.org/officeDocument/2006/relationships" xmlns:p="http://schemas.openxmlformats.org/presentationml/2006/main">
+  <p:cSld>
+    <p:spTree>
+      <p:nvGrpSpPr>
+        <p:cNvPr id="1" name=""/>
+        <p:cNvGrpSpPr/>
+        <p:nvPr/>
+      </p:nvGrpSpPr>
+      <p:grpSpPr>
+        <a:xfrm>
+          <a:off x="0" y="0"/>
+          <a:ext cx="0" cy="0"/>
+          <a:chOff x="0" y="0"/>
+          <a:chExt cx="0" cy="0"/>
+        </a:xfrm>
+      </p:grpSpPr>
+      <p:sp>
+        <p:nvSpPr>
+          <p:cNvPr id="4" name="Title 3">
+            <a:extLst>
+              <a:ext uri="{FF2B5EF4-FFF2-40B4-BE49-F238E27FC236}">
+                <a16:creationId xmlns:a16="http://schemas.microsoft.com/office/drawing/2014/main" id="{014CC1F4-10DB-463B-8882-A7912A1EE3F0}"/>
+              </a:ext>
+            </a:extLst>
+          </p:cNvPr>
+          <p:cNvSpPr>
+            <a:spLocks noGrp="1"/>
+          </p:cNvSpPr>
+          <p:nvPr>
+            <p:ph type="title"/>
+          </p:nvPr>
+        </p:nvSpPr>
+        <p:spPr/>
+        <p:txBody>
+          <a:bodyPr/>
+          <a:lstStyle/>
+          <a:p>
+            <a:r>
+              <a:rPr lang="en-US" dirty="0"/>
+              <a:t>Project Delivery</a:t>
+            </a:r>
+          </a:p>
+        </p:txBody>
+      </p:sp>
+      <p:sp>
+        <p:nvSpPr>
+          <p:cNvPr id="2" name="Content Placeholder 1">
+            <a:extLst>
+              <a:ext uri="{FF2B5EF4-FFF2-40B4-BE49-F238E27FC236}">
+                <a16:creationId xmlns:a16="http://schemas.microsoft.com/office/drawing/2014/main" id="{F4B9953F-D896-4509-BED4-B904EA3F2B6A}"/>
+              </a:ext>
+            </a:extLst>
+          </p:cNvPr>
+          <p:cNvSpPr>
+            <a:spLocks noGrp="1"/>
+          </p:cNvSpPr>
+          <p:nvPr>
+            <p:ph idx="1"/>
+          </p:nvPr>
+        </p:nvSpPr>
+        <p:spPr/>
+        <p:txBody>
+          <a:bodyPr/>
+          <a:lstStyle/>
+          <a:p>
+            <a:endParaRPr lang="en-US"/>
+          </a:p>
+        </p:txBody>
+      </p:sp>
+    </p:spTree>
+    <p:extLst>
+      <p:ext uri="{BB962C8B-B14F-4D97-AF65-F5344CB8AC3E}">
+        <p14:creationId xmlns:p14="http://schemas.microsoft.com/office/powerpoint/2010/main" val="93834442"/>
+      </p:ext>
+    </p:extLst>
+  </p:cSld>
+  <p:clrMapOvr>
+    <a:masterClrMapping/>
+  </p:clrMapOvr>
+</p:sld>
+</file>
+
+<file path=ppt/slides/slide8.xml><?xml version="1.0" encoding="utf-8"?>
 <p:sld xmlns:a="http://schemas.openxmlformats.org/drawingml/2006/main" xmlns:r="http://schemas.openxmlformats.org/officeDocument/2006/relationships" xmlns:p="http://schemas.openxmlformats.org/presentationml/2006/main">
   <p:cSld>
     <p:spTree>
@@ -11810,7 +15214,7 @@
     </p:spTree>
     <p:extLst>
       <p:ext uri="{BB962C8B-B14F-4D97-AF65-F5344CB8AC3E}">
-        <p14:creationId xmlns:p14="http://schemas.microsoft.com/office/powerpoint/2010/main" val="1626217062"/>
+        <p14:creationId xmlns:p14="http://schemas.microsoft.com/office/powerpoint/2010/main" val="1906772412"/>
       </p:ext>
     </p:extLst>
   </p:cSld>
@@ -11820,2142 +15224,7 @@
 </p:sld>
 </file>
 
-<file path=ppt/slides/slide13.xml><?xml version="1.0" encoding="utf-8"?>
-<p:sld xmlns:a="http://schemas.openxmlformats.org/drawingml/2006/main" xmlns:r="http://schemas.openxmlformats.org/officeDocument/2006/relationships" xmlns:p="http://schemas.openxmlformats.org/presentationml/2006/main">
-  <p:cSld>
-    <p:spTree>
-      <p:nvGrpSpPr>
-        <p:cNvPr id="1" name=""/>
-        <p:cNvGrpSpPr/>
-        <p:nvPr/>
-      </p:nvGrpSpPr>
-      <p:grpSpPr>
-        <a:xfrm>
-          <a:off x="0" y="0"/>
-          <a:ext cx="0" cy="0"/>
-          <a:chOff x="0" y="0"/>
-          <a:chExt cx="0" cy="0"/>
-        </a:xfrm>
-      </p:grpSpPr>
-      <p:sp>
-        <p:nvSpPr>
-          <p:cNvPr id="2" name="Title 1">
-            <a:extLst>
-              <a:ext uri="{FF2B5EF4-FFF2-40B4-BE49-F238E27FC236}">
-                <a16:creationId xmlns:a16="http://schemas.microsoft.com/office/drawing/2014/main" id="{B8D7EE1D-1DF8-452F-8AA3-2C00ACFE4638}"/>
-              </a:ext>
-            </a:extLst>
-          </p:cNvPr>
-          <p:cNvSpPr>
-            <a:spLocks noGrp="1"/>
-          </p:cNvSpPr>
-          <p:nvPr>
-            <p:ph type="title"/>
-          </p:nvPr>
-        </p:nvSpPr>
-        <p:spPr/>
-        <p:txBody>
-          <a:bodyPr/>
-          <a:lstStyle/>
-          <a:p>
-            <a:r>
-              <a:rPr lang="en-US" dirty="0"/>
-              <a:t>Backyard</a:t>
-            </a:r>
-          </a:p>
-        </p:txBody>
-      </p:sp>
-      <p:sp>
-        <p:nvSpPr>
-          <p:cNvPr id="4" name="Text Placeholder 3">
-            <a:extLst>
-              <a:ext uri="{FF2B5EF4-FFF2-40B4-BE49-F238E27FC236}">
-                <a16:creationId xmlns:a16="http://schemas.microsoft.com/office/drawing/2014/main" id="{3BBF0A1E-B487-4740-AA3C-FBF659C7FBEC}"/>
-              </a:ext>
-            </a:extLst>
-          </p:cNvPr>
-          <p:cNvSpPr>
-            <a:spLocks noGrp="1"/>
-          </p:cNvSpPr>
-          <p:nvPr>
-            <p:ph type="body" idx="1"/>
-          </p:nvPr>
-        </p:nvSpPr>
-        <p:spPr/>
-        <p:txBody>
-          <a:bodyPr/>
-          <a:lstStyle/>
-          <a:p>
-            <a:endParaRPr lang="en-US"/>
-          </a:p>
-        </p:txBody>
-      </p:sp>
-    </p:spTree>
-    <p:extLst>
-      <p:ext uri="{BB962C8B-B14F-4D97-AF65-F5344CB8AC3E}">
-        <p14:creationId xmlns:p14="http://schemas.microsoft.com/office/powerpoint/2010/main" val="1348428271"/>
-      </p:ext>
-    </p:extLst>
-  </p:cSld>
-  <p:clrMapOvr>
-    <a:masterClrMapping/>
-  </p:clrMapOvr>
-</p:sld>
-</file>
-
-<file path=ppt/slides/slide14.xml><?xml version="1.0" encoding="utf-8"?>
-<p:sld xmlns:a="http://schemas.openxmlformats.org/drawingml/2006/main" xmlns:r="http://schemas.openxmlformats.org/officeDocument/2006/relationships" xmlns:p="http://schemas.openxmlformats.org/presentationml/2006/main">
-  <p:cSld>
-    <p:spTree>
-      <p:nvGrpSpPr>
-        <p:cNvPr id="1" name=""/>
-        <p:cNvGrpSpPr/>
-        <p:nvPr/>
-      </p:nvGrpSpPr>
-      <p:grpSpPr>
-        <a:xfrm>
-          <a:off x="0" y="0"/>
-          <a:ext cx="0" cy="0"/>
-          <a:chOff x="0" y="0"/>
-          <a:chExt cx="0" cy="0"/>
-        </a:xfrm>
-      </p:grpSpPr>
-      <p:sp>
-        <p:nvSpPr>
-          <p:cNvPr id="2" name="Title 1">
-            <a:extLst>
-              <a:ext uri="{FF2B5EF4-FFF2-40B4-BE49-F238E27FC236}">
-                <a16:creationId xmlns:a16="http://schemas.microsoft.com/office/drawing/2014/main" id="{5D3B5078-7757-4767-AEF6-369937360D8D}"/>
-              </a:ext>
-            </a:extLst>
-          </p:cNvPr>
-          <p:cNvSpPr>
-            <a:spLocks noGrp="1"/>
-          </p:cNvSpPr>
-          <p:nvPr>
-            <p:ph type="title"/>
-          </p:nvPr>
-        </p:nvSpPr>
-        <p:spPr>
-          <a:xfrm>
-            <a:off x="838200" y="1"/>
-            <a:ext cx="10515600" cy="1042736"/>
-          </a:xfrm>
-        </p:spPr>
-        <p:txBody>
-          <a:bodyPr>
-            <a:normAutofit fontScale="90000"/>
-          </a:bodyPr>
-          <a:lstStyle/>
-          <a:p>
-            <a:r>
-              <a:rPr lang="en-US" dirty="0"/>
-              <a:t>EDUp Project Story Stream</a:t>
-            </a:r>
-            <a:br>
-              <a:rPr lang="en-US" dirty="0"/>
-            </a:br>
-            <a:r>
-              <a:rPr lang="en-US" dirty="0"/>
-              <a:t>Checklist</a:t>
-            </a:r>
-          </a:p>
-        </p:txBody>
-      </p:sp>
-      <p:sp>
-        <p:nvSpPr>
-          <p:cNvPr id="3" name="Content Placeholder 2">
-            <a:extLst>
-              <a:ext uri="{FF2B5EF4-FFF2-40B4-BE49-F238E27FC236}">
-                <a16:creationId xmlns:a16="http://schemas.microsoft.com/office/drawing/2014/main" id="{BB52B4B9-8BC6-47F1-9253-84378701FD00}"/>
-              </a:ext>
-            </a:extLst>
-          </p:cNvPr>
-          <p:cNvSpPr>
-            <a:spLocks noGrp="1"/>
-          </p:cNvSpPr>
-          <p:nvPr>
-            <p:ph idx="1"/>
-          </p:nvPr>
-        </p:nvSpPr>
-        <p:spPr>
-          <a:xfrm>
-            <a:off x="838199" y="1042737"/>
-            <a:ext cx="11353801" cy="5815263"/>
-          </a:xfrm>
-        </p:spPr>
-        <p:txBody>
-          <a:bodyPr>
-            <a:normAutofit fontScale="85000" lnSpcReduction="20000"/>
-          </a:bodyPr>
-          <a:lstStyle/>
-          <a:p>
-            <a:r>
-              <a:rPr lang="en-US" dirty="0"/>
-              <a:t>The &lt; project-name&gt;</a:t>
-            </a:r>
-          </a:p>
-          <a:p>
-            <a:r>
-              <a:rPr lang="en-US" dirty="0"/>
-              <a:t>Customer Scope</a:t>
-            </a:r>
-          </a:p>
-          <a:p>
-            <a:pPr marL="914400" lvl="1" indent="-457200">
-              <a:buFont typeface="+mj-lt"/>
-              <a:buAutoNum type="arabicPeriod"/>
-            </a:pPr>
-            <a:r>
-              <a:rPr lang="en-US" dirty="0"/>
-              <a:t>Define the system boundaries</a:t>
-            </a:r>
-          </a:p>
-          <a:p>
-            <a:pPr marL="914400" lvl="1" indent="-457200">
-              <a:buFont typeface="+mj-lt"/>
-              <a:buAutoNum type="arabicPeriod"/>
-            </a:pPr>
-            <a:r>
-              <a:rPr lang="en-US" dirty="0"/>
-              <a:t>Define the scope of the customer needs/requirements</a:t>
-            </a:r>
-          </a:p>
-          <a:p>
-            <a:pPr marL="914400" lvl="1" indent="-457200">
-              <a:buFont typeface="+mj-lt"/>
-              <a:buAutoNum type="arabicPeriod"/>
-            </a:pPr>
-            <a:r>
-              <a:rPr lang="en-US" dirty="0"/>
-              <a:t>Describe the needs from the viewpoint of customer (use case, swagger-UI, UX, big-picture)</a:t>
-            </a:r>
-          </a:p>
-          <a:p>
-            <a:pPr marL="914400" lvl="1" indent="-457200">
-              <a:buFont typeface="+mj-lt"/>
-              <a:buAutoNum type="arabicPeriod"/>
-            </a:pPr>
-            <a:r>
-              <a:rPr lang="en-US" dirty="0"/>
-              <a:t>Define the customer's knowhow profile</a:t>
-            </a:r>
-          </a:p>
-          <a:p>
-            <a:r>
-              <a:rPr lang="en-US" dirty="0"/>
-              <a:t>Supplier (Project) Scope </a:t>
-            </a:r>
-          </a:p>
-          <a:p>
-            <a:pPr marL="914400" lvl="1" indent="-457200">
-              <a:buFont typeface="+mj-lt"/>
-              <a:buAutoNum type="arabicPeriod"/>
-            </a:pPr>
-            <a:r>
-              <a:rPr lang="en-US" dirty="0"/>
-              <a:t>Define the system requirements from the viewpoint of supplier (describe with the means of Supplier's technology, tools, ..., HW/SW big-picture)</a:t>
-            </a:r>
-          </a:p>
-          <a:p>
-            <a:pPr marL="914400" lvl="1" indent="-457200">
-              <a:buFont typeface="+mj-lt"/>
-              <a:buAutoNum type="arabicPeriod"/>
-            </a:pPr>
-            <a:r>
-              <a:rPr lang="en-US" dirty="0"/>
-              <a:t>Define the supplier's knowhow profile</a:t>
-            </a:r>
-          </a:p>
-          <a:p>
-            <a:pPr marL="914400" lvl="1" indent="-457200">
-              <a:buFont typeface="+mj-lt"/>
-              <a:buAutoNum type="arabicPeriod"/>
-            </a:pPr>
-            <a:r>
-              <a:rPr lang="en-US" dirty="0"/>
-              <a:t>Define a project roadmap (project timeline)</a:t>
-            </a:r>
-          </a:p>
-          <a:p>
-            <a:pPr marL="914400" lvl="1" indent="-457200">
-              <a:buFont typeface="+mj-lt"/>
-              <a:buAutoNum type="arabicPeriod"/>
-            </a:pPr>
-            <a:r>
-              <a:rPr lang="en-US" dirty="0"/>
-              <a:t>Create artifacts according to EDUp-Full-Stack-Software-Project-Development-Method.pptx </a:t>
-            </a:r>
-          </a:p>
-          <a:p>
-            <a:pPr marL="1371600" lvl="2" indent="-457200">
-              <a:buFont typeface="+mj-lt"/>
-              <a:buAutoNum type="arabicPeriod"/>
-            </a:pPr>
-            <a:r>
-              <a:rPr lang="en-US" dirty="0"/>
-              <a:t>See slide “Full-Stack Software Project Development Method” (#4)</a:t>
-            </a:r>
-          </a:p>
-          <a:p>
-            <a:pPr marL="914400" lvl="1" indent="-457200">
-              <a:buFont typeface="+mj-lt"/>
-              <a:buAutoNum type="arabicPeriod"/>
-            </a:pPr>
-            <a:r>
-              <a:rPr lang="en-US" dirty="0"/>
-              <a:t>Define the sys/</a:t>
-            </a:r>
-            <a:r>
-              <a:rPr lang="en-US" dirty="0" err="1"/>
-              <a:t>sw</a:t>
-            </a:r>
-            <a:r>
-              <a:rPr lang="en-US" dirty="0"/>
-              <a:t>-architecture covering the sys-req component-wise (SOA, component-based arch, domain model)</a:t>
-            </a:r>
-          </a:p>
-          <a:p>
-            <a:pPr marL="1371600" lvl="2" indent="-457200">
-              <a:buFont typeface="+mj-lt"/>
-              <a:buAutoNum type="arabicPeriod"/>
-            </a:pPr>
-            <a:r>
-              <a:rPr lang="en-US" dirty="0"/>
-              <a:t>Define alternative solutions and references</a:t>
-            </a:r>
-          </a:p>
-          <a:p>
-            <a:pPr marL="1371600" lvl="2" indent="-457200">
-              <a:buFont typeface="+mj-lt"/>
-              <a:buAutoNum type="arabicPeriod"/>
-            </a:pPr>
-            <a:r>
-              <a:rPr lang="en-US" dirty="0"/>
-              <a:t>Define the components based on Spring architecture</a:t>
-            </a:r>
-          </a:p>
-          <a:p>
-            <a:pPr marL="914400" lvl="1" indent="-457200">
-              <a:buFont typeface="+mj-lt"/>
-              <a:buAutoNum type="arabicPeriod"/>
-            </a:pPr>
-            <a:r>
-              <a:rPr lang="en-US" dirty="0"/>
-              <a:t>Define DevOps (the dev-env and dev-ops)</a:t>
-            </a:r>
-          </a:p>
-          <a:p>
-            <a:pPr marL="914400" lvl="1" indent="-457200">
-              <a:buFont typeface="+mj-lt"/>
-              <a:buAutoNum type="arabicPeriod"/>
-            </a:pPr>
-            <a:r>
-              <a:rPr lang="en-US" dirty="0"/>
-              <a:t>Define V&amp;V-spec and -env</a:t>
-            </a:r>
-          </a:p>
-          <a:p>
-            <a:pPr marL="914400" lvl="1" indent="-457200">
-              <a:buFont typeface="+mj-lt"/>
-              <a:buAutoNum type="arabicPeriod"/>
-            </a:pPr>
-            <a:r>
-              <a:rPr lang="en-US" dirty="0"/>
-              <a:t>Define Deployment (deliverables, release content and media)</a:t>
-            </a:r>
-          </a:p>
-        </p:txBody>
-      </p:sp>
-    </p:spTree>
-    <p:extLst>
-      <p:ext uri="{BB962C8B-B14F-4D97-AF65-F5344CB8AC3E}">
-        <p14:creationId xmlns:p14="http://schemas.microsoft.com/office/powerpoint/2010/main" val="383692364"/>
-      </p:ext>
-    </p:extLst>
-  </p:cSld>
-  <p:clrMapOvr>
-    <a:masterClrMapping/>
-  </p:clrMapOvr>
-</p:sld>
-</file>
-
-<file path=ppt/slides/slide15.xml><?xml version="1.0" encoding="utf-8"?>
-<p:sld xmlns:a="http://schemas.openxmlformats.org/drawingml/2006/main" xmlns:r="http://schemas.openxmlformats.org/officeDocument/2006/relationships" xmlns:p="http://schemas.openxmlformats.org/presentationml/2006/main" showMasterSp="0">
-  <p:cSld>
-    <p:spTree>
-      <p:nvGrpSpPr>
-        <p:cNvPr id="1" name=""/>
-        <p:cNvGrpSpPr/>
-        <p:nvPr/>
-      </p:nvGrpSpPr>
-      <p:grpSpPr>
-        <a:xfrm>
-          <a:off x="0" y="0"/>
-          <a:ext cx="0" cy="0"/>
-          <a:chOff x="0" y="0"/>
-          <a:chExt cx="0" cy="0"/>
-        </a:xfrm>
-      </p:grpSpPr>
-      <p:sp>
-        <p:nvSpPr>
-          <p:cNvPr id="2" name="Title 1">
-            <a:extLst>
-              <a:ext uri="{FF2B5EF4-FFF2-40B4-BE49-F238E27FC236}">
-                <a16:creationId xmlns:a16="http://schemas.microsoft.com/office/drawing/2014/main" id="{2A99916E-D78A-431D-A28E-B2E3B0313B31}"/>
-              </a:ext>
-            </a:extLst>
-          </p:cNvPr>
-          <p:cNvSpPr>
-            <a:spLocks noGrp="1"/>
-          </p:cNvSpPr>
-          <p:nvPr>
-            <p:ph type="title"/>
-          </p:nvPr>
-        </p:nvSpPr>
-        <p:spPr>
-          <a:xfrm>
-            <a:off x="272716" y="1"/>
-            <a:ext cx="11919284" cy="1569260"/>
-          </a:xfrm>
-        </p:spPr>
-        <p:txBody>
-          <a:bodyPr>
-            <a:noAutofit/>
-          </a:bodyPr>
-          <a:lstStyle/>
-          <a:p>
-            <a:r>
-              <a:rPr lang="en-US" sz="3600" dirty="0"/>
-              <a:t>EDUp Project Story Stream</a:t>
-            </a:r>
-          </a:p>
-        </p:txBody>
-      </p:sp>
-      <p:grpSp>
-        <p:nvGrpSpPr>
-          <p:cNvPr id="133" name="Group 132">
-            <a:extLst>
-              <a:ext uri="{FF2B5EF4-FFF2-40B4-BE49-F238E27FC236}">
-                <a16:creationId xmlns:a16="http://schemas.microsoft.com/office/drawing/2014/main" id="{C55F4C82-86B0-4A9F-B2D2-DB26149D6001}"/>
-              </a:ext>
-            </a:extLst>
-          </p:cNvPr>
-          <p:cNvGrpSpPr/>
-          <p:nvPr/>
-        </p:nvGrpSpPr>
-        <p:grpSpPr>
-          <a:xfrm>
-            <a:off x="1299471" y="1569262"/>
-            <a:ext cx="341760" cy="298616"/>
-            <a:chOff x="1299471" y="1569262"/>
-            <a:chExt cx="341760" cy="298616"/>
-          </a:xfrm>
-        </p:grpSpPr>
-        <p:sp>
-          <p:nvSpPr>
-            <p:cNvPr id="132" name="TextBox 131">
-              <a:extLst>
-                <a:ext uri="{FF2B5EF4-FFF2-40B4-BE49-F238E27FC236}">
-                  <a16:creationId xmlns:a16="http://schemas.microsoft.com/office/drawing/2014/main" id="{5D9539BD-EFFA-49DD-9DF8-31F486A29803}"/>
-                </a:ext>
-              </a:extLst>
-            </p:cNvPr>
-            <p:cNvSpPr txBox="1"/>
-            <p:nvPr/>
-          </p:nvSpPr>
-          <p:spPr>
-            <a:xfrm>
-              <a:off x="1299471" y="1580070"/>
-              <a:ext cx="341760" cy="276999"/>
-            </a:xfrm>
-            <a:prstGeom prst="rect">
-              <a:avLst/>
-            </a:prstGeom>
-            <a:noFill/>
-          </p:spPr>
-          <p:txBody>
-            <a:bodyPr wrap="none" rtlCol="0">
-              <a:spAutoFit/>
-            </a:bodyPr>
-            <a:lstStyle/>
-            <a:p>
-              <a:r>
-                <a:rPr lang="en-US" sz="1200" dirty="0">
-                  <a:solidFill>
-                    <a:schemeClr val="accent5">
-                      <a:lumMod val="75000"/>
-                    </a:schemeClr>
-                  </a:solidFill>
-                </a:rPr>
-                <a:t>00</a:t>
-              </a:r>
-            </a:p>
-          </p:txBody>
-        </p:sp>
-        <p:sp>
-          <p:nvSpPr>
-            <p:cNvPr id="3" name="Oval 2">
-              <a:extLst>
-                <a:ext uri="{FF2B5EF4-FFF2-40B4-BE49-F238E27FC236}">
-                  <a16:creationId xmlns:a16="http://schemas.microsoft.com/office/drawing/2014/main" id="{D0BB232B-4FA0-4AD0-B301-F81775B3CA8E}"/>
-                </a:ext>
-              </a:extLst>
-            </p:cNvPr>
-            <p:cNvSpPr/>
-            <p:nvPr/>
-          </p:nvSpPr>
-          <p:spPr>
-            <a:xfrm>
-              <a:off x="1312985" y="1569262"/>
-              <a:ext cx="328246" cy="298616"/>
-            </a:xfrm>
-            <a:prstGeom prst="ellipse">
-              <a:avLst/>
-            </a:prstGeom>
-            <a:noFill/>
-          </p:spPr>
-          <p:style>
-            <a:lnRef idx="2">
-              <a:schemeClr val="accent1">
-                <a:shade val="50000"/>
-              </a:schemeClr>
-            </a:lnRef>
-            <a:fillRef idx="1">
-              <a:schemeClr val="accent1"/>
-            </a:fillRef>
-            <a:effectRef idx="0">
-              <a:schemeClr val="accent1"/>
-            </a:effectRef>
-            <a:fontRef idx="minor">
-              <a:schemeClr val="lt1"/>
-            </a:fontRef>
-          </p:style>
-          <p:txBody>
-            <a:bodyPr rtlCol="0" anchor="ctr"/>
-            <a:lstStyle/>
-            <a:p>
-              <a:pPr algn="ctr"/>
-              <a:endParaRPr lang="en-US" sz="800" dirty="0">
-                <a:solidFill>
-                  <a:schemeClr val="accent5">
-                    <a:lumMod val="75000"/>
-                  </a:schemeClr>
-                </a:solidFill>
-              </a:endParaRPr>
-            </a:p>
-          </p:txBody>
-        </p:sp>
-      </p:grpSp>
-      <p:grpSp>
-        <p:nvGrpSpPr>
-          <p:cNvPr id="131" name="Group 130">
-            <a:extLst>
-              <a:ext uri="{FF2B5EF4-FFF2-40B4-BE49-F238E27FC236}">
-                <a16:creationId xmlns:a16="http://schemas.microsoft.com/office/drawing/2014/main" id="{37446761-3D4C-448C-A531-6DD3A9671BE4}"/>
-              </a:ext>
-            </a:extLst>
-          </p:cNvPr>
-          <p:cNvGrpSpPr/>
-          <p:nvPr/>
-        </p:nvGrpSpPr>
-        <p:grpSpPr>
-          <a:xfrm>
-            <a:off x="6820877" y="1250462"/>
-            <a:ext cx="2156224" cy="1062892"/>
-            <a:chOff x="6820877" y="1250462"/>
-            <a:chExt cx="2156224" cy="1062892"/>
-          </a:xfrm>
-        </p:grpSpPr>
-        <p:sp>
-          <p:nvSpPr>
-            <p:cNvPr id="123" name="Right Brace 122">
-              <a:extLst>
-                <a:ext uri="{FF2B5EF4-FFF2-40B4-BE49-F238E27FC236}">
-                  <a16:creationId xmlns:a16="http://schemas.microsoft.com/office/drawing/2014/main" id="{6224450A-5D78-4F26-9F4C-C8F75B768E29}"/>
-                </a:ext>
-              </a:extLst>
-            </p:cNvPr>
-            <p:cNvSpPr/>
-            <p:nvPr/>
-          </p:nvSpPr>
-          <p:spPr>
-            <a:xfrm>
-              <a:off x="6820877" y="1250462"/>
-              <a:ext cx="273538" cy="1062892"/>
-            </a:xfrm>
-            <a:prstGeom prst="rightBrace">
-              <a:avLst/>
-            </a:prstGeom>
-          </p:spPr>
-          <p:style>
-            <a:lnRef idx="1">
-              <a:schemeClr val="accent1"/>
-            </a:lnRef>
-            <a:fillRef idx="0">
-              <a:schemeClr val="accent1"/>
-            </a:fillRef>
-            <a:effectRef idx="0">
-              <a:schemeClr val="accent1"/>
-            </a:effectRef>
-            <a:fontRef idx="minor">
-              <a:schemeClr val="tx1"/>
-            </a:fontRef>
-          </p:style>
-          <p:txBody>
-            <a:bodyPr rtlCol="0" anchor="ctr"/>
-            <a:lstStyle/>
-            <a:p>
-              <a:pPr algn="ctr"/>
-              <a:endParaRPr lang="en-US"/>
-            </a:p>
-          </p:txBody>
-        </p:sp>
-        <p:sp>
-          <p:nvSpPr>
-            <p:cNvPr id="130" name="TextBox 129">
-              <a:extLst>
-                <a:ext uri="{FF2B5EF4-FFF2-40B4-BE49-F238E27FC236}">
-                  <a16:creationId xmlns:a16="http://schemas.microsoft.com/office/drawing/2014/main" id="{1FC40383-ED64-4A89-AE0B-C3069F5BD2D6}"/>
-                </a:ext>
-              </a:extLst>
-            </p:cNvPr>
-            <p:cNvSpPr txBox="1"/>
-            <p:nvPr/>
-          </p:nvSpPr>
-          <p:spPr>
-            <a:xfrm>
-              <a:off x="7269902" y="1597242"/>
-              <a:ext cx="1707199" cy="369332"/>
-            </a:xfrm>
-            <a:prstGeom prst="rect">
-              <a:avLst/>
-            </a:prstGeom>
-            <a:noFill/>
-          </p:spPr>
-          <p:txBody>
-            <a:bodyPr wrap="none" rtlCol="0">
-              <a:spAutoFit/>
-            </a:bodyPr>
-            <a:lstStyle/>
-            <a:p>
-              <a:r>
-                <a:rPr lang="en-US" dirty="0">
-                  <a:solidFill>
-                    <a:schemeClr val="accent5">
-                      <a:lumMod val="75000"/>
-                    </a:schemeClr>
-                  </a:solidFill>
-                </a:rPr>
-                <a:t>Customer Scope</a:t>
-              </a:r>
-            </a:p>
-          </p:txBody>
-        </p:sp>
-      </p:grpSp>
-      <p:grpSp>
-        <p:nvGrpSpPr>
-          <p:cNvPr id="134" name="Group 133">
-            <a:extLst>
-              <a:ext uri="{FF2B5EF4-FFF2-40B4-BE49-F238E27FC236}">
-                <a16:creationId xmlns:a16="http://schemas.microsoft.com/office/drawing/2014/main" id="{AB063BBE-8091-4A4D-A8F7-E65A806258CC}"/>
-              </a:ext>
-            </a:extLst>
-          </p:cNvPr>
-          <p:cNvGrpSpPr/>
-          <p:nvPr/>
-        </p:nvGrpSpPr>
-        <p:grpSpPr>
-          <a:xfrm>
-            <a:off x="2379621" y="1565354"/>
-            <a:ext cx="341760" cy="298616"/>
-            <a:chOff x="1299471" y="1569262"/>
-            <a:chExt cx="341760" cy="298616"/>
-          </a:xfrm>
-        </p:grpSpPr>
-        <p:sp>
-          <p:nvSpPr>
-            <p:cNvPr id="135" name="TextBox 134">
-              <a:extLst>
-                <a:ext uri="{FF2B5EF4-FFF2-40B4-BE49-F238E27FC236}">
-                  <a16:creationId xmlns:a16="http://schemas.microsoft.com/office/drawing/2014/main" id="{AEADFA34-C2EC-4E02-BDDE-4A1E50FEEF73}"/>
-                </a:ext>
-              </a:extLst>
-            </p:cNvPr>
-            <p:cNvSpPr txBox="1"/>
-            <p:nvPr/>
-          </p:nvSpPr>
-          <p:spPr>
-            <a:xfrm>
-              <a:off x="1299471" y="1580070"/>
-              <a:ext cx="341760" cy="276999"/>
-            </a:xfrm>
-            <a:prstGeom prst="rect">
-              <a:avLst/>
-            </a:prstGeom>
-            <a:noFill/>
-          </p:spPr>
-          <p:txBody>
-            <a:bodyPr wrap="none" rtlCol="0">
-              <a:spAutoFit/>
-            </a:bodyPr>
-            <a:lstStyle/>
-            <a:p>
-              <a:r>
-                <a:rPr lang="en-US" sz="1200" dirty="0">
-                  <a:solidFill>
-                    <a:schemeClr val="accent5">
-                      <a:lumMod val="75000"/>
-                    </a:schemeClr>
-                  </a:solidFill>
-                </a:rPr>
-                <a:t>00</a:t>
-              </a:r>
-            </a:p>
-          </p:txBody>
-        </p:sp>
-        <p:sp>
-          <p:nvSpPr>
-            <p:cNvPr id="136" name="Oval 135">
-              <a:extLst>
-                <a:ext uri="{FF2B5EF4-FFF2-40B4-BE49-F238E27FC236}">
-                  <a16:creationId xmlns:a16="http://schemas.microsoft.com/office/drawing/2014/main" id="{042F444E-FA42-47FD-B271-B03EA2A1C618}"/>
-                </a:ext>
-              </a:extLst>
-            </p:cNvPr>
-            <p:cNvSpPr/>
-            <p:nvPr/>
-          </p:nvSpPr>
-          <p:spPr>
-            <a:xfrm>
-              <a:off x="1312985" y="1569262"/>
-              <a:ext cx="328246" cy="298616"/>
-            </a:xfrm>
-            <a:prstGeom prst="ellipse">
-              <a:avLst/>
-            </a:prstGeom>
-            <a:noFill/>
-          </p:spPr>
-          <p:style>
-            <a:lnRef idx="2">
-              <a:schemeClr val="accent1">
-                <a:shade val="50000"/>
-              </a:schemeClr>
-            </a:lnRef>
-            <a:fillRef idx="1">
-              <a:schemeClr val="accent1"/>
-            </a:fillRef>
-            <a:effectRef idx="0">
-              <a:schemeClr val="accent1"/>
-            </a:effectRef>
-            <a:fontRef idx="minor">
-              <a:schemeClr val="lt1"/>
-            </a:fontRef>
-          </p:style>
-          <p:txBody>
-            <a:bodyPr rtlCol="0" anchor="ctr"/>
-            <a:lstStyle/>
-            <a:p>
-              <a:pPr algn="ctr"/>
-              <a:endParaRPr lang="en-US" sz="800" dirty="0">
-                <a:solidFill>
-                  <a:schemeClr val="accent5">
-                    <a:lumMod val="75000"/>
-                  </a:schemeClr>
-                </a:solidFill>
-              </a:endParaRPr>
-            </a:p>
-          </p:txBody>
-        </p:sp>
-      </p:grpSp>
-      <p:grpSp>
-        <p:nvGrpSpPr>
-          <p:cNvPr id="137" name="Group 136">
-            <a:extLst>
-              <a:ext uri="{FF2B5EF4-FFF2-40B4-BE49-F238E27FC236}">
-                <a16:creationId xmlns:a16="http://schemas.microsoft.com/office/drawing/2014/main" id="{61868C11-49BD-4EF9-BA1B-96F9938BFD16}"/>
-              </a:ext>
-            </a:extLst>
-          </p:cNvPr>
-          <p:cNvGrpSpPr/>
-          <p:nvPr/>
-        </p:nvGrpSpPr>
-        <p:grpSpPr>
-          <a:xfrm>
-            <a:off x="3459771" y="1565354"/>
-            <a:ext cx="341760" cy="298616"/>
-            <a:chOff x="1299471" y="1569262"/>
-            <a:chExt cx="341760" cy="298616"/>
-          </a:xfrm>
-        </p:grpSpPr>
-        <p:sp>
-          <p:nvSpPr>
-            <p:cNvPr id="138" name="TextBox 137">
-              <a:extLst>
-                <a:ext uri="{FF2B5EF4-FFF2-40B4-BE49-F238E27FC236}">
-                  <a16:creationId xmlns:a16="http://schemas.microsoft.com/office/drawing/2014/main" id="{1E9EFC23-D9AC-4F01-B282-133C502C3E3F}"/>
-                </a:ext>
-              </a:extLst>
-            </p:cNvPr>
-            <p:cNvSpPr txBox="1"/>
-            <p:nvPr/>
-          </p:nvSpPr>
-          <p:spPr>
-            <a:xfrm>
-              <a:off x="1299471" y="1580070"/>
-              <a:ext cx="341760" cy="276999"/>
-            </a:xfrm>
-            <a:prstGeom prst="rect">
-              <a:avLst/>
-            </a:prstGeom>
-            <a:noFill/>
-          </p:spPr>
-          <p:txBody>
-            <a:bodyPr wrap="none" rtlCol="0">
-              <a:spAutoFit/>
-            </a:bodyPr>
-            <a:lstStyle/>
-            <a:p>
-              <a:r>
-                <a:rPr lang="en-US" sz="1200" dirty="0">
-                  <a:solidFill>
-                    <a:schemeClr val="accent5">
-                      <a:lumMod val="75000"/>
-                    </a:schemeClr>
-                  </a:solidFill>
-                </a:rPr>
-                <a:t>00</a:t>
-              </a:r>
-            </a:p>
-          </p:txBody>
-        </p:sp>
-        <p:sp>
-          <p:nvSpPr>
-            <p:cNvPr id="139" name="Oval 138">
-              <a:extLst>
-                <a:ext uri="{FF2B5EF4-FFF2-40B4-BE49-F238E27FC236}">
-                  <a16:creationId xmlns:a16="http://schemas.microsoft.com/office/drawing/2014/main" id="{C7CE041E-3850-4753-8DB2-AF670FB742A6}"/>
-                </a:ext>
-              </a:extLst>
-            </p:cNvPr>
-            <p:cNvSpPr/>
-            <p:nvPr/>
-          </p:nvSpPr>
-          <p:spPr>
-            <a:xfrm>
-              <a:off x="1312985" y="1569262"/>
-              <a:ext cx="328246" cy="298616"/>
-            </a:xfrm>
-            <a:prstGeom prst="ellipse">
-              <a:avLst/>
-            </a:prstGeom>
-            <a:noFill/>
-          </p:spPr>
-          <p:style>
-            <a:lnRef idx="2">
-              <a:schemeClr val="accent1">
-                <a:shade val="50000"/>
-              </a:schemeClr>
-            </a:lnRef>
-            <a:fillRef idx="1">
-              <a:schemeClr val="accent1"/>
-            </a:fillRef>
-            <a:effectRef idx="0">
-              <a:schemeClr val="accent1"/>
-            </a:effectRef>
-            <a:fontRef idx="minor">
-              <a:schemeClr val="lt1"/>
-            </a:fontRef>
-          </p:style>
-          <p:txBody>
-            <a:bodyPr rtlCol="0" anchor="ctr"/>
-            <a:lstStyle/>
-            <a:p>
-              <a:pPr algn="ctr"/>
-              <a:endParaRPr lang="en-US" sz="800" dirty="0">
-                <a:solidFill>
-                  <a:schemeClr val="accent5">
-                    <a:lumMod val="75000"/>
-                  </a:schemeClr>
-                </a:solidFill>
-              </a:endParaRPr>
-            </a:p>
-          </p:txBody>
-        </p:sp>
-      </p:grpSp>
-      <p:grpSp>
-        <p:nvGrpSpPr>
-          <p:cNvPr id="140" name="Group 139">
-            <a:extLst>
-              <a:ext uri="{FF2B5EF4-FFF2-40B4-BE49-F238E27FC236}">
-                <a16:creationId xmlns:a16="http://schemas.microsoft.com/office/drawing/2014/main" id="{36E8E335-6127-4D6E-A53B-41AB62737634}"/>
-              </a:ext>
-            </a:extLst>
-          </p:cNvPr>
-          <p:cNvGrpSpPr/>
-          <p:nvPr/>
-        </p:nvGrpSpPr>
-        <p:grpSpPr>
-          <a:xfrm>
-            <a:off x="4539921" y="1569262"/>
-            <a:ext cx="341760" cy="298616"/>
-            <a:chOff x="1299471" y="1569262"/>
-            <a:chExt cx="341760" cy="298616"/>
-          </a:xfrm>
-        </p:grpSpPr>
-        <p:sp>
-          <p:nvSpPr>
-            <p:cNvPr id="141" name="TextBox 140">
-              <a:extLst>
-                <a:ext uri="{FF2B5EF4-FFF2-40B4-BE49-F238E27FC236}">
-                  <a16:creationId xmlns:a16="http://schemas.microsoft.com/office/drawing/2014/main" id="{C864C49A-CF61-40B9-9CCE-A29A216C2240}"/>
-                </a:ext>
-              </a:extLst>
-            </p:cNvPr>
-            <p:cNvSpPr txBox="1"/>
-            <p:nvPr/>
-          </p:nvSpPr>
-          <p:spPr>
-            <a:xfrm>
-              <a:off x="1299471" y="1580070"/>
-              <a:ext cx="341760" cy="276999"/>
-            </a:xfrm>
-            <a:prstGeom prst="rect">
-              <a:avLst/>
-            </a:prstGeom>
-            <a:noFill/>
-          </p:spPr>
-          <p:txBody>
-            <a:bodyPr wrap="none" rtlCol="0">
-              <a:spAutoFit/>
-            </a:bodyPr>
-            <a:lstStyle/>
-            <a:p>
-              <a:r>
-                <a:rPr lang="en-US" sz="1200" dirty="0">
-                  <a:solidFill>
-                    <a:schemeClr val="accent5">
-                      <a:lumMod val="75000"/>
-                    </a:schemeClr>
-                  </a:solidFill>
-                </a:rPr>
-                <a:t>00</a:t>
-              </a:r>
-            </a:p>
-          </p:txBody>
-        </p:sp>
-        <p:sp>
-          <p:nvSpPr>
-            <p:cNvPr id="142" name="Oval 141">
-              <a:extLst>
-                <a:ext uri="{FF2B5EF4-FFF2-40B4-BE49-F238E27FC236}">
-                  <a16:creationId xmlns:a16="http://schemas.microsoft.com/office/drawing/2014/main" id="{1D83A8D2-E239-40AF-B30F-95868A698D80}"/>
-                </a:ext>
-              </a:extLst>
-            </p:cNvPr>
-            <p:cNvSpPr/>
-            <p:nvPr/>
-          </p:nvSpPr>
-          <p:spPr>
-            <a:xfrm>
-              <a:off x="1312985" y="1569262"/>
-              <a:ext cx="328246" cy="298616"/>
-            </a:xfrm>
-            <a:prstGeom prst="ellipse">
-              <a:avLst/>
-            </a:prstGeom>
-            <a:noFill/>
-          </p:spPr>
-          <p:style>
-            <a:lnRef idx="2">
-              <a:schemeClr val="accent1">
-                <a:shade val="50000"/>
-              </a:schemeClr>
-            </a:lnRef>
-            <a:fillRef idx="1">
-              <a:schemeClr val="accent1"/>
-            </a:fillRef>
-            <a:effectRef idx="0">
-              <a:schemeClr val="accent1"/>
-            </a:effectRef>
-            <a:fontRef idx="minor">
-              <a:schemeClr val="lt1"/>
-            </a:fontRef>
-          </p:style>
-          <p:txBody>
-            <a:bodyPr rtlCol="0" anchor="ctr"/>
-            <a:lstStyle/>
-            <a:p>
-              <a:pPr algn="ctr"/>
-              <a:endParaRPr lang="en-US" sz="800" dirty="0">
-                <a:solidFill>
-                  <a:schemeClr val="accent5">
-                    <a:lumMod val="75000"/>
-                  </a:schemeClr>
-                </a:solidFill>
-              </a:endParaRPr>
-            </a:p>
-          </p:txBody>
-        </p:sp>
-      </p:grpSp>
-      <p:grpSp>
-        <p:nvGrpSpPr>
-          <p:cNvPr id="143" name="Group 142">
-            <a:extLst>
-              <a:ext uri="{FF2B5EF4-FFF2-40B4-BE49-F238E27FC236}">
-                <a16:creationId xmlns:a16="http://schemas.microsoft.com/office/drawing/2014/main" id="{129DC162-C916-4E88-9EE8-C2CB78D7F420}"/>
-              </a:ext>
-            </a:extLst>
-          </p:cNvPr>
-          <p:cNvGrpSpPr/>
-          <p:nvPr/>
-        </p:nvGrpSpPr>
-        <p:grpSpPr>
-          <a:xfrm>
-            <a:off x="1312985" y="2917416"/>
-            <a:ext cx="341760" cy="298616"/>
-            <a:chOff x="1299471" y="1569262"/>
-            <a:chExt cx="341760" cy="298616"/>
-          </a:xfrm>
-        </p:grpSpPr>
-        <p:sp>
-          <p:nvSpPr>
-            <p:cNvPr id="144" name="TextBox 143">
-              <a:extLst>
-                <a:ext uri="{FF2B5EF4-FFF2-40B4-BE49-F238E27FC236}">
-                  <a16:creationId xmlns:a16="http://schemas.microsoft.com/office/drawing/2014/main" id="{0D998A99-A360-4248-9B89-3A7FDA1541F6}"/>
-                </a:ext>
-              </a:extLst>
-            </p:cNvPr>
-            <p:cNvSpPr txBox="1"/>
-            <p:nvPr/>
-          </p:nvSpPr>
-          <p:spPr>
-            <a:xfrm>
-              <a:off x="1299471" y="1580070"/>
-              <a:ext cx="341760" cy="276999"/>
-            </a:xfrm>
-            <a:prstGeom prst="rect">
-              <a:avLst/>
-            </a:prstGeom>
-            <a:noFill/>
-          </p:spPr>
-          <p:txBody>
-            <a:bodyPr wrap="none" rtlCol="0">
-              <a:spAutoFit/>
-            </a:bodyPr>
-            <a:lstStyle/>
-            <a:p>
-              <a:r>
-                <a:rPr lang="en-US" sz="1200" dirty="0">
-                  <a:solidFill>
-                    <a:schemeClr val="accent5">
-                      <a:lumMod val="75000"/>
-                    </a:schemeClr>
-                  </a:solidFill>
-                </a:rPr>
-                <a:t>00</a:t>
-              </a:r>
-            </a:p>
-          </p:txBody>
-        </p:sp>
-        <p:sp>
-          <p:nvSpPr>
-            <p:cNvPr id="145" name="Oval 144">
-              <a:extLst>
-                <a:ext uri="{FF2B5EF4-FFF2-40B4-BE49-F238E27FC236}">
-                  <a16:creationId xmlns:a16="http://schemas.microsoft.com/office/drawing/2014/main" id="{43161E00-A0B5-44A5-85ED-F077A269E2EC}"/>
-                </a:ext>
-              </a:extLst>
-            </p:cNvPr>
-            <p:cNvSpPr/>
-            <p:nvPr/>
-          </p:nvSpPr>
-          <p:spPr>
-            <a:xfrm>
-              <a:off x="1312985" y="1569262"/>
-              <a:ext cx="328246" cy="298616"/>
-            </a:xfrm>
-            <a:prstGeom prst="ellipse">
-              <a:avLst/>
-            </a:prstGeom>
-            <a:noFill/>
-          </p:spPr>
-          <p:style>
-            <a:lnRef idx="2">
-              <a:schemeClr val="accent1">
-                <a:shade val="50000"/>
-              </a:schemeClr>
-            </a:lnRef>
-            <a:fillRef idx="1">
-              <a:schemeClr val="accent1"/>
-            </a:fillRef>
-            <a:effectRef idx="0">
-              <a:schemeClr val="accent1"/>
-            </a:effectRef>
-            <a:fontRef idx="minor">
-              <a:schemeClr val="lt1"/>
-            </a:fontRef>
-          </p:style>
-          <p:txBody>
-            <a:bodyPr rtlCol="0" anchor="ctr"/>
-            <a:lstStyle/>
-            <a:p>
-              <a:pPr algn="ctr"/>
-              <a:endParaRPr lang="en-US" sz="800" dirty="0">
-                <a:solidFill>
-                  <a:schemeClr val="accent5">
-                    <a:lumMod val="75000"/>
-                  </a:schemeClr>
-                </a:solidFill>
-              </a:endParaRPr>
-            </a:p>
-          </p:txBody>
-        </p:sp>
-      </p:grpSp>
-      <p:grpSp>
-        <p:nvGrpSpPr>
-          <p:cNvPr id="146" name="Group 145">
-            <a:extLst>
-              <a:ext uri="{FF2B5EF4-FFF2-40B4-BE49-F238E27FC236}">
-                <a16:creationId xmlns:a16="http://schemas.microsoft.com/office/drawing/2014/main" id="{4AA3F8DB-2C86-4163-B456-47C15F8A1D7C}"/>
-              </a:ext>
-            </a:extLst>
-          </p:cNvPr>
-          <p:cNvGrpSpPr/>
-          <p:nvPr/>
-        </p:nvGrpSpPr>
-        <p:grpSpPr>
-          <a:xfrm>
-            <a:off x="2393135" y="2913508"/>
-            <a:ext cx="341760" cy="298616"/>
-            <a:chOff x="1299471" y="1569262"/>
-            <a:chExt cx="341760" cy="298616"/>
-          </a:xfrm>
-        </p:grpSpPr>
-        <p:sp>
-          <p:nvSpPr>
-            <p:cNvPr id="147" name="TextBox 146">
-              <a:extLst>
-                <a:ext uri="{FF2B5EF4-FFF2-40B4-BE49-F238E27FC236}">
-                  <a16:creationId xmlns:a16="http://schemas.microsoft.com/office/drawing/2014/main" id="{4E6A620A-013D-4551-BD57-0DD9506FBB1C}"/>
-                </a:ext>
-              </a:extLst>
-            </p:cNvPr>
-            <p:cNvSpPr txBox="1"/>
-            <p:nvPr/>
-          </p:nvSpPr>
-          <p:spPr>
-            <a:xfrm>
-              <a:off x="1299471" y="1580070"/>
-              <a:ext cx="341760" cy="276999"/>
-            </a:xfrm>
-            <a:prstGeom prst="rect">
-              <a:avLst/>
-            </a:prstGeom>
-            <a:noFill/>
-          </p:spPr>
-          <p:txBody>
-            <a:bodyPr wrap="none" rtlCol="0">
-              <a:spAutoFit/>
-            </a:bodyPr>
-            <a:lstStyle/>
-            <a:p>
-              <a:r>
-                <a:rPr lang="en-US" sz="1200" dirty="0">
-                  <a:solidFill>
-                    <a:schemeClr val="accent5">
-                      <a:lumMod val="75000"/>
-                    </a:schemeClr>
-                  </a:solidFill>
-                </a:rPr>
-                <a:t>00</a:t>
-              </a:r>
-            </a:p>
-          </p:txBody>
-        </p:sp>
-        <p:sp>
-          <p:nvSpPr>
-            <p:cNvPr id="148" name="Oval 147">
-              <a:extLst>
-                <a:ext uri="{FF2B5EF4-FFF2-40B4-BE49-F238E27FC236}">
-                  <a16:creationId xmlns:a16="http://schemas.microsoft.com/office/drawing/2014/main" id="{7D61AE8C-27E4-4238-92B3-4B304D18A86F}"/>
-                </a:ext>
-              </a:extLst>
-            </p:cNvPr>
-            <p:cNvSpPr/>
-            <p:nvPr/>
-          </p:nvSpPr>
-          <p:spPr>
-            <a:xfrm>
-              <a:off x="1312985" y="1569262"/>
-              <a:ext cx="328246" cy="298616"/>
-            </a:xfrm>
-            <a:prstGeom prst="ellipse">
-              <a:avLst/>
-            </a:prstGeom>
-            <a:noFill/>
-          </p:spPr>
-          <p:style>
-            <a:lnRef idx="2">
-              <a:schemeClr val="accent1">
-                <a:shade val="50000"/>
-              </a:schemeClr>
-            </a:lnRef>
-            <a:fillRef idx="1">
-              <a:schemeClr val="accent1"/>
-            </a:fillRef>
-            <a:effectRef idx="0">
-              <a:schemeClr val="accent1"/>
-            </a:effectRef>
-            <a:fontRef idx="minor">
-              <a:schemeClr val="lt1"/>
-            </a:fontRef>
-          </p:style>
-          <p:txBody>
-            <a:bodyPr rtlCol="0" anchor="ctr"/>
-            <a:lstStyle/>
-            <a:p>
-              <a:pPr algn="ctr"/>
-              <a:endParaRPr lang="en-US" sz="800" dirty="0">
-                <a:solidFill>
-                  <a:schemeClr val="accent5">
-                    <a:lumMod val="75000"/>
-                  </a:schemeClr>
-                </a:solidFill>
-              </a:endParaRPr>
-            </a:p>
-          </p:txBody>
-        </p:sp>
-      </p:grpSp>
-      <p:grpSp>
-        <p:nvGrpSpPr>
-          <p:cNvPr id="149" name="Group 148">
-            <a:extLst>
-              <a:ext uri="{FF2B5EF4-FFF2-40B4-BE49-F238E27FC236}">
-                <a16:creationId xmlns:a16="http://schemas.microsoft.com/office/drawing/2014/main" id="{C30225FE-3DE8-46FF-9E06-0AD450BD594C}"/>
-              </a:ext>
-            </a:extLst>
-          </p:cNvPr>
-          <p:cNvGrpSpPr/>
-          <p:nvPr/>
-        </p:nvGrpSpPr>
-        <p:grpSpPr>
-          <a:xfrm>
-            <a:off x="3473285" y="2913508"/>
-            <a:ext cx="341760" cy="298616"/>
-            <a:chOff x="1299471" y="1569262"/>
-            <a:chExt cx="341760" cy="298616"/>
-          </a:xfrm>
-        </p:grpSpPr>
-        <p:sp>
-          <p:nvSpPr>
-            <p:cNvPr id="150" name="TextBox 149">
-              <a:extLst>
-                <a:ext uri="{FF2B5EF4-FFF2-40B4-BE49-F238E27FC236}">
-                  <a16:creationId xmlns:a16="http://schemas.microsoft.com/office/drawing/2014/main" id="{C128D810-9575-40A4-8C98-CAD42CBBE28B}"/>
-                </a:ext>
-              </a:extLst>
-            </p:cNvPr>
-            <p:cNvSpPr txBox="1"/>
-            <p:nvPr/>
-          </p:nvSpPr>
-          <p:spPr>
-            <a:xfrm>
-              <a:off x="1299471" y="1580070"/>
-              <a:ext cx="341760" cy="276999"/>
-            </a:xfrm>
-            <a:prstGeom prst="rect">
-              <a:avLst/>
-            </a:prstGeom>
-            <a:noFill/>
-          </p:spPr>
-          <p:txBody>
-            <a:bodyPr wrap="none" rtlCol="0">
-              <a:spAutoFit/>
-            </a:bodyPr>
-            <a:lstStyle/>
-            <a:p>
-              <a:r>
-                <a:rPr lang="en-US" sz="1200" dirty="0">
-                  <a:solidFill>
-                    <a:schemeClr val="accent5">
-                      <a:lumMod val="75000"/>
-                    </a:schemeClr>
-                  </a:solidFill>
-                </a:rPr>
-                <a:t>00</a:t>
-              </a:r>
-            </a:p>
-          </p:txBody>
-        </p:sp>
-        <p:sp>
-          <p:nvSpPr>
-            <p:cNvPr id="151" name="Oval 150">
-              <a:extLst>
-                <a:ext uri="{FF2B5EF4-FFF2-40B4-BE49-F238E27FC236}">
-                  <a16:creationId xmlns:a16="http://schemas.microsoft.com/office/drawing/2014/main" id="{816B9DFB-33B8-4685-A2A1-1C397DFE8B66}"/>
-                </a:ext>
-              </a:extLst>
-            </p:cNvPr>
-            <p:cNvSpPr/>
-            <p:nvPr/>
-          </p:nvSpPr>
-          <p:spPr>
-            <a:xfrm>
-              <a:off x="1312985" y="1569262"/>
-              <a:ext cx="328246" cy="298616"/>
-            </a:xfrm>
-            <a:prstGeom prst="ellipse">
-              <a:avLst/>
-            </a:prstGeom>
-            <a:noFill/>
-          </p:spPr>
-          <p:style>
-            <a:lnRef idx="2">
-              <a:schemeClr val="accent1">
-                <a:shade val="50000"/>
-              </a:schemeClr>
-            </a:lnRef>
-            <a:fillRef idx="1">
-              <a:schemeClr val="accent1"/>
-            </a:fillRef>
-            <a:effectRef idx="0">
-              <a:schemeClr val="accent1"/>
-            </a:effectRef>
-            <a:fontRef idx="minor">
-              <a:schemeClr val="lt1"/>
-            </a:fontRef>
-          </p:style>
-          <p:txBody>
-            <a:bodyPr rtlCol="0" anchor="ctr"/>
-            <a:lstStyle/>
-            <a:p>
-              <a:pPr algn="ctr"/>
-              <a:endParaRPr lang="en-US" sz="800" dirty="0">
-                <a:solidFill>
-                  <a:schemeClr val="accent5">
-                    <a:lumMod val="75000"/>
-                  </a:schemeClr>
-                </a:solidFill>
-              </a:endParaRPr>
-            </a:p>
-          </p:txBody>
-        </p:sp>
-      </p:grpSp>
-      <p:grpSp>
-        <p:nvGrpSpPr>
-          <p:cNvPr id="152" name="Group 151">
-            <a:extLst>
-              <a:ext uri="{FF2B5EF4-FFF2-40B4-BE49-F238E27FC236}">
-                <a16:creationId xmlns:a16="http://schemas.microsoft.com/office/drawing/2014/main" id="{9726A3E8-9B48-4026-BAB2-516C54C44DDB}"/>
-              </a:ext>
-            </a:extLst>
-          </p:cNvPr>
-          <p:cNvGrpSpPr/>
-          <p:nvPr/>
-        </p:nvGrpSpPr>
-        <p:grpSpPr>
-          <a:xfrm>
-            <a:off x="4553435" y="2917416"/>
-            <a:ext cx="341760" cy="298616"/>
-            <a:chOff x="1299471" y="1569262"/>
-            <a:chExt cx="341760" cy="298616"/>
-          </a:xfrm>
-        </p:grpSpPr>
-        <p:sp>
-          <p:nvSpPr>
-            <p:cNvPr id="153" name="TextBox 152">
-              <a:extLst>
-                <a:ext uri="{FF2B5EF4-FFF2-40B4-BE49-F238E27FC236}">
-                  <a16:creationId xmlns:a16="http://schemas.microsoft.com/office/drawing/2014/main" id="{4A980493-578F-4B8D-A84E-8548671D15FD}"/>
-                </a:ext>
-              </a:extLst>
-            </p:cNvPr>
-            <p:cNvSpPr txBox="1"/>
-            <p:nvPr/>
-          </p:nvSpPr>
-          <p:spPr>
-            <a:xfrm>
-              <a:off x="1299471" y="1580070"/>
-              <a:ext cx="341760" cy="276999"/>
-            </a:xfrm>
-            <a:prstGeom prst="rect">
-              <a:avLst/>
-            </a:prstGeom>
-            <a:noFill/>
-          </p:spPr>
-          <p:txBody>
-            <a:bodyPr wrap="none" rtlCol="0">
-              <a:spAutoFit/>
-            </a:bodyPr>
-            <a:lstStyle/>
-            <a:p>
-              <a:r>
-                <a:rPr lang="en-US" sz="1200" dirty="0">
-                  <a:solidFill>
-                    <a:schemeClr val="accent5">
-                      <a:lumMod val="75000"/>
-                    </a:schemeClr>
-                  </a:solidFill>
-                </a:rPr>
-                <a:t>00</a:t>
-              </a:r>
-            </a:p>
-          </p:txBody>
-        </p:sp>
-        <p:sp>
-          <p:nvSpPr>
-            <p:cNvPr id="154" name="Oval 153">
-              <a:extLst>
-                <a:ext uri="{FF2B5EF4-FFF2-40B4-BE49-F238E27FC236}">
-                  <a16:creationId xmlns:a16="http://schemas.microsoft.com/office/drawing/2014/main" id="{DF6E1F8F-4C6A-4B8F-A64B-43B919A0BDF1}"/>
-                </a:ext>
-              </a:extLst>
-            </p:cNvPr>
-            <p:cNvSpPr/>
-            <p:nvPr/>
-          </p:nvSpPr>
-          <p:spPr>
-            <a:xfrm>
-              <a:off x="1312985" y="1569262"/>
-              <a:ext cx="328246" cy="298616"/>
-            </a:xfrm>
-            <a:prstGeom prst="ellipse">
-              <a:avLst/>
-            </a:prstGeom>
-            <a:noFill/>
-          </p:spPr>
-          <p:style>
-            <a:lnRef idx="2">
-              <a:schemeClr val="accent1">
-                <a:shade val="50000"/>
-              </a:schemeClr>
-            </a:lnRef>
-            <a:fillRef idx="1">
-              <a:schemeClr val="accent1"/>
-            </a:fillRef>
-            <a:effectRef idx="0">
-              <a:schemeClr val="accent1"/>
-            </a:effectRef>
-            <a:fontRef idx="minor">
-              <a:schemeClr val="lt1"/>
-            </a:fontRef>
-          </p:style>
-          <p:txBody>
-            <a:bodyPr rtlCol="0" anchor="ctr"/>
-            <a:lstStyle/>
-            <a:p>
-              <a:pPr algn="ctr"/>
-              <a:endParaRPr lang="en-US" sz="800" dirty="0">
-                <a:solidFill>
-                  <a:schemeClr val="accent5">
-                    <a:lumMod val="75000"/>
-                  </a:schemeClr>
-                </a:solidFill>
-              </a:endParaRPr>
-            </a:p>
-          </p:txBody>
-        </p:sp>
-      </p:grpSp>
-      <p:grpSp>
-        <p:nvGrpSpPr>
-          <p:cNvPr id="155" name="Group 154">
-            <a:extLst>
-              <a:ext uri="{FF2B5EF4-FFF2-40B4-BE49-F238E27FC236}">
-                <a16:creationId xmlns:a16="http://schemas.microsoft.com/office/drawing/2014/main" id="{4ABE4F5E-8DAF-464F-9DA5-48447E64D5A8}"/>
-              </a:ext>
-            </a:extLst>
-          </p:cNvPr>
-          <p:cNvGrpSpPr/>
-          <p:nvPr/>
-        </p:nvGrpSpPr>
-        <p:grpSpPr>
-          <a:xfrm>
-            <a:off x="6820877" y="2531369"/>
-            <a:ext cx="2019968" cy="1062892"/>
-            <a:chOff x="6820877" y="1250462"/>
-            <a:chExt cx="2019968" cy="1062892"/>
-          </a:xfrm>
-        </p:grpSpPr>
-        <p:sp>
-          <p:nvSpPr>
-            <p:cNvPr id="156" name="Right Brace 155">
-              <a:extLst>
-                <a:ext uri="{FF2B5EF4-FFF2-40B4-BE49-F238E27FC236}">
-                  <a16:creationId xmlns:a16="http://schemas.microsoft.com/office/drawing/2014/main" id="{7E963855-3834-4343-B4CB-5695A219B4DA}"/>
-                </a:ext>
-              </a:extLst>
-            </p:cNvPr>
-            <p:cNvSpPr/>
-            <p:nvPr/>
-          </p:nvSpPr>
-          <p:spPr>
-            <a:xfrm>
-              <a:off x="6820877" y="1250462"/>
-              <a:ext cx="273538" cy="1062892"/>
-            </a:xfrm>
-            <a:prstGeom prst="rightBrace">
-              <a:avLst/>
-            </a:prstGeom>
-          </p:spPr>
-          <p:style>
-            <a:lnRef idx="1">
-              <a:schemeClr val="accent1"/>
-            </a:lnRef>
-            <a:fillRef idx="0">
-              <a:schemeClr val="accent1"/>
-            </a:fillRef>
-            <a:effectRef idx="0">
-              <a:schemeClr val="accent1"/>
-            </a:effectRef>
-            <a:fontRef idx="minor">
-              <a:schemeClr val="tx1"/>
-            </a:fontRef>
-          </p:style>
-          <p:txBody>
-            <a:bodyPr rtlCol="0" anchor="ctr"/>
-            <a:lstStyle/>
-            <a:p>
-              <a:pPr algn="ctr"/>
-              <a:endParaRPr lang="en-US"/>
-            </a:p>
-          </p:txBody>
-        </p:sp>
-        <p:sp>
-          <p:nvSpPr>
-            <p:cNvPr id="157" name="TextBox 156">
-              <a:extLst>
-                <a:ext uri="{FF2B5EF4-FFF2-40B4-BE49-F238E27FC236}">
-                  <a16:creationId xmlns:a16="http://schemas.microsoft.com/office/drawing/2014/main" id="{C68A1790-A193-4131-9FF1-FB02705E22F8}"/>
-                </a:ext>
-              </a:extLst>
-            </p:cNvPr>
-            <p:cNvSpPr txBox="1"/>
-            <p:nvPr/>
-          </p:nvSpPr>
-          <p:spPr>
-            <a:xfrm>
-              <a:off x="7269902" y="1597242"/>
-              <a:ext cx="1570943" cy="369332"/>
-            </a:xfrm>
-            <a:prstGeom prst="rect">
-              <a:avLst/>
-            </a:prstGeom>
-            <a:noFill/>
-          </p:spPr>
-          <p:txBody>
-            <a:bodyPr wrap="none" rtlCol="0">
-              <a:spAutoFit/>
-            </a:bodyPr>
-            <a:lstStyle/>
-            <a:p>
-              <a:r>
-                <a:rPr lang="en-US" dirty="0">
-                  <a:solidFill>
-                    <a:schemeClr val="accent5">
-                      <a:lumMod val="75000"/>
-                    </a:schemeClr>
-                  </a:solidFill>
-                </a:rPr>
-                <a:t>Supplier Scope</a:t>
-              </a:r>
-            </a:p>
-          </p:txBody>
-        </p:sp>
-      </p:grpSp>
-      <p:grpSp>
-        <p:nvGrpSpPr>
-          <p:cNvPr id="158" name="Group 157">
-            <a:extLst>
-              <a:ext uri="{FF2B5EF4-FFF2-40B4-BE49-F238E27FC236}">
-                <a16:creationId xmlns:a16="http://schemas.microsoft.com/office/drawing/2014/main" id="{00C9F03D-22D9-4B14-8C8E-AA89D3E6F839}"/>
-              </a:ext>
-            </a:extLst>
-          </p:cNvPr>
-          <p:cNvGrpSpPr/>
-          <p:nvPr/>
-        </p:nvGrpSpPr>
-        <p:grpSpPr>
-          <a:xfrm>
-            <a:off x="10122877" y="5509031"/>
-            <a:ext cx="1680131" cy="1062892"/>
-            <a:chOff x="6820877" y="1250462"/>
-            <a:chExt cx="1680131" cy="1062892"/>
-          </a:xfrm>
-        </p:grpSpPr>
-        <p:sp>
-          <p:nvSpPr>
-            <p:cNvPr id="159" name="Right Brace 158">
-              <a:extLst>
-                <a:ext uri="{FF2B5EF4-FFF2-40B4-BE49-F238E27FC236}">
-                  <a16:creationId xmlns:a16="http://schemas.microsoft.com/office/drawing/2014/main" id="{53A8E471-A896-4136-AE52-8302B0D64D68}"/>
-                </a:ext>
-              </a:extLst>
-            </p:cNvPr>
-            <p:cNvSpPr/>
-            <p:nvPr/>
-          </p:nvSpPr>
-          <p:spPr>
-            <a:xfrm>
-              <a:off x="6820877" y="1250462"/>
-              <a:ext cx="273538" cy="1062892"/>
-            </a:xfrm>
-            <a:prstGeom prst="rightBrace">
-              <a:avLst/>
-            </a:prstGeom>
-          </p:spPr>
-          <p:style>
-            <a:lnRef idx="1">
-              <a:schemeClr val="accent1"/>
-            </a:lnRef>
-            <a:fillRef idx="0">
-              <a:schemeClr val="accent1"/>
-            </a:fillRef>
-            <a:effectRef idx="0">
-              <a:schemeClr val="accent1"/>
-            </a:effectRef>
-            <a:fontRef idx="minor">
-              <a:schemeClr val="tx1"/>
-            </a:fontRef>
-          </p:style>
-          <p:txBody>
-            <a:bodyPr rtlCol="0" anchor="ctr"/>
-            <a:lstStyle/>
-            <a:p>
-              <a:pPr algn="ctr"/>
-              <a:endParaRPr lang="en-US"/>
-            </a:p>
-          </p:txBody>
-        </p:sp>
-        <p:sp>
-          <p:nvSpPr>
-            <p:cNvPr id="160" name="TextBox 159">
-              <a:extLst>
-                <a:ext uri="{FF2B5EF4-FFF2-40B4-BE49-F238E27FC236}">
-                  <a16:creationId xmlns:a16="http://schemas.microsoft.com/office/drawing/2014/main" id="{2F464C23-2B69-4B76-A70F-6518EDEF68A2}"/>
-                </a:ext>
-              </a:extLst>
-            </p:cNvPr>
-            <p:cNvSpPr txBox="1"/>
-            <p:nvPr/>
-          </p:nvSpPr>
-          <p:spPr>
-            <a:xfrm>
-              <a:off x="7269902" y="1597242"/>
-              <a:ext cx="1231106" cy="369332"/>
-            </a:xfrm>
-            <a:prstGeom prst="rect">
-              <a:avLst/>
-            </a:prstGeom>
-            <a:noFill/>
-          </p:spPr>
-          <p:txBody>
-            <a:bodyPr wrap="none" rtlCol="0">
-              <a:spAutoFit/>
-            </a:bodyPr>
-            <a:lstStyle/>
-            <a:p>
-              <a:r>
-                <a:rPr lang="en-US" dirty="0">
-                  <a:solidFill>
-                    <a:schemeClr val="accent5">
-                      <a:lumMod val="75000"/>
-                    </a:schemeClr>
-                  </a:solidFill>
-                </a:rPr>
-                <a:t>User Scope</a:t>
-              </a:r>
-            </a:p>
-          </p:txBody>
-        </p:sp>
-      </p:grpSp>
-    </p:spTree>
-    <p:extLst>
-      <p:ext uri="{BB962C8B-B14F-4D97-AF65-F5344CB8AC3E}">
-        <p14:creationId xmlns:p14="http://schemas.microsoft.com/office/powerpoint/2010/main" val="3507661099"/>
-      </p:ext>
-    </p:extLst>
-  </p:cSld>
-  <p:clrMapOvr>
-    <a:masterClrMapping/>
-  </p:clrMapOvr>
-</p:sld>
-</file>
-
-<file path=ppt/slides/slide2.xml><?xml version="1.0" encoding="utf-8"?>
-<p:sld xmlns:a="http://schemas.openxmlformats.org/drawingml/2006/main" xmlns:r="http://schemas.openxmlformats.org/officeDocument/2006/relationships" xmlns:p="http://schemas.openxmlformats.org/presentationml/2006/main">
-  <p:cSld>
-    <p:spTree>
-      <p:nvGrpSpPr>
-        <p:cNvPr id="1" name=""/>
-        <p:cNvGrpSpPr/>
-        <p:nvPr/>
-      </p:nvGrpSpPr>
-      <p:grpSpPr>
-        <a:xfrm>
-          <a:off x="0" y="0"/>
-          <a:ext cx="0" cy="0"/>
-          <a:chOff x="0" y="0"/>
-          <a:chExt cx="0" cy="0"/>
-        </a:xfrm>
-      </p:grpSpPr>
-      <p:sp>
-        <p:nvSpPr>
-          <p:cNvPr id="2" name="Title 1">
-            <a:extLst>
-              <a:ext uri="{FF2B5EF4-FFF2-40B4-BE49-F238E27FC236}">
-                <a16:creationId xmlns:a16="http://schemas.microsoft.com/office/drawing/2014/main" id="{B8D7EE1D-1DF8-452F-8AA3-2C00ACFE4638}"/>
-              </a:ext>
-            </a:extLst>
-          </p:cNvPr>
-          <p:cNvSpPr>
-            <a:spLocks noGrp="1"/>
-          </p:cNvSpPr>
-          <p:nvPr>
-            <p:ph type="title"/>
-          </p:nvPr>
-        </p:nvSpPr>
-        <p:spPr/>
-        <p:txBody>
-          <a:bodyPr/>
-          <a:lstStyle/>
-          <a:p>
-            <a:r>
-              <a:rPr lang="en-US" dirty="0"/>
-              <a:t>Project Purpose</a:t>
-            </a:r>
-          </a:p>
-        </p:txBody>
-      </p:sp>
-      <p:sp>
-        <p:nvSpPr>
-          <p:cNvPr id="3" name="Content Placeholder 2">
-            <a:extLst>
-              <a:ext uri="{FF2B5EF4-FFF2-40B4-BE49-F238E27FC236}">
-                <a16:creationId xmlns:a16="http://schemas.microsoft.com/office/drawing/2014/main" id="{E17FD693-6679-4A3D-8780-7CA2A459C0EE}"/>
-              </a:ext>
-            </a:extLst>
-          </p:cNvPr>
-          <p:cNvSpPr>
-            <a:spLocks noGrp="1"/>
-          </p:cNvSpPr>
-          <p:nvPr>
-            <p:ph idx="1"/>
-          </p:nvPr>
-        </p:nvSpPr>
-        <p:spPr/>
-        <p:txBody>
-          <a:bodyPr/>
-          <a:lstStyle/>
-          <a:p>
-            <a:r>
-              <a:rPr lang="en-US" dirty="0"/>
-              <a:t>To implement and test the FORDCS V1.0 based on customer requirements and Swagger API design!</a:t>
-            </a:r>
-          </a:p>
-          <a:p>
-            <a:r>
-              <a:rPr lang="en-US" dirty="0"/>
-              <a:t>Implementation and testing should be done on premise</a:t>
-            </a:r>
-          </a:p>
-          <a:p>
-            <a:r>
-              <a:rPr lang="en-US" dirty="0"/>
-              <a:t>The app should be deployed to Azure Cloud!</a:t>
-            </a:r>
-          </a:p>
-        </p:txBody>
-      </p:sp>
-    </p:spTree>
-    <p:extLst>
-      <p:ext uri="{BB962C8B-B14F-4D97-AF65-F5344CB8AC3E}">
-        <p14:creationId xmlns:p14="http://schemas.microsoft.com/office/powerpoint/2010/main" val="4252208364"/>
-      </p:ext>
-    </p:extLst>
-  </p:cSld>
-  <p:clrMapOvr>
-    <a:masterClrMapping/>
-  </p:clrMapOvr>
-</p:sld>
-</file>
-
-<file path=ppt/slides/slide3.xml><?xml version="1.0" encoding="utf-8"?>
-<p:sld xmlns:a="http://schemas.openxmlformats.org/drawingml/2006/main" xmlns:r="http://schemas.openxmlformats.org/officeDocument/2006/relationships" xmlns:p="http://schemas.openxmlformats.org/presentationml/2006/main">
-  <p:cSld>
-    <p:spTree>
-      <p:nvGrpSpPr>
-        <p:cNvPr id="1" name=""/>
-        <p:cNvGrpSpPr/>
-        <p:nvPr/>
-      </p:nvGrpSpPr>
-      <p:grpSpPr>
-        <a:xfrm>
-          <a:off x="0" y="0"/>
-          <a:ext cx="0" cy="0"/>
-          <a:chOff x="0" y="0"/>
-          <a:chExt cx="0" cy="0"/>
-        </a:xfrm>
-      </p:grpSpPr>
-      <p:sp>
-        <p:nvSpPr>
-          <p:cNvPr id="4" name="Title 3">
-            <a:extLst>
-              <a:ext uri="{FF2B5EF4-FFF2-40B4-BE49-F238E27FC236}">
-                <a16:creationId xmlns:a16="http://schemas.microsoft.com/office/drawing/2014/main" id="{014CC1F4-10DB-463B-8882-A7912A1EE3F0}"/>
-              </a:ext>
-            </a:extLst>
-          </p:cNvPr>
-          <p:cNvSpPr>
-            <a:spLocks noGrp="1"/>
-          </p:cNvSpPr>
-          <p:nvPr>
-            <p:ph type="title"/>
-          </p:nvPr>
-        </p:nvSpPr>
-        <p:spPr/>
-        <p:txBody>
-          <a:bodyPr/>
-          <a:lstStyle/>
-          <a:p>
-            <a:r>
-              <a:rPr lang="en-US" dirty="0"/>
-              <a:t>Project Requirements</a:t>
-            </a:r>
-          </a:p>
-        </p:txBody>
-      </p:sp>
-      <p:sp>
-        <p:nvSpPr>
-          <p:cNvPr id="6" name="Content Placeholder 5">
-            <a:extLst>
-              <a:ext uri="{FF2B5EF4-FFF2-40B4-BE49-F238E27FC236}">
-                <a16:creationId xmlns:a16="http://schemas.microsoft.com/office/drawing/2014/main" id="{BB14AFE2-F6D6-44B2-AF82-4CCBDD509240}"/>
-              </a:ext>
-            </a:extLst>
-          </p:cNvPr>
-          <p:cNvSpPr>
-            <a:spLocks noGrp="1"/>
-          </p:cNvSpPr>
-          <p:nvPr>
-            <p:ph idx="1"/>
-          </p:nvPr>
-        </p:nvSpPr>
-        <p:spPr/>
-        <p:txBody>
-          <a:bodyPr/>
-          <a:lstStyle/>
-          <a:p>
-            <a:r>
-              <a:rPr lang="en-US" dirty="0"/>
-              <a:t>The customer requirements are defined in a set of slides!</a:t>
-            </a:r>
-          </a:p>
-          <a:p>
-            <a:r>
-              <a:rPr lang="en-US" dirty="0"/>
-              <a:t>The FORDCS V1.0 API is designed by Swagger!</a:t>
-            </a:r>
-          </a:p>
-          <a:p>
-            <a:r>
-              <a:rPr lang="en-US" dirty="0"/>
-              <a:t>The app should offer a Swagger document API! </a:t>
-            </a:r>
-          </a:p>
-          <a:p>
-            <a:r>
-              <a:rPr lang="en-US" dirty="0"/>
-              <a:t>The app should be deployed to Azure Cloud!</a:t>
-            </a:r>
-          </a:p>
-          <a:p>
-            <a:r>
-              <a:rPr lang="en-US" dirty="0"/>
-              <a:t>The acceptance test should be conducted while app is running on Azure Cloud!</a:t>
-            </a:r>
-          </a:p>
-          <a:p>
-            <a:endParaRPr lang="en-US" dirty="0"/>
-          </a:p>
-        </p:txBody>
-      </p:sp>
-    </p:spTree>
-    <p:extLst>
-      <p:ext uri="{BB962C8B-B14F-4D97-AF65-F5344CB8AC3E}">
-        <p14:creationId xmlns:p14="http://schemas.microsoft.com/office/powerpoint/2010/main" val="4120221842"/>
-      </p:ext>
-    </p:extLst>
-  </p:cSld>
-  <p:clrMapOvr>
-    <a:masterClrMapping/>
-  </p:clrMapOvr>
-</p:sld>
-</file>
-
-<file path=ppt/slides/slide4.xml><?xml version="1.0" encoding="utf-8"?>
-<p:sld xmlns:a="http://schemas.openxmlformats.org/drawingml/2006/main" xmlns:r="http://schemas.openxmlformats.org/officeDocument/2006/relationships" xmlns:p="http://schemas.openxmlformats.org/presentationml/2006/main">
-  <p:cSld>
-    <p:spTree>
-      <p:nvGrpSpPr>
-        <p:cNvPr id="1" name=""/>
-        <p:cNvGrpSpPr/>
-        <p:nvPr/>
-      </p:nvGrpSpPr>
-      <p:grpSpPr>
-        <a:xfrm>
-          <a:off x="0" y="0"/>
-          <a:ext cx="0" cy="0"/>
-          <a:chOff x="0" y="0"/>
-          <a:chExt cx="0" cy="0"/>
-        </a:xfrm>
-      </p:grpSpPr>
-      <p:sp>
-        <p:nvSpPr>
-          <p:cNvPr id="4" name="Title 3">
-            <a:extLst>
-              <a:ext uri="{FF2B5EF4-FFF2-40B4-BE49-F238E27FC236}">
-                <a16:creationId xmlns:a16="http://schemas.microsoft.com/office/drawing/2014/main" id="{014CC1F4-10DB-463B-8882-A7912A1EE3F0}"/>
-              </a:ext>
-            </a:extLst>
-          </p:cNvPr>
-          <p:cNvSpPr>
-            <a:spLocks noGrp="1"/>
-          </p:cNvSpPr>
-          <p:nvPr>
-            <p:ph type="title"/>
-          </p:nvPr>
-        </p:nvSpPr>
-        <p:spPr/>
-        <p:txBody>
-          <a:bodyPr/>
-          <a:lstStyle/>
-          <a:p>
-            <a:r>
-              <a:rPr lang="en-US" dirty="0"/>
-              <a:t>Project Technical Scope</a:t>
-            </a:r>
-          </a:p>
-        </p:txBody>
-      </p:sp>
-      <p:sp>
-        <p:nvSpPr>
-          <p:cNvPr id="2" name="Content Placeholder 1">
-            <a:extLst>
-              <a:ext uri="{FF2B5EF4-FFF2-40B4-BE49-F238E27FC236}">
-                <a16:creationId xmlns:a16="http://schemas.microsoft.com/office/drawing/2014/main" id="{51D6B3FC-EF0D-4441-B962-01F2DB3844E3}"/>
-              </a:ext>
-            </a:extLst>
-          </p:cNvPr>
-          <p:cNvSpPr>
-            <a:spLocks noGrp="1"/>
-          </p:cNvSpPr>
-          <p:nvPr>
-            <p:ph idx="1"/>
-          </p:nvPr>
-        </p:nvSpPr>
-        <p:spPr/>
-        <p:txBody>
-          <a:bodyPr/>
-          <a:lstStyle/>
-          <a:p>
-            <a:endParaRPr lang="en-US"/>
-          </a:p>
-        </p:txBody>
-      </p:sp>
-    </p:spTree>
-    <p:extLst>
-      <p:ext uri="{BB962C8B-B14F-4D97-AF65-F5344CB8AC3E}">
-        <p14:creationId xmlns:p14="http://schemas.microsoft.com/office/powerpoint/2010/main" val="141276072"/>
-      </p:ext>
-    </p:extLst>
-  </p:cSld>
-  <p:clrMapOvr>
-    <a:masterClrMapping/>
-  </p:clrMapOvr>
-</p:sld>
-</file>
-
-<file path=ppt/slides/slide5.xml><?xml version="1.0" encoding="utf-8"?>
-<p:sld xmlns:a="http://schemas.openxmlformats.org/drawingml/2006/main" xmlns:r="http://schemas.openxmlformats.org/officeDocument/2006/relationships" xmlns:p="http://schemas.openxmlformats.org/presentationml/2006/main">
-  <p:cSld>
-    <p:spTree>
-      <p:nvGrpSpPr>
-        <p:cNvPr id="1" name=""/>
-        <p:cNvGrpSpPr/>
-        <p:nvPr/>
-      </p:nvGrpSpPr>
-      <p:grpSpPr>
-        <a:xfrm>
-          <a:off x="0" y="0"/>
-          <a:ext cx="0" cy="0"/>
-          <a:chOff x="0" y="0"/>
-          <a:chExt cx="0" cy="0"/>
-        </a:xfrm>
-      </p:grpSpPr>
-      <p:sp>
-        <p:nvSpPr>
-          <p:cNvPr id="4" name="Title 3">
-            <a:extLst>
-              <a:ext uri="{FF2B5EF4-FFF2-40B4-BE49-F238E27FC236}">
-                <a16:creationId xmlns:a16="http://schemas.microsoft.com/office/drawing/2014/main" id="{014CC1F4-10DB-463B-8882-A7912A1EE3F0}"/>
-              </a:ext>
-            </a:extLst>
-          </p:cNvPr>
-          <p:cNvSpPr>
-            <a:spLocks noGrp="1"/>
-          </p:cNvSpPr>
-          <p:nvPr>
-            <p:ph type="title"/>
-          </p:nvPr>
-        </p:nvSpPr>
-        <p:spPr/>
-        <p:txBody>
-          <a:bodyPr/>
-          <a:lstStyle/>
-          <a:p>
-            <a:r>
-              <a:rPr lang="en-US" dirty="0"/>
-              <a:t>Project Setup</a:t>
-            </a:r>
-          </a:p>
-        </p:txBody>
-      </p:sp>
-      <p:sp>
-        <p:nvSpPr>
-          <p:cNvPr id="2" name="Content Placeholder 1">
-            <a:extLst>
-              <a:ext uri="{FF2B5EF4-FFF2-40B4-BE49-F238E27FC236}">
-                <a16:creationId xmlns:a16="http://schemas.microsoft.com/office/drawing/2014/main" id="{2882320F-57A6-4A07-901D-287CB08C76F3}"/>
-              </a:ext>
-            </a:extLst>
-          </p:cNvPr>
-          <p:cNvSpPr>
-            <a:spLocks noGrp="1"/>
-          </p:cNvSpPr>
-          <p:nvPr>
-            <p:ph idx="1"/>
-          </p:nvPr>
-        </p:nvSpPr>
-        <p:spPr/>
-        <p:txBody>
-          <a:bodyPr/>
-          <a:lstStyle/>
-          <a:p>
-            <a:endParaRPr lang="en-US" dirty="0"/>
-          </a:p>
-          <a:p>
-            <a:endParaRPr lang="en-US" dirty="0"/>
-          </a:p>
-          <a:p>
-            <a:endParaRPr lang="en-US" dirty="0"/>
-          </a:p>
-          <a:p>
-            <a:r>
-              <a:rPr lang="en-US" dirty="0"/>
-              <a:t>For artifacts see the slide “FORDCS-V1.0 Project Artifacts”</a:t>
-            </a:r>
-          </a:p>
-        </p:txBody>
-      </p:sp>
-    </p:spTree>
-    <p:extLst>
-      <p:ext uri="{BB962C8B-B14F-4D97-AF65-F5344CB8AC3E}">
-        <p14:creationId xmlns:p14="http://schemas.microsoft.com/office/powerpoint/2010/main" val="1657034524"/>
-      </p:ext>
-    </p:extLst>
-  </p:cSld>
-  <p:clrMapOvr>
-    <a:masterClrMapping/>
-  </p:clrMapOvr>
-</p:sld>
-</file>
-
-<file path=ppt/slides/slide6.xml><?xml version="1.0" encoding="utf-8"?>
-<p:sld xmlns:a="http://schemas.openxmlformats.org/drawingml/2006/main" xmlns:r="http://schemas.openxmlformats.org/officeDocument/2006/relationships" xmlns:p="http://schemas.openxmlformats.org/presentationml/2006/main">
-  <p:cSld>
-    <p:spTree>
-      <p:nvGrpSpPr>
-        <p:cNvPr id="1" name=""/>
-        <p:cNvGrpSpPr/>
-        <p:nvPr/>
-      </p:nvGrpSpPr>
-      <p:grpSpPr>
-        <a:xfrm>
-          <a:off x="0" y="0"/>
-          <a:ext cx="0" cy="0"/>
-          <a:chOff x="0" y="0"/>
-          <a:chExt cx="0" cy="0"/>
-        </a:xfrm>
-      </p:grpSpPr>
-      <p:sp>
-        <p:nvSpPr>
-          <p:cNvPr id="4" name="Title 3">
-            <a:extLst>
-              <a:ext uri="{FF2B5EF4-FFF2-40B4-BE49-F238E27FC236}">
-                <a16:creationId xmlns:a16="http://schemas.microsoft.com/office/drawing/2014/main" id="{014CC1F4-10DB-463B-8882-A7912A1EE3F0}"/>
-              </a:ext>
-            </a:extLst>
-          </p:cNvPr>
-          <p:cNvSpPr>
-            <a:spLocks noGrp="1"/>
-          </p:cNvSpPr>
-          <p:nvPr>
-            <p:ph type="title"/>
-          </p:nvPr>
-        </p:nvSpPr>
-        <p:spPr/>
-        <p:txBody>
-          <a:bodyPr/>
-          <a:lstStyle/>
-          <a:p>
-            <a:r>
-              <a:rPr lang="en-US" dirty="0"/>
-              <a:t>Project Delivery</a:t>
-            </a:r>
-          </a:p>
-        </p:txBody>
-      </p:sp>
-      <p:sp>
-        <p:nvSpPr>
-          <p:cNvPr id="2" name="Content Placeholder 1">
-            <a:extLst>
-              <a:ext uri="{FF2B5EF4-FFF2-40B4-BE49-F238E27FC236}">
-                <a16:creationId xmlns:a16="http://schemas.microsoft.com/office/drawing/2014/main" id="{F4B9953F-D896-4509-BED4-B904EA3F2B6A}"/>
-              </a:ext>
-            </a:extLst>
-          </p:cNvPr>
-          <p:cNvSpPr>
-            <a:spLocks noGrp="1"/>
-          </p:cNvSpPr>
-          <p:nvPr>
-            <p:ph idx="1"/>
-          </p:nvPr>
-        </p:nvSpPr>
-        <p:spPr/>
-        <p:txBody>
-          <a:bodyPr/>
-          <a:lstStyle/>
-          <a:p>
-            <a:endParaRPr lang="en-US"/>
-          </a:p>
-        </p:txBody>
-      </p:sp>
-    </p:spTree>
-    <p:extLst>
-      <p:ext uri="{BB962C8B-B14F-4D97-AF65-F5344CB8AC3E}">
-        <p14:creationId xmlns:p14="http://schemas.microsoft.com/office/powerpoint/2010/main" val="93834442"/>
-      </p:ext>
-    </p:extLst>
-  </p:cSld>
-  <p:clrMapOvr>
-    <a:masterClrMapping/>
-  </p:clrMapOvr>
-</p:sld>
-</file>
-
-<file path=ppt/slides/slide7.xml><?xml version="1.0" encoding="utf-8"?>
+<file path=ppt/slides/slide9.xml><?xml version="1.0" encoding="utf-8"?>
 <p:sld xmlns:a="http://schemas.openxmlformats.org/drawingml/2006/main" xmlns:r="http://schemas.openxmlformats.org/officeDocument/2006/relationships" xmlns:p="http://schemas.openxmlformats.org/presentationml/2006/main">
   <p:cSld>
     <p:spTree>
@@ -14029,172 +15298,6 @@
     <p:extLst>
       <p:ext uri="{BB962C8B-B14F-4D97-AF65-F5344CB8AC3E}">
         <p14:creationId xmlns:p14="http://schemas.microsoft.com/office/powerpoint/2010/main" val="217788147"/>
-      </p:ext>
-    </p:extLst>
-  </p:cSld>
-  <p:clrMapOvr>
-    <a:masterClrMapping/>
-  </p:clrMapOvr>
-</p:sld>
-</file>
-
-<file path=ppt/slides/slide8.xml><?xml version="1.0" encoding="utf-8"?>
-<p:sld xmlns:a="http://schemas.openxmlformats.org/drawingml/2006/main" xmlns:r="http://schemas.openxmlformats.org/officeDocument/2006/relationships" xmlns:p="http://schemas.openxmlformats.org/presentationml/2006/main">
-  <p:cSld>
-    <p:spTree>
-      <p:nvGrpSpPr>
-        <p:cNvPr id="1" name=""/>
-        <p:cNvGrpSpPr/>
-        <p:nvPr/>
-      </p:nvGrpSpPr>
-      <p:grpSpPr>
-        <a:xfrm>
-          <a:off x="0" y="0"/>
-          <a:ext cx="0" cy="0"/>
-          <a:chOff x="0" y="0"/>
-          <a:chExt cx="0" cy="0"/>
-        </a:xfrm>
-      </p:grpSpPr>
-      <p:sp>
-        <p:nvSpPr>
-          <p:cNvPr id="4" name="Title 3">
-            <a:extLst>
-              <a:ext uri="{FF2B5EF4-FFF2-40B4-BE49-F238E27FC236}">
-                <a16:creationId xmlns:a16="http://schemas.microsoft.com/office/drawing/2014/main" id="{D5CDEF2B-EEF2-46CE-B9CE-2968635BFF21}"/>
-              </a:ext>
-            </a:extLst>
-          </p:cNvPr>
-          <p:cNvSpPr>
-            <a:spLocks noGrp="1"/>
-          </p:cNvSpPr>
-          <p:nvPr>
-            <p:ph type="title"/>
-          </p:nvPr>
-        </p:nvSpPr>
-        <p:spPr/>
-        <p:txBody>
-          <a:bodyPr/>
-          <a:lstStyle/>
-          <a:p>
-            <a:r>
-              <a:rPr lang="en-US" dirty="0"/>
-              <a:t>References</a:t>
-            </a:r>
-          </a:p>
-        </p:txBody>
-      </p:sp>
-      <p:sp>
-        <p:nvSpPr>
-          <p:cNvPr id="5" name="Content Placeholder 4">
-            <a:extLst>
-              <a:ext uri="{FF2B5EF4-FFF2-40B4-BE49-F238E27FC236}">
-                <a16:creationId xmlns:a16="http://schemas.microsoft.com/office/drawing/2014/main" id="{A4D4CC32-962D-4DD9-B303-F69E37185EE8}"/>
-              </a:ext>
-            </a:extLst>
-          </p:cNvPr>
-          <p:cNvSpPr>
-            <a:spLocks noGrp="1"/>
-          </p:cNvSpPr>
-          <p:nvPr>
-            <p:ph idx="1"/>
-          </p:nvPr>
-        </p:nvSpPr>
-        <p:spPr/>
-        <p:txBody>
-          <a:bodyPr/>
-          <a:lstStyle/>
-          <a:p>
-            <a:endParaRPr lang="en-US" dirty="0"/>
-          </a:p>
-        </p:txBody>
-      </p:sp>
-    </p:spTree>
-    <p:extLst>
-      <p:ext uri="{BB962C8B-B14F-4D97-AF65-F5344CB8AC3E}">
-        <p14:creationId xmlns:p14="http://schemas.microsoft.com/office/powerpoint/2010/main" val="2808498521"/>
-      </p:ext>
-    </p:extLst>
-  </p:cSld>
-  <p:clrMapOvr>
-    <a:masterClrMapping/>
-  </p:clrMapOvr>
-</p:sld>
-</file>
-
-<file path=ppt/slides/slide9.xml><?xml version="1.0" encoding="utf-8"?>
-<p:sld xmlns:a="http://schemas.openxmlformats.org/drawingml/2006/main" xmlns:r="http://schemas.openxmlformats.org/officeDocument/2006/relationships" xmlns:p="http://schemas.openxmlformats.org/presentationml/2006/main">
-  <p:cSld>
-    <p:spTree>
-      <p:nvGrpSpPr>
-        <p:cNvPr id="1" name=""/>
-        <p:cNvGrpSpPr/>
-        <p:nvPr/>
-      </p:nvGrpSpPr>
-      <p:grpSpPr>
-        <a:xfrm>
-          <a:off x="0" y="0"/>
-          <a:ext cx="0" cy="0"/>
-          <a:chOff x="0" y="0"/>
-          <a:chExt cx="0" cy="0"/>
-        </a:xfrm>
-      </p:grpSpPr>
-      <p:sp>
-        <p:nvSpPr>
-          <p:cNvPr id="2" name="Title 1">
-            <a:extLst>
-              <a:ext uri="{FF2B5EF4-FFF2-40B4-BE49-F238E27FC236}">
-                <a16:creationId xmlns:a16="http://schemas.microsoft.com/office/drawing/2014/main" id="{F86F35AA-6F9E-4F98-B9D7-A222656C9F08}"/>
-              </a:ext>
-            </a:extLst>
-          </p:cNvPr>
-          <p:cNvSpPr>
-            <a:spLocks noGrp="1"/>
-          </p:cNvSpPr>
-          <p:nvPr>
-            <p:ph type="title"/>
-          </p:nvPr>
-        </p:nvSpPr>
-        <p:spPr/>
-        <p:txBody>
-          <a:bodyPr/>
-          <a:lstStyle/>
-          <a:p>
-            <a:r>
-              <a:rPr lang="en-US" dirty="0"/>
-              <a:t>&lt;Annex - &gt; &lt;topic name&gt;&gt;</a:t>
-            </a:r>
-          </a:p>
-        </p:txBody>
-      </p:sp>
-      <p:sp>
-        <p:nvSpPr>
-          <p:cNvPr id="3" name="Content Placeholder 2">
-            <a:extLst>
-              <a:ext uri="{FF2B5EF4-FFF2-40B4-BE49-F238E27FC236}">
-                <a16:creationId xmlns:a16="http://schemas.microsoft.com/office/drawing/2014/main" id="{259FACC4-2953-4E44-B7FE-A9CF44DCE0F3}"/>
-              </a:ext>
-            </a:extLst>
-          </p:cNvPr>
-          <p:cNvSpPr>
-            <a:spLocks noGrp="1"/>
-          </p:cNvSpPr>
-          <p:nvPr>
-            <p:ph idx="1"/>
-          </p:nvPr>
-        </p:nvSpPr>
-        <p:spPr/>
-        <p:txBody>
-          <a:bodyPr/>
-          <a:lstStyle/>
-          <a:p>
-            <a:endParaRPr lang="en-US"/>
-          </a:p>
-        </p:txBody>
-      </p:sp>
-    </p:spTree>
-    <p:extLst>
-      <p:ext uri="{BB962C8B-B14F-4D97-AF65-F5344CB8AC3E}">
-        <p14:creationId xmlns:p14="http://schemas.microsoft.com/office/powerpoint/2010/main" val="1713442985"/>
       </p:ext>
     </p:extLst>
   </p:cSld>
